--- a/04. Slides/02. STM32 & CubeIDE/Development Guide STM32.pptx
+++ b/04. Slides/02. STM32 & CubeIDE/Development Guide STM32.pptx
@@ -8,24 +8,32 @@
   <p:sldIdLst>
     <p:sldId id="257" r:id="rId3"/>
     <p:sldId id="363" r:id="rId4"/>
-    <p:sldId id="410" r:id="rId5"/>
-    <p:sldId id="423" r:id="rId6"/>
-    <p:sldId id="424" r:id="rId7"/>
-    <p:sldId id="425" r:id="rId8"/>
-    <p:sldId id="426" r:id="rId9"/>
-    <p:sldId id="427" r:id="rId10"/>
-    <p:sldId id="428" r:id="rId11"/>
-    <p:sldId id="429" r:id="rId12"/>
-    <p:sldId id="430" r:id="rId13"/>
-    <p:sldId id="431" r:id="rId14"/>
-    <p:sldId id="432" r:id="rId15"/>
-    <p:sldId id="433" r:id="rId16"/>
-    <p:sldId id="434" r:id="rId17"/>
-    <p:sldId id="435" r:id="rId18"/>
-    <p:sldId id="436" r:id="rId19"/>
-    <p:sldId id="437" r:id="rId20"/>
-    <p:sldId id="438" r:id="rId21"/>
-    <p:sldId id="409" r:id="rId22"/>
+    <p:sldId id="443" r:id="rId5"/>
+    <p:sldId id="439" r:id="rId6"/>
+    <p:sldId id="410" r:id="rId7"/>
+    <p:sldId id="423" r:id="rId8"/>
+    <p:sldId id="424" r:id="rId9"/>
+    <p:sldId id="425" r:id="rId10"/>
+    <p:sldId id="440" r:id="rId11"/>
+    <p:sldId id="426" r:id="rId12"/>
+    <p:sldId id="427" r:id="rId13"/>
+    <p:sldId id="428" r:id="rId14"/>
+    <p:sldId id="429" r:id="rId15"/>
+    <p:sldId id="430" r:id="rId16"/>
+    <p:sldId id="441" r:id="rId17"/>
+    <p:sldId id="442" r:id="rId18"/>
+    <p:sldId id="431" r:id="rId19"/>
+    <p:sldId id="432" r:id="rId20"/>
+    <p:sldId id="433" r:id="rId21"/>
+    <p:sldId id="434" r:id="rId22"/>
+    <p:sldId id="435" r:id="rId23"/>
+    <p:sldId id="436" r:id="rId24"/>
+    <p:sldId id="437" r:id="rId25"/>
+    <p:sldId id="438" r:id="rId26"/>
+    <p:sldId id="444" r:id="rId27"/>
+    <p:sldId id="445" r:id="rId28"/>
+    <p:sldId id="446" r:id="rId29"/>
+    <p:sldId id="409" r:id="rId30"/>
   </p:sldIdLst>
   <p:sldSz cx="12192000" cy="6858000"/>
   <p:notesSz cx="6858000" cy="9144000"/>
@@ -124,6 +132,11 @@
       </a:defRPr>
     </a:lvl9pPr>
   </p:defaultTextStyle>
+  <p:extLst>
+    <p:ext uri="{EFAFB233-063F-42B5-8137-9DF3F51BA10A}">
+      <p15:sldGuideLst xmlns:p15="http://schemas.microsoft.com/office/powerpoint/2012/main"/>
+    </p:ext>
+  </p:extLst>
 </p:presentation>
 </file>
 
@@ -13591,6 +13604,678 @@
           <p:cNvPr id="2" name="Title 1">
             <a:extLst>
               <a:ext uri="{FF2B5EF4-FFF2-40B4-BE49-F238E27FC236}">
+                <a16:creationId xmlns:a16="http://schemas.microsoft.com/office/drawing/2014/main" id="{602C4ABB-1DFA-4629-8C57-F9D482F57886}"/>
+              </a:ext>
+            </a:extLst>
+          </p:cNvPr>
+          <p:cNvSpPr>
+            <a:spLocks noGrp="1"/>
+          </p:cNvSpPr>
+          <p:nvPr>
+            <p:ph type="title"/>
+          </p:nvPr>
+        </p:nvSpPr>
+        <p:spPr/>
+        <p:txBody>
+          <a:bodyPr/>
+          <a:lstStyle/>
+          <a:p>
+            <a:r>
+              <a:rPr lang="en-US" dirty="0"/>
+              <a:t>STM32CUBE IDE – FW Package</a:t>
+            </a:r>
+          </a:p>
+        </p:txBody>
+      </p:sp>
+      <p:pic>
+        <p:nvPicPr>
+          <p:cNvPr id="5" name="Picture 4">
+            <a:extLst>
+              <a:ext uri="{FF2B5EF4-FFF2-40B4-BE49-F238E27FC236}">
+                <a16:creationId xmlns:a16="http://schemas.microsoft.com/office/drawing/2014/main" id="{1E467A6C-3A9A-4FA6-841A-5099964527F7}"/>
+              </a:ext>
+            </a:extLst>
+          </p:cNvPr>
+          <p:cNvPicPr>
+            <a:picLocks noChangeAspect="1"/>
+          </p:cNvPicPr>
+          <p:nvPr/>
+        </p:nvPicPr>
+        <p:blipFill>
+          <a:blip r:embed="rId2"/>
+          <a:stretch>
+            <a:fillRect/>
+          </a:stretch>
+        </p:blipFill>
+        <p:spPr>
+          <a:xfrm>
+            <a:off x="5638800" y="1531936"/>
+            <a:ext cx="4562475" cy="5067300"/>
+          </a:xfrm>
+          <a:prstGeom prst="rect">
+            <a:avLst/>
+          </a:prstGeom>
+        </p:spPr>
+      </p:pic>
+      <p:cxnSp>
+        <p:nvCxnSpPr>
+          <p:cNvPr id="4" name="Straight Arrow Connector 3">
+            <a:extLst>
+              <a:ext uri="{FF2B5EF4-FFF2-40B4-BE49-F238E27FC236}">
+                <a16:creationId xmlns:a16="http://schemas.microsoft.com/office/drawing/2014/main" id="{0C952609-FFCF-49F2-9464-9BFEDA6BF5A9}"/>
+              </a:ext>
+            </a:extLst>
+          </p:cNvPr>
+          <p:cNvCxnSpPr>
+            <a:cxnSpLocks/>
+          </p:cNvCxnSpPr>
+          <p:nvPr/>
+        </p:nvCxnSpPr>
+        <p:spPr>
+          <a:xfrm>
+            <a:off x="4731391" y="2323750"/>
+            <a:ext cx="3900881" cy="679509"/>
+          </a:xfrm>
+          <a:prstGeom prst="straightConnector1">
+            <a:avLst/>
+          </a:prstGeom>
+          <a:ln>
+            <a:solidFill>
+              <a:srgbClr val="FF0000"/>
+            </a:solidFill>
+            <a:tailEnd type="triangle"/>
+          </a:ln>
+        </p:spPr>
+        <p:style>
+          <a:lnRef idx="2">
+            <a:schemeClr val="accent1"/>
+          </a:lnRef>
+          <a:fillRef idx="0">
+            <a:schemeClr val="accent1"/>
+          </a:fillRef>
+          <a:effectRef idx="1">
+            <a:schemeClr val="accent1"/>
+          </a:effectRef>
+          <a:fontRef idx="minor">
+            <a:schemeClr val="tx1"/>
+          </a:fontRef>
+        </p:style>
+      </p:cxnSp>
+      <p:sp>
+        <p:nvSpPr>
+          <p:cNvPr id="6" name="Content Placeholder 3">
+            <a:extLst>
+              <a:ext uri="{FF2B5EF4-FFF2-40B4-BE49-F238E27FC236}">
+                <a16:creationId xmlns:a16="http://schemas.microsoft.com/office/drawing/2014/main" id="{45EF700C-F146-4727-9347-2CFDA352C420}"/>
+              </a:ext>
+            </a:extLst>
+          </p:cNvPr>
+          <p:cNvSpPr>
+            <a:spLocks noGrp="1"/>
+          </p:cNvSpPr>
+          <p:nvPr>
+            <p:ph idx="1"/>
+          </p:nvPr>
+        </p:nvSpPr>
+        <p:spPr>
+          <a:xfrm>
+            <a:off x="609600" y="1769597"/>
+            <a:ext cx="4121791" cy="4411662"/>
+          </a:xfrm>
+        </p:spPr>
+        <p:txBody>
+          <a:bodyPr/>
+          <a:lstStyle/>
+          <a:p>
+            <a:r>
+              <a:rPr lang="en-US" dirty="0"/>
+              <a:t>Chọn version đã </a:t>
+            </a:r>
+            <a:r>
+              <a:rPr lang="en-US" dirty="0" err="1"/>
+              <a:t>cài</a:t>
+            </a:r>
+            <a:r>
+              <a:rPr lang="en-US" dirty="0"/>
+              <a:t> đặt</a:t>
+            </a:r>
+          </a:p>
+        </p:txBody>
+      </p:sp>
+    </p:spTree>
+    <p:extLst>
+      <p:ext uri="{BB962C8B-B14F-4D97-AF65-F5344CB8AC3E}">
+        <p14:creationId xmlns:p14="http://schemas.microsoft.com/office/powerpoint/2010/main" val="4222145764"/>
+      </p:ext>
+    </p:extLst>
+  </p:cSld>
+  <p:clrMapOvr>
+    <a:masterClrMapping/>
+  </p:clrMapOvr>
+</p:sld>
+</file>
+
+<file path=ppt/slides/slide11.xml><?xml version="1.0" encoding="utf-8"?>
+<p:sld xmlns:a="http://schemas.openxmlformats.org/drawingml/2006/main" xmlns:r="http://schemas.openxmlformats.org/officeDocument/2006/relationships" xmlns:p="http://schemas.openxmlformats.org/presentationml/2006/main">
+  <p:cSld>
+    <p:spTree>
+      <p:nvGrpSpPr>
+        <p:cNvPr id="1" name=""/>
+        <p:cNvGrpSpPr/>
+        <p:nvPr/>
+      </p:nvGrpSpPr>
+      <p:grpSpPr>
+        <a:xfrm>
+          <a:off x="0" y="0"/>
+          <a:ext cx="0" cy="0"/>
+          <a:chOff x="0" y="0"/>
+          <a:chExt cx="0" cy="0"/>
+        </a:xfrm>
+      </p:grpSpPr>
+      <p:sp>
+        <p:nvSpPr>
+          <p:cNvPr id="2" name="Title 1">
+            <a:extLst>
+              <a:ext uri="{FF2B5EF4-FFF2-40B4-BE49-F238E27FC236}">
+                <a16:creationId xmlns:a16="http://schemas.microsoft.com/office/drawing/2014/main" id="{CF74A67D-4E7C-4641-BDDE-CAE431406678}"/>
+              </a:ext>
+            </a:extLst>
+          </p:cNvPr>
+          <p:cNvSpPr>
+            <a:spLocks noGrp="1"/>
+          </p:cNvSpPr>
+          <p:nvPr>
+            <p:ph type="title"/>
+          </p:nvPr>
+        </p:nvSpPr>
+        <p:spPr/>
+        <p:txBody>
+          <a:bodyPr/>
+          <a:lstStyle/>
+          <a:p>
+            <a:r>
+              <a:rPr lang="en-US" dirty="0"/>
+              <a:t>STM32CUBE IDE – Manage SW Package</a:t>
+            </a:r>
+          </a:p>
+        </p:txBody>
+      </p:sp>
+      <p:pic>
+        <p:nvPicPr>
+          <p:cNvPr id="5" name="Content Placeholder 4">
+            <a:extLst>
+              <a:ext uri="{FF2B5EF4-FFF2-40B4-BE49-F238E27FC236}">
+                <a16:creationId xmlns:a16="http://schemas.microsoft.com/office/drawing/2014/main" id="{2A7A29BF-8892-4AF5-B352-5E4DE7D01AF3}"/>
+              </a:ext>
+            </a:extLst>
+          </p:cNvPr>
+          <p:cNvPicPr>
+            <a:picLocks noGrp="1" noChangeAspect="1"/>
+          </p:cNvPicPr>
+          <p:nvPr>
+            <p:ph idx="1"/>
+          </p:nvPr>
+        </p:nvPicPr>
+        <p:blipFill>
+          <a:blip r:embed="rId2"/>
+          <a:stretch>
+            <a:fillRect/>
+          </a:stretch>
+        </p:blipFill>
+        <p:spPr>
+          <a:xfrm>
+            <a:off x="5391325" y="1767408"/>
+            <a:ext cx="5169136" cy="4411662"/>
+          </a:xfrm>
+        </p:spPr>
+      </p:pic>
+      <p:cxnSp>
+        <p:nvCxnSpPr>
+          <p:cNvPr id="4" name="Straight Arrow Connector 3">
+            <a:extLst>
+              <a:ext uri="{FF2B5EF4-FFF2-40B4-BE49-F238E27FC236}">
+                <a16:creationId xmlns:a16="http://schemas.microsoft.com/office/drawing/2014/main" id="{CD861651-6783-4E45-98FB-26F5EA65A0FB}"/>
+              </a:ext>
+            </a:extLst>
+          </p:cNvPr>
+          <p:cNvCxnSpPr>
+            <a:cxnSpLocks/>
+          </p:cNvCxnSpPr>
+          <p:nvPr/>
+        </p:nvCxnSpPr>
+        <p:spPr>
+          <a:xfrm>
+            <a:off x="4731391" y="2323750"/>
+            <a:ext cx="2097248" cy="2290195"/>
+          </a:xfrm>
+          <a:prstGeom prst="straightConnector1">
+            <a:avLst/>
+          </a:prstGeom>
+          <a:ln>
+            <a:solidFill>
+              <a:srgbClr val="FF0000"/>
+            </a:solidFill>
+            <a:tailEnd type="triangle"/>
+          </a:ln>
+        </p:spPr>
+        <p:style>
+          <a:lnRef idx="2">
+            <a:schemeClr val="accent1"/>
+          </a:lnRef>
+          <a:fillRef idx="0">
+            <a:schemeClr val="accent1"/>
+          </a:fillRef>
+          <a:effectRef idx="1">
+            <a:schemeClr val="accent1"/>
+          </a:effectRef>
+          <a:fontRef idx="minor">
+            <a:schemeClr val="tx1"/>
+          </a:fontRef>
+        </p:style>
+      </p:cxnSp>
+      <p:sp>
+        <p:nvSpPr>
+          <p:cNvPr id="6" name="Content Placeholder 3">
+            <a:extLst>
+              <a:ext uri="{FF2B5EF4-FFF2-40B4-BE49-F238E27FC236}">
+                <a16:creationId xmlns:a16="http://schemas.microsoft.com/office/drawing/2014/main" id="{3AA8EAB6-99E9-41B0-AC33-3E9CFB034293}"/>
+              </a:ext>
+            </a:extLst>
+          </p:cNvPr>
+          <p:cNvSpPr txBox="1">
+            <a:spLocks/>
+          </p:cNvSpPr>
+          <p:nvPr/>
+        </p:nvSpPr>
+        <p:spPr bwMode="auto">
+          <a:xfrm>
+            <a:off x="609600" y="1769597"/>
+            <a:ext cx="4121791" cy="4411662"/>
+          </a:xfrm>
+          <a:prstGeom prst="rect">
+            <a:avLst/>
+          </a:prstGeom>
+          <a:noFill/>
+          <a:ln>
+            <a:noFill/>
+          </a:ln>
+          <a:extLst>
+            <a:ext uri="{909E8E84-426E-40DD-AFC4-6F175D3DCCD1}">
+              <a14:hiddenFill xmlns:a14="http://schemas.microsoft.com/office/drawing/2010/main">
+                <a:solidFill>
+                  <a:srgbClr val="FFFFFF"/>
+                </a:solidFill>
+              </a14:hiddenFill>
+            </a:ext>
+            <a:ext uri="{91240B29-F687-4F45-9708-019B960494DF}">
+              <a14:hiddenLine xmlns:a14="http://schemas.microsoft.com/office/drawing/2010/main" w="9525">
+                <a:solidFill>
+                  <a:srgbClr val="000000"/>
+                </a:solidFill>
+                <a:miter lim="800000"/>
+                <a:headEnd/>
+                <a:tailEnd/>
+              </a14:hiddenLine>
+            </a:ext>
+          </a:extLst>
+        </p:spPr>
+        <p:txBody>
+          <a:bodyPr vert="horz" wrap="square" lIns="91440" tIns="45720" rIns="91440" bIns="45720" numCol="1" anchor="t" anchorCtr="0" compatLnSpc="1">
+            <a:prstTxWarp prst="textNoShape">
+              <a:avLst/>
+            </a:prstTxWarp>
+          </a:bodyPr>
+          <a:lstStyle>
+            <a:lvl1pPr marL="342900" indent="-342900" algn="l" rtl="0" eaLnBrk="0" fontAlgn="base" hangingPunct="0">
+              <a:spcBef>
+                <a:spcPct val="20000"/>
+              </a:spcBef>
+              <a:spcAft>
+                <a:spcPct val="0"/>
+              </a:spcAft>
+              <a:buClr>
+                <a:schemeClr val="tx2"/>
+              </a:buClr>
+              <a:buSzPct val="70000"/>
+              <a:buFont typeface="Wingdings" panose="05000000000000000000" pitchFamily="2" charset="2"/>
+              <a:buChar char="l"/>
+              <a:defRPr sz="3000">
+                <a:solidFill>
+                  <a:schemeClr val="tx1"/>
+                </a:solidFill>
+                <a:latin typeface="+mn-lt"/>
+                <a:ea typeface="+mn-ea"/>
+                <a:cs typeface="+mn-cs"/>
+              </a:defRPr>
+            </a:lvl1pPr>
+            <a:lvl2pPr marL="692150" indent="-347663" algn="l" rtl="0" eaLnBrk="0" fontAlgn="base" hangingPunct="0">
+              <a:spcBef>
+                <a:spcPct val="20000"/>
+              </a:spcBef>
+              <a:spcAft>
+                <a:spcPct val="0"/>
+              </a:spcAft>
+              <a:buClr>
+                <a:schemeClr val="accent2"/>
+              </a:buClr>
+              <a:buSzPct val="70000"/>
+              <a:buFont typeface="Wingdings" panose="05000000000000000000" pitchFamily="2" charset="2"/>
+              <a:buChar char="l"/>
+              <a:defRPr sz="2600">
+                <a:solidFill>
+                  <a:schemeClr val="tx1"/>
+                </a:solidFill>
+                <a:latin typeface="+mn-lt"/>
+              </a:defRPr>
+            </a:lvl2pPr>
+            <a:lvl3pPr marL="987425" indent="-293688" algn="l" rtl="0" eaLnBrk="0" fontAlgn="base" hangingPunct="0">
+              <a:spcBef>
+                <a:spcPct val="20000"/>
+              </a:spcBef>
+              <a:spcAft>
+                <a:spcPct val="0"/>
+              </a:spcAft>
+              <a:buClr>
+                <a:schemeClr val="accent1"/>
+              </a:buClr>
+              <a:buSzPct val="70000"/>
+              <a:buFont typeface="Wingdings" panose="05000000000000000000" pitchFamily="2" charset="2"/>
+              <a:buChar char="l"/>
+              <a:defRPr sz="2300">
+                <a:solidFill>
+                  <a:schemeClr val="tx1"/>
+                </a:solidFill>
+                <a:latin typeface="+mn-lt"/>
+              </a:defRPr>
+            </a:lvl3pPr>
+            <a:lvl4pPr marL="1281113" indent="-292100" algn="l" rtl="0" eaLnBrk="0" fontAlgn="base" hangingPunct="0">
+              <a:spcBef>
+                <a:spcPct val="20000"/>
+              </a:spcBef>
+              <a:spcAft>
+                <a:spcPct val="0"/>
+              </a:spcAft>
+              <a:buClr>
+                <a:schemeClr val="tx2"/>
+              </a:buClr>
+              <a:buSzPct val="75000"/>
+              <a:buFont typeface="Wingdings" panose="05000000000000000000" pitchFamily="2" charset="2"/>
+              <a:buChar char="§"/>
+              <a:defRPr sz="2000">
+                <a:solidFill>
+                  <a:schemeClr val="tx1"/>
+                </a:solidFill>
+                <a:latin typeface="+mn-lt"/>
+              </a:defRPr>
+            </a:lvl4pPr>
+            <a:lvl5pPr marL="1598613" indent="-315913" algn="l" rtl="0" eaLnBrk="0" fontAlgn="base" hangingPunct="0">
+              <a:spcBef>
+                <a:spcPct val="20000"/>
+              </a:spcBef>
+              <a:spcAft>
+                <a:spcPct val="0"/>
+              </a:spcAft>
+              <a:buClr>
+                <a:schemeClr val="folHlink"/>
+              </a:buClr>
+              <a:buSzPct val="80000"/>
+              <a:buFont typeface="Wingdings" panose="05000000000000000000" pitchFamily="2" charset="2"/>
+              <a:buChar char="§"/>
+              <a:defRPr sz="2000">
+                <a:solidFill>
+                  <a:schemeClr val="tx1"/>
+                </a:solidFill>
+                <a:latin typeface="+mn-lt"/>
+              </a:defRPr>
+            </a:lvl5pPr>
+            <a:lvl6pPr marL="2055813" indent="-315913" algn="l" rtl="0" eaLnBrk="0" fontAlgn="base" hangingPunct="0">
+              <a:spcBef>
+                <a:spcPct val="20000"/>
+              </a:spcBef>
+              <a:spcAft>
+                <a:spcPct val="0"/>
+              </a:spcAft>
+              <a:buClr>
+                <a:schemeClr val="folHlink"/>
+              </a:buClr>
+              <a:buSzPct val="80000"/>
+              <a:buFont typeface="Wingdings" pitchFamily="2" charset="2"/>
+              <a:buChar char="§"/>
+              <a:defRPr sz="2000">
+                <a:solidFill>
+                  <a:schemeClr val="tx1"/>
+                </a:solidFill>
+                <a:latin typeface="+mn-lt"/>
+              </a:defRPr>
+            </a:lvl6pPr>
+            <a:lvl7pPr marL="2513013" indent="-315913" algn="l" rtl="0" eaLnBrk="0" fontAlgn="base" hangingPunct="0">
+              <a:spcBef>
+                <a:spcPct val="20000"/>
+              </a:spcBef>
+              <a:spcAft>
+                <a:spcPct val="0"/>
+              </a:spcAft>
+              <a:buClr>
+                <a:schemeClr val="folHlink"/>
+              </a:buClr>
+              <a:buSzPct val="80000"/>
+              <a:buFont typeface="Wingdings" pitchFamily="2" charset="2"/>
+              <a:buChar char="§"/>
+              <a:defRPr sz="2000">
+                <a:solidFill>
+                  <a:schemeClr val="tx1"/>
+                </a:solidFill>
+                <a:latin typeface="+mn-lt"/>
+              </a:defRPr>
+            </a:lvl7pPr>
+            <a:lvl8pPr marL="2970213" indent="-315913" algn="l" rtl="0" eaLnBrk="0" fontAlgn="base" hangingPunct="0">
+              <a:spcBef>
+                <a:spcPct val="20000"/>
+              </a:spcBef>
+              <a:spcAft>
+                <a:spcPct val="0"/>
+              </a:spcAft>
+              <a:buClr>
+                <a:schemeClr val="folHlink"/>
+              </a:buClr>
+              <a:buSzPct val="80000"/>
+              <a:buFont typeface="Wingdings" pitchFamily="2" charset="2"/>
+              <a:buChar char="§"/>
+              <a:defRPr sz="2000">
+                <a:solidFill>
+                  <a:schemeClr val="tx1"/>
+                </a:solidFill>
+                <a:latin typeface="+mn-lt"/>
+              </a:defRPr>
+            </a:lvl8pPr>
+            <a:lvl9pPr marL="3427413" indent="-315913" algn="l" rtl="0" eaLnBrk="0" fontAlgn="base" hangingPunct="0">
+              <a:spcBef>
+                <a:spcPct val="20000"/>
+              </a:spcBef>
+              <a:spcAft>
+                <a:spcPct val="0"/>
+              </a:spcAft>
+              <a:buClr>
+                <a:schemeClr val="folHlink"/>
+              </a:buClr>
+              <a:buSzPct val="80000"/>
+              <a:buFont typeface="Wingdings" pitchFamily="2" charset="2"/>
+              <a:buChar char="§"/>
+              <a:defRPr sz="2000">
+                <a:solidFill>
+                  <a:schemeClr val="tx1"/>
+                </a:solidFill>
+                <a:latin typeface="+mn-lt"/>
+              </a:defRPr>
+            </a:lvl9pPr>
+          </a:lstStyle>
+          <a:p>
+            <a:r>
+              <a:rPr lang="en-US" kern="0" dirty="0" err="1"/>
+              <a:t>Cài</a:t>
+            </a:r>
+            <a:r>
+              <a:rPr lang="en-US" kern="0" dirty="0"/>
+              <a:t> đặt các </a:t>
+            </a:r>
+            <a:r>
+              <a:rPr lang="en-US" kern="0" dirty="0" err="1"/>
+              <a:t>phiên</a:t>
+            </a:r>
+            <a:r>
+              <a:rPr lang="en-US" kern="0" dirty="0"/>
+              <a:t> </a:t>
+            </a:r>
+            <a:r>
+              <a:rPr lang="en-US" kern="0" dirty="0" err="1"/>
+              <a:t>bản</a:t>
+            </a:r>
+            <a:r>
+              <a:rPr lang="en-US" kern="0" dirty="0"/>
+              <a:t> </a:t>
+            </a:r>
+            <a:r>
+              <a:rPr lang="en-US" kern="0" dirty="0" err="1"/>
+              <a:t>thư</a:t>
+            </a:r>
+            <a:r>
+              <a:rPr lang="en-US" kern="0" dirty="0"/>
+              <a:t> viện </a:t>
+            </a:r>
+            <a:r>
+              <a:rPr lang="en-US" kern="0" dirty="0" err="1"/>
+              <a:t>cho</a:t>
+            </a:r>
+            <a:r>
+              <a:rPr lang="en-US" kern="0" dirty="0"/>
+              <a:t> F4</a:t>
+            </a:r>
+          </a:p>
+        </p:txBody>
+      </p:sp>
+    </p:spTree>
+    <p:extLst>
+      <p:ext uri="{BB962C8B-B14F-4D97-AF65-F5344CB8AC3E}">
+        <p14:creationId xmlns:p14="http://schemas.microsoft.com/office/powerpoint/2010/main" val="3090242577"/>
+      </p:ext>
+    </p:extLst>
+  </p:cSld>
+  <p:clrMapOvr>
+    <a:masterClrMapping/>
+  </p:clrMapOvr>
+</p:sld>
+</file>
+
+<file path=ppt/slides/slide12.xml><?xml version="1.0" encoding="utf-8"?>
+<p:sld xmlns:a="http://schemas.openxmlformats.org/drawingml/2006/main" xmlns:r="http://schemas.openxmlformats.org/officeDocument/2006/relationships" xmlns:p="http://schemas.openxmlformats.org/presentationml/2006/main">
+  <p:cSld>
+    <p:spTree>
+      <p:nvGrpSpPr>
+        <p:cNvPr id="1" name=""/>
+        <p:cNvGrpSpPr/>
+        <p:nvPr/>
+      </p:nvGrpSpPr>
+      <p:grpSpPr>
+        <a:xfrm>
+          <a:off x="0" y="0"/>
+          <a:ext cx="0" cy="0"/>
+          <a:chOff x="0" y="0"/>
+          <a:chExt cx="0" cy="0"/>
+        </a:xfrm>
+      </p:grpSpPr>
+      <p:sp>
+        <p:nvSpPr>
+          <p:cNvPr id="2" name="Title 1">
+            <a:extLst>
+              <a:ext uri="{FF2B5EF4-FFF2-40B4-BE49-F238E27FC236}">
+                <a16:creationId xmlns:a16="http://schemas.microsoft.com/office/drawing/2014/main" id="{67D0505C-8472-491B-8294-AF42600D05EA}"/>
+              </a:ext>
+            </a:extLst>
+          </p:cNvPr>
+          <p:cNvSpPr>
+            <a:spLocks noGrp="1"/>
+          </p:cNvSpPr>
+          <p:nvPr>
+            <p:ph type="title"/>
+          </p:nvPr>
+        </p:nvSpPr>
+        <p:spPr/>
+        <p:txBody>
+          <a:bodyPr/>
+          <a:lstStyle/>
+          <a:p>
+            <a:r>
+              <a:rPr lang="en-US" dirty="0"/>
+              <a:t>STM32CUBE IDE – Manage SW Package</a:t>
+            </a:r>
+          </a:p>
+        </p:txBody>
+      </p:sp>
+      <p:pic>
+        <p:nvPicPr>
+          <p:cNvPr id="5" name="Picture 4">
+            <a:extLst>
+              <a:ext uri="{FF2B5EF4-FFF2-40B4-BE49-F238E27FC236}">
+                <a16:creationId xmlns:a16="http://schemas.microsoft.com/office/drawing/2014/main" id="{DD356DFB-A05A-4205-B008-6AFF94814828}"/>
+              </a:ext>
+            </a:extLst>
+          </p:cNvPr>
+          <p:cNvPicPr>
+            <a:picLocks noChangeAspect="1"/>
+          </p:cNvPicPr>
+          <p:nvPr/>
+        </p:nvPicPr>
+        <p:blipFill>
+          <a:blip r:embed="rId2"/>
+          <a:stretch>
+            <a:fillRect/>
+          </a:stretch>
+        </p:blipFill>
+        <p:spPr>
+          <a:xfrm>
+            <a:off x="2284864" y="1551963"/>
+            <a:ext cx="6832353" cy="4952368"/>
+          </a:xfrm>
+          <a:prstGeom prst="rect">
+            <a:avLst/>
+          </a:prstGeom>
+        </p:spPr>
+      </p:pic>
+    </p:spTree>
+    <p:extLst>
+      <p:ext uri="{BB962C8B-B14F-4D97-AF65-F5344CB8AC3E}">
+        <p14:creationId xmlns:p14="http://schemas.microsoft.com/office/powerpoint/2010/main" val="1768127905"/>
+      </p:ext>
+    </p:extLst>
+  </p:cSld>
+  <p:clrMapOvr>
+    <a:masterClrMapping/>
+  </p:clrMapOvr>
+</p:sld>
+</file>
+
+<file path=ppt/slides/slide13.xml><?xml version="1.0" encoding="utf-8"?>
+<p:sld xmlns:a="http://schemas.openxmlformats.org/drawingml/2006/main" xmlns:r="http://schemas.openxmlformats.org/officeDocument/2006/relationships" xmlns:p="http://schemas.openxmlformats.org/presentationml/2006/main">
+  <p:cSld>
+    <p:spTree>
+      <p:nvGrpSpPr>
+        <p:cNvPr id="1" name=""/>
+        <p:cNvGrpSpPr/>
+        <p:nvPr/>
+      </p:nvGrpSpPr>
+      <p:grpSpPr>
+        <a:xfrm>
+          <a:off x="0" y="0"/>
+          <a:ext cx="0" cy="0"/>
+          <a:chOff x="0" y="0"/>
+          <a:chExt cx="0" cy="0"/>
+        </a:xfrm>
+      </p:grpSpPr>
+      <p:sp>
+        <p:nvSpPr>
+          <p:cNvPr id="2" name="Title 1">
+            <a:extLst>
+              <a:ext uri="{FF2B5EF4-FFF2-40B4-BE49-F238E27FC236}">
                 <a16:creationId xmlns:a16="http://schemas.microsoft.com/office/drawing/2014/main" id="{720C2364-ECFE-4DE7-BEEA-1189977EE1FC}"/>
               </a:ext>
             </a:extLst>
@@ -13638,7 +14323,7 @@
         </p:blipFill>
         <p:spPr>
           <a:xfrm>
-            <a:off x="1606558" y="1769232"/>
+            <a:off x="2537736" y="1777621"/>
             <a:ext cx="8687580" cy="4411662"/>
           </a:xfrm>
         </p:spPr>
@@ -13656,7 +14341,7 @@
 </p:sld>
 </file>
 
-<file path=ppt/slides/slide11.xml><?xml version="1.0" encoding="utf-8"?>
+<file path=ppt/slides/slide14.xml><?xml version="1.0" encoding="utf-8"?>
 <p:sld xmlns:a="http://schemas.openxmlformats.org/drawingml/2006/main" xmlns:r="http://schemas.openxmlformats.org/officeDocument/2006/relationships" xmlns:p="http://schemas.openxmlformats.org/presentationml/2006/main">
   <p:cSld>
     <p:spTree>
@@ -13723,7 +14408,7 @@
         </p:blipFill>
         <p:spPr>
           <a:xfrm>
-            <a:off x="2969398" y="1504200"/>
+            <a:off x="4529750" y="1603608"/>
             <a:ext cx="5864087" cy="4995628"/>
           </a:xfrm>
           <a:prstGeom prst="rect">
@@ -13744,7 +14429,420 @@
 </p:sld>
 </file>
 
-<file path=ppt/slides/slide12.xml><?xml version="1.0" encoding="utf-8"?>
+<file path=ppt/slides/slide15.xml><?xml version="1.0" encoding="utf-8"?>
+<p:sld xmlns:a="http://schemas.openxmlformats.org/drawingml/2006/main" xmlns:r="http://schemas.openxmlformats.org/officeDocument/2006/relationships" xmlns:p="http://schemas.openxmlformats.org/presentationml/2006/main">
+  <p:cSld>
+    <p:spTree>
+      <p:nvGrpSpPr>
+        <p:cNvPr id="1" name=""/>
+        <p:cNvGrpSpPr/>
+        <p:nvPr/>
+      </p:nvGrpSpPr>
+      <p:grpSpPr>
+        <a:xfrm>
+          <a:off x="0" y="0"/>
+          <a:ext cx="0" cy="0"/>
+          <a:chOff x="0" y="0"/>
+          <a:chExt cx="0" cy="0"/>
+        </a:xfrm>
+      </p:grpSpPr>
+      <p:sp>
+        <p:nvSpPr>
+          <p:cNvPr id="2" name="Title 1">
+            <a:extLst>
+              <a:ext uri="{FF2B5EF4-FFF2-40B4-BE49-F238E27FC236}">
+                <a16:creationId xmlns:a16="http://schemas.microsoft.com/office/drawing/2014/main" id="{E9C58A21-A5C8-489F-B27D-B2C5F996059B}"/>
+              </a:ext>
+            </a:extLst>
+          </p:cNvPr>
+          <p:cNvSpPr>
+            <a:spLocks noGrp="1"/>
+          </p:cNvSpPr>
+          <p:nvPr>
+            <p:ph type="title"/>
+          </p:nvPr>
+        </p:nvSpPr>
+        <p:spPr/>
+        <p:txBody>
+          <a:bodyPr/>
+          <a:lstStyle/>
+          <a:p>
+            <a:r>
+              <a:rPr lang="en-US" dirty="0" err="1"/>
+              <a:t>Cấu</a:t>
+            </a:r>
+            <a:r>
+              <a:rPr lang="en-US" dirty="0"/>
+              <a:t> hình clock</a:t>
+            </a:r>
+          </a:p>
+        </p:txBody>
+      </p:sp>
+      <p:sp>
+        <p:nvSpPr>
+          <p:cNvPr id="3" name="Content Placeholder 2">
+            <a:extLst>
+              <a:ext uri="{FF2B5EF4-FFF2-40B4-BE49-F238E27FC236}">
+                <a16:creationId xmlns:a16="http://schemas.microsoft.com/office/drawing/2014/main" id="{BE01DFF5-640A-4DFA-AEC6-4F569BE414EC}"/>
+              </a:ext>
+            </a:extLst>
+          </p:cNvPr>
+          <p:cNvSpPr>
+            <a:spLocks noGrp="1"/>
+          </p:cNvSpPr>
+          <p:nvPr>
+            <p:ph idx="1"/>
+          </p:nvPr>
+        </p:nvSpPr>
+        <p:spPr>
+          <a:xfrm>
+            <a:off x="609600" y="1719263"/>
+            <a:ext cx="3937233" cy="2433287"/>
+          </a:xfrm>
+        </p:spPr>
+        <p:txBody>
+          <a:bodyPr/>
+          <a:lstStyle/>
+          <a:p>
+            <a:r>
+              <a:rPr lang="en-US" dirty="0"/>
+              <a:t>Chọn </a:t>
+            </a:r>
+            <a:r>
+              <a:rPr lang="en-US" dirty="0" err="1"/>
+              <a:t>nguồn</a:t>
+            </a:r>
+            <a:r>
+              <a:rPr lang="en-US" dirty="0"/>
+              <a:t> </a:t>
+            </a:r>
+            <a:r>
+              <a:rPr lang="en-US" dirty="0" err="1"/>
+              <a:t>dao</a:t>
+            </a:r>
+            <a:r>
+              <a:rPr lang="en-US" dirty="0"/>
+              <a:t> động </a:t>
+            </a:r>
+            <a:r>
+              <a:rPr lang="en-US" dirty="0" err="1"/>
+              <a:t>thạch</a:t>
+            </a:r>
+            <a:r>
+              <a:rPr lang="en-US" dirty="0"/>
+              <a:t> </a:t>
+            </a:r>
+            <a:r>
+              <a:rPr lang="en-US" dirty="0" err="1"/>
+              <a:t>anh</a:t>
+            </a:r>
+            <a:r>
+              <a:rPr lang="en-US" dirty="0"/>
+              <a:t> </a:t>
+            </a:r>
+            <a:r>
+              <a:rPr lang="en-US" dirty="0" err="1"/>
+              <a:t>cho</a:t>
+            </a:r>
+            <a:r>
+              <a:rPr lang="en-US" dirty="0"/>
+              <a:t> HSE</a:t>
+            </a:r>
+          </a:p>
+        </p:txBody>
+      </p:sp>
+      <p:pic>
+        <p:nvPicPr>
+          <p:cNvPr id="8" name="Picture 7">
+            <a:extLst>
+              <a:ext uri="{FF2B5EF4-FFF2-40B4-BE49-F238E27FC236}">
+                <a16:creationId xmlns:a16="http://schemas.microsoft.com/office/drawing/2014/main" id="{3927B62D-7834-4C5A-A7E7-D24C64FBAF77}"/>
+              </a:ext>
+            </a:extLst>
+          </p:cNvPr>
+          <p:cNvPicPr>
+            <a:picLocks noChangeAspect="1"/>
+          </p:cNvPicPr>
+          <p:nvPr/>
+        </p:nvPicPr>
+        <p:blipFill>
+          <a:blip r:embed="rId2"/>
+          <a:stretch>
+            <a:fillRect/>
+          </a:stretch>
+        </p:blipFill>
+        <p:spPr>
+          <a:xfrm>
+            <a:off x="5636004" y="1719263"/>
+            <a:ext cx="6343650" cy="4410075"/>
+          </a:xfrm>
+          <a:prstGeom prst="rect">
+            <a:avLst/>
+          </a:prstGeom>
+        </p:spPr>
+      </p:pic>
+      <p:cxnSp>
+        <p:nvCxnSpPr>
+          <p:cNvPr id="9" name="Straight Arrow Connector 8">
+            <a:extLst>
+              <a:ext uri="{FF2B5EF4-FFF2-40B4-BE49-F238E27FC236}">
+                <a16:creationId xmlns:a16="http://schemas.microsoft.com/office/drawing/2014/main" id="{C6012644-A70C-4490-88FD-14504A83A192}"/>
+              </a:ext>
+            </a:extLst>
+          </p:cNvPr>
+          <p:cNvCxnSpPr>
+            <a:cxnSpLocks/>
+          </p:cNvCxnSpPr>
+          <p:nvPr/>
+        </p:nvCxnSpPr>
+        <p:spPr>
+          <a:xfrm>
+            <a:off x="4622334" y="2181138"/>
+            <a:ext cx="5134062" cy="889233"/>
+          </a:xfrm>
+          <a:prstGeom prst="straightConnector1">
+            <a:avLst/>
+          </a:prstGeom>
+          <a:ln>
+            <a:solidFill>
+              <a:srgbClr val="FF0000"/>
+            </a:solidFill>
+            <a:tailEnd type="triangle"/>
+          </a:ln>
+        </p:spPr>
+        <p:style>
+          <a:lnRef idx="2">
+            <a:schemeClr val="accent1"/>
+          </a:lnRef>
+          <a:fillRef idx="0">
+            <a:schemeClr val="accent1"/>
+          </a:fillRef>
+          <a:effectRef idx="1">
+            <a:schemeClr val="accent1"/>
+          </a:effectRef>
+          <a:fontRef idx="minor">
+            <a:schemeClr val="tx1"/>
+          </a:fontRef>
+        </p:style>
+      </p:cxnSp>
+      <p:pic>
+        <p:nvPicPr>
+          <p:cNvPr id="12" name="Content Placeholder 5">
+            <a:extLst>
+              <a:ext uri="{FF2B5EF4-FFF2-40B4-BE49-F238E27FC236}">
+                <a16:creationId xmlns:a16="http://schemas.microsoft.com/office/drawing/2014/main" id="{DDE142A5-C2DD-4E77-B7E8-772B8E8AD4BB}"/>
+              </a:ext>
+            </a:extLst>
+          </p:cNvPr>
+          <p:cNvPicPr>
+            <a:picLocks noChangeAspect="1"/>
+          </p:cNvPicPr>
+          <p:nvPr/>
+        </p:nvPicPr>
+        <p:blipFill>
+          <a:blip r:embed="rId3"/>
+          <a:stretch>
+            <a:fillRect/>
+          </a:stretch>
+        </p:blipFill>
+        <p:spPr bwMode="auto">
+          <a:xfrm>
+            <a:off x="508832" y="3867025"/>
+            <a:ext cx="4893678" cy="1720854"/>
+          </a:xfrm>
+          <a:prstGeom prst="rect">
+            <a:avLst/>
+          </a:prstGeom>
+          <a:noFill/>
+          <a:ln>
+            <a:noFill/>
+          </a:ln>
+          <a:extLst>
+            <a:ext uri="{909E8E84-426E-40DD-AFC4-6F175D3DCCD1}">
+              <a14:hiddenFill xmlns:a14="http://schemas.microsoft.com/office/drawing/2010/main">
+                <a:solidFill>
+                  <a:srgbClr val="FFFFFF"/>
+                </a:solidFill>
+              </a14:hiddenFill>
+            </a:ext>
+            <a:ext uri="{91240B29-F687-4F45-9708-019B960494DF}">
+              <a14:hiddenLine xmlns:a14="http://schemas.microsoft.com/office/drawing/2010/main" w="9525">
+                <a:solidFill>
+                  <a:srgbClr val="000000"/>
+                </a:solidFill>
+                <a:miter lim="800000"/>
+                <a:headEnd/>
+                <a:tailEnd/>
+              </a14:hiddenLine>
+            </a:ext>
+          </a:extLst>
+        </p:spPr>
+      </p:pic>
+    </p:spTree>
+    <p:extLst>
+      <p:ext uri="{BB962C8B-B14F-4D97-AF65-F5344CB8AC3E}">
+        <p14:creationId xmlns:p14="http://schemas.microsoft.com/office/powerpoint/2010/main" val="2883333164"/>
+      </p:ext>
+    </p:extLst>
+  </p:cSld>
+  <p:clrMapOvr>
+    <a:masterClrMapping/>
+  </p:clrMapOvr>
+</p:sld>
+</file>
+
+<file path=ppt/slides/slide16.xml><?xml version="1.0" encoding="utf-8"?>
+<p:sld xmlns:a="http://schemas.openxmlformats.org/drawingml/2006/main" xmlns:r="http://schemas.openxmlformats.org/officeDocument/2006/relationships" xmlns:p="http://schemas.openxmlformats.org/presentationml/2006/main">
+  <p:cSld>
+    <p:spTree>
+      <p:nvGrpSpPr>
+        <p:cNvPr id="1" name=""/>
+        <p:cNvGrpSpPr/>
+        <p:nvPr/>
+      </p:nvGrpSpPr>
+      <p:grpSpPr>
+        <a:xfrm>
+          <a:off x="0" y="0"/>
+          <a:ext cx="0" cy="0"/>
+          <a:chOff x="0" y="0"/>
+          <a:chExt cx="0" cy="0"/>
+        </a:xfrm>
+      </p:grpSpPr>
+      <p:sp>
+        <p:nvSpPr>
+          <p:cNvPr id="2" name="Title 1">
+            <a:extLst>
+              <a:ext uri="{FF2B5EF4-FFF2-40B4-BE49-F238E27FC236}">
+                <a16:creationId xmlns:a16="http://schemas.microsoft.com/office/drawing/2014/main" id="{E881036E-39BC-4F71-A09D-A9ACC5AB8C0B}"/>
+              </a:ext>
+            </a:extLst>
+          </p:cNvPr>
+          <p:cNvSpPr>
+            <a:spLocks noGrp="1"/>
+          </p:cNvSpPr>
+          <p:nvPr>
+            <p:ph type="title"/>
+          </p:nvPr>
+        </p:nvSpPr>
+        <p:spPr/>
+        <p:txBody>
+          <a:bodyPr/>
+          <a:lstStyle/>
+          <a:p>
+            <a:r>
+              <a:rPr lang="en-US" dirty="0" err="1"/>
+              <a:t>Cấu</a:t>
+            </a:r>
+            <a:r>
+              <a:rPr lang="en-US" dirty="0"/>
+              <a:t> hình Clock tree</a:t>
+            </a:r>
+          </a:p>
+        </p:txBody>
+      </p:sp>
+      <p:pic>
+        <p:nvPicPr>
+          <p:cNvPr id="5" name="Picture 4">
+            <a:extLst>
+              <a:ext uri="{FF2B5EF4-FFF2-40B4-BE49-F238E27FC236}">
+                <a16:creationId xmlns:a16="http://schemas.microsoft.com/office/drawing/2014/main" id="{5491DA0A-FE1A-4C68-8BD0-1F560C60DB57}"/>
+              </a:ext>
+            </a:extLst>
+          </p:cNvPr>
+          <p:cNvPicPr>
+            <a:picLocks noChangeAspect="1"/>
+          </p:cNvPicPr>
+          <p:nvPr/>
+        </p:nvPicPr>
+        <p:blipFill>
+          <a:blip r:embed="rId2"/>
+          <a:stretch>
+            <a:fillRect/>
+          </a:stretch>
+        </p:blipFill>
+        <p:spPr>
+          <a:xfrm>
+            <a:off x="5436066" y="1865152"/>
+            <a:ext cx="6632896" cy="3963769"/>
+          </a:xfrm>
+          <a:prstGeom prst="rect">
+            <a:avLst/>
+          </a:prstGeom>
+        </p:spPr>
+      </p:pic>
+      <p:sp>
+        <p:nvSpPr>
+          <p:cNvPr id="7" name="Content Placeholder 6">
+            <a:extLst>
+              <a:ext uri="{FF2B5EF4-FFF2-40B4-BE49-F238E27FC236}">
+                <a16:creationId xmlns:a16="http://schemas.microsoft.com/office/drawing/2014/main" id="{5631EA90-A768-4CE9-961B-7EE22F46AFEF}"/>
+              </a:ext>
+            </a:extLst>
+          </p:cNvPr>
+          <p:cNvSpPr>
+            <a:spLocks noGrp="1"/>
+          </p:cNvSpPr>
+          <p:nvPr>
+            <p:ph idx="1"/>
+          </p:nvPr>
+        </p:nvSpPr>
+        <p:spPr>
+          <a:xfrm>
+            <a:off x="609600" y="1719262"/>
+            <a:ext cx="4591574" cy="4879973"/>
+          </a:xfrm>
+        </p:spPr>
+        <p:txBody>
+          <a:bodyPr/>
+          <a:lstStyle/>
+          <a:p>
+            <a:r>
+              <a:rPr lang="en-US" dirty="0"/>
+              <a:t>Input Freq: 8MHz</a:t>
+            </a:r>
+          </a:p>
+          <a:p>
+            <a:r>
+              <a:rPr lang="en-US" dirty="0"/>
+              <a:t>PLL Source: HSE</a:t>
+            </a:r>
+          </a:p>
+          <a:p>
+            <a:r>
+              <a:rPr lang="en-US" dirty="0"/>
+              <a:t>Clock Mux: PLL</a:t>
+            </a:r>
+          </a:p>
+          <a:p>
+            <a:r>
+              <a:rPr lang="en-US" dirty="0"/>
+              <a:t>Nhập giá trị HCLK và </a:t>
+            </a:r>
+            <a:r>
+              <a:rPr lang="en-US" dirty="0" err="1"/>
+              <a:t>nhấn</a:t>
+            </a:r>
+            <a:r>
+              <a:rPr lang="en-US" dirty="0"/>
+              <a:t> Enter, tool sẽ tự động tính toán các giá trị clock còn lại</a:t>
+            </a:r>
+          </a:p>
+        </p:txBody>
+      </p:sp>
+    </p:spTree>
+    <p:extLst>
+      <p:ext uri="{BB962C8B-B14F-4D97-AF65-F5344CB8AC3E}">
+        <p14:creationId xmlns:p14="http://schemas.microsoft.com/office/powerpoint/2010/main" val="2389476536"/>
+      </p:ext>
+    </p:extLst>
+  </p:cSld>
+  <p:clrMapOvr>
+    <a:masterClrMapping/>
+  </p:clrMapOvr>
+</p:sld>
+</file>
+
+<file path=ppt/slides/slide17.xml><?xml version="1.0" encoding="utf-8"?>
 <p:sld xmlns:a="http://schemas.openxmlformats.org/drawingml/2006/main" xmlns:r="http://schemas.openxmlformats.org/officeDocument/2006/relationships" xmlns:p="http://schemas.openxmlformats.org/presentationml/2006/main">
   <p:cSld>
     <p:spTree>
@@ -13811,7 +14909,7 @@
         </p:blipFill>
         <p:spPr>
           <a:xfrm>
-            <a:off x="1847576" y="1350626"/>
+            <a:off x="2040522" y="1350626"/>
             <a:ext cx="6842244" cy="5339697"/>
           </a:xfrm>
           <a:prstGeom prst="rect">
@@ -13832,7 +14930,7 @@
 </p:sld>
 </file>
 
-<file path=ppt/slides/slide13.xml><?xml version="1.0" encoding="utf-8"?>
+<file path=ppt/slides/slide18.xml><?xml version="1.0" encoding="utf-8"?>
 <p:sld xmlns:a="http://schemas.openxmlformats.org/drawingml/2006/main" xmlns:r="http://schemas.openxmlformats.org/officeDocument/2006/relationships" xmlns:p="http://schemas.openxmlformats.org/presentationml/2006/main">
   <p:cSld>
     <p:spTree>
@@ -13899,14 +14997,108 @@
         </p:blipFill>
         <p:spPr>
           <a:xfrm>
-            <a:off x="1890669" y="1409350"/>
-            <a:ext cx="6993583" cy="5087749"/>
+            <a:off x="4853982" y="1832754"/>
+            <a:ext cx="6395966" cy="4652990"/>
           </a:xfrm>
           <a:prstGeom prst="rect">
             <a:avLst/>
           </a:prstGeom>
         </p:spPr>
       </p:pic>
+      <p:cxnSp>
+        <p:nvCxnSpPr>
+          <p:cNvPr id="4" name="Straight Arrow Connector 3">
+            <a:extLst>
+              <a:ext uri="{FF2B5EF4-FFF2-40B4-BE49-F238E27FC236}">
+                <a16:creationId xmlns:a16="http://schemas.microsoft.com/office/drawing/2014/main" id="{67537B55-1231-4C3F-8309-C6D22D554C75}"/>
+              </a:ext>
+            </a:extLst>
+          </p:cNvPr>
+          <p:cNvCxnSpPr>
+            <a:cxnSpLocks/>
+          </p:cNvCxnSpPr>
+          <p:nvPr/>
+        </p:nvCxnSpPr>
+        <p:spPr>
+          <a:xfrm>
+            <a:off x="4152550" y="2088859"/>
+            <a:ext cx="6132353" cy="805343"/>
+          </a:xfrm>
+          <a:prstGeom prst="straightConnector1">
+            <a:avLst/>
+          </a:prstGeom>
+          <a:ln>
+            <a:solidFill>
+              <a:srgbClr val="FF0000"/>
+            </a:solidFill>
+            <a:tailEnd type="triangle"/>
+          </a:ln>
+        </p:spPr>
+        <p:style>
+          <a:lnRef idx="2">
+            <a:schemeClr val="accent1"/>
+          </a:lnRef>
+          <a:fillRef idx="0">
+            <a:schemeClr val="accent1"/>
+          </a:fillRef>
+          <a:effectRef idx="1">
+            <a:schemeClr val="accent1"/>
+          </a:effectRef>
+          <a:fontRef idx="minor">
+            <a:schemeClr val="tx1"/>
+          </a:fontRef>
+        </p:style>
+      </p:cxnSp>
+      <p:sp>
+        <p:nvSpPr>
+          <p:cNvPr id="6" name="Content Placeholder 6">
+            <a:extLst>
+              <a:ext uri="{FF2B5EF4-FFF2-40B4-BE49-F238E27FC236}">
+                <a16:creationId xmlns:a16="http://schemas.microsoft.com/office/drawing/2014/main" id="{91646E24-81C1-4904-9746-26484104FD2D}"/>
+              </a:ext>
+            </a:extLst>
+          </p:cNvPr>
+          <p:cNvSpPr>
+            <a:spLocks noGrp="1"/>
+          </p:cNvSpPr>
+          <p:nvPr>
+            <p:ph idx="1"/>
+          </p:nvPr>
+        </p:nvSpPr>
+        <p:spPr>
+          <a:xfrm>
+            <a:off x="408265" y="1719263"/>
+            <a:ext cx="4591574" cy="4879973"/>
+          </a:xfrm>
+        </p:spPr>
+        <p:txBody>
+          <a:bodyPr/>
+          <a:lstStyle/>
+          <a:p>
+            <a:r>
+              <a:rPr lang="en-US" dirty="0"/>
+              <a:t>Chọn </a:t>
+            </a:r>
+            <a:r>
+              <a:rPr lang="en-US" dirty="0" err="1"/>
+              <a:t>thư</a:t>
+            </a:r>
+            <a:r>
+              <a:rPr lang="en-US" dirty="0"/>
+              <a:t> viện: LL </a:t>
+            </a:r>
+          </a:p>
+          <a:p>
+            <a:pPr marL="0" indent="0">
+              <a:buNone/>
+            </a:pPr>
+            <a:r>
+              <a:rPr lang="en-US" dirty="0"/>
+              <a:t>(Low Level Library)</a:t>
+            </a:r>
+          </a:p>
+        </p:txBody>
+      </p:sp>
     </p:spTree>
     <p:extLst>
       <p:ext uri="{BB962C8B-B14F-4D97-AF65-F5344CB8AC3E}">
@@ -13920,7 +15112,7 @@
 </p:sld>
 </file>
 
-<file path=ppt/slides/slide14.xml><?xml version="1.0" encoding="utf-8"?>
+<file path=ppt/slides/slide19.xml><?xml version="1.0" encoding="utf-8"?>
 <p:sld xmlns:a="http://schemas.openxmlformats.org/drawingml/2006/main" xmlns:r="http://schemas.openxmlformats.org/officeDocument/2006/relationships" xmlns:p="http://schemas.openxmlformats.org/presentationml/2006/main">
   <p:cSld>
     <p:spTree>
@@ -13987,7 +15179,7 @@
         </p:blipFill>
         <p:spPr>
           <a:xfrm>
-            <a:off x="2782349" y="1493836"/>
+            <a:off x="5382936" y="1426725"/>
             <a:ext cx="4905375" cy="5105400"/>
           </a:xfrm>
           <a:prstGeom prst="rect">
@@ -13995,42 +15187,56 @@
           </a:prstGeom>
         </p:spPr>
       </p:pic>
-    </p:spTree>
-    <p:extLst>
-      <p:ext uri="{BB962C8B-B14F-4D97-AF65-F5344CB8AC3E}">
-        <p14:creationId xmlns:p14="http://schemas.microsoft.com/office/powerpoint/2010/main" val="4223256248"/>
-      </p:ext>
-    </p:extLst>
-  </p:cSld>
-  <p:clrMapOvr>
-    <a:masterClrMapping/>
-  </p:clrMapOvr>
-</p:sld>
-</file>
-
-<file path=ppt/slides/slide15.xml><?xml version="1.0" encoding="utf-8"?>
-<p:sld xmlns:a="http://schemas.openxmlformats.org/drawingml/2006/main" xmlns:r="http://schemas.openxmlformats.org/officeDocument/2006/relationships" xmlns:p="http://schemas.openxmlformats.org/presentationml/2006/main">
-  <p:cSld>
-    <p:spTree>
-      <p:nvGrpSpPr>
-        <p:cNvPr id="1" name=""/>
-        <p:cNvGrpSpPr/>
-        <p:nvPr/>
-      </p:nvGrpSpPr>
-      <p:grpSpPr>
-        <a:xfrm>
-          <a:off x="0" y="0"/>
-          <a:ext cx="0" cy="0"/>
-          <a:chOff x="0" y="0"/>
-          <a:chExt cx="0" cy="0"/>
-        </a:xfrm>
-      </p:grpSpPr>
+      <p:cxnSp>
+        <p:nvCxnSpPr>
+          <p:cNvPr id="4" name="Straight Arrow Connector 3">
+            <a:extLst>
+              <a:ext uri="{FF2B5EF4-FFF2-40B4-BE49-F238E27FC236}">
+                <a16:creationId xmlns:a16="http://schemas.microsoft.com/office/drawing/2014/main" id="{69AC7572-ECF8-400A-8192-6C18E0D8344E}"/>
+              </a:ext>
+            </a:extLst>
+          </p:cNvPr>
+          <p:cNvCxnSpPr>
+            <a:cxnSpLocks/>
+          </p:cNvCxnSpPr>
+          <p:nvPr/>
+        </p:nvCxnSpPr>
+        <p:spPr>
+          <a:xfrm flipV="1">
+            <a:off x="4152550" y="1996580"/>
+            <a:ext cx="1744911" cy="92279"/>
+          </a:xfrm>
+          <a:prstGeom prst="straightConnector1">
+            <a:avLst/>
+          </a:prstGeom>
+          <a:ln>
+            <a:solidFill>
+              <a:srgbClr val="FF0000"/>
+            </a:solidFill>
+            <a:tailEnd type="triangle"/>
+          </a:ln>
+        </p:spPr>
+        <p:style>
+          <a:lnRef idx="2">
+            <a:schemeClr val="accent1"/>
+          </a:lnRef>
+          <a:fillRef idx="0">
+            <a:schemeClr val="accent1"/>
+          </a:fillRef>
+          <a:effectRef idx="1">
+            <a:schemeClr val="accent1"/>
+          </a:effectRef>
+          <a:fontRef idx="minor">
+            <a:schemeClr val="tx1"/>
+          </a:fontRef>
+        </p:style>
+      </p:cxnSp>
       <p:sp>
         <p:nvSpPr>
-          <p:cNvPr id="2" name="Title 1">
+          <p:cNvPr id="6" name="Content Placeholder 6">
             <a:extLst>
               <a:ext uri="{FF2B5EF4-FFF2-40B4-BE49-F238E27FC236}">
-                <a16:creationId xmlns:a16="http://schemas.microsoft.com/office/drawing/2014/main" id="{2875ACDE-47DC-4D67-9FF7-B11CFEDA6FD0}"/>
+                <a16:creationId xmlns:a16="http://schemas.microsoft.com/office/drawing/2014/main" id="{BCFB8E10-77F9-4018-9B86-3712E7E3CFB6}"/>
               </a:ext>
             </a:extLst>
           </p:cNvPr>
@@ -14038,437 +15244,50 @@
             <a:spLocks noGrp="1"/>
           </p:cNvSpPr>
           <p:nvPr>
-            <p:ph type="title"/>
+            <p:ph idx="1"/>
           </p:nvPr>
         </p:nvSpPr>
-        <p:spPr/>
+        <p:spPr>
+          <a:xfrm>
+            <a:off x="408265" y="1719263"/>
+            <a:ext cx="4591574" cy="4879973"/>
+          </a:xfrm>
+        </p:spPr>
         <p:txBody>
           <a:bodyPr/>
           <a:lstStyle/>
           <a:p>
             <a:r>
+              <a:rPr lang="en-US" dirty="0" err="1"/>
+              <a:t>Nhấn</a:t>
+            </a:r>
+            <a:r>
               <a:rPr lang="en-US" dirty="0"/>
-              <a:t>STM32CUBE IDE – Building</a:t>
+              <a:t> “Save” </a:t>
+            </a:r>
+            <a:r>
+              <a:rPr lang="en-US" dirty="0" err="1"/>
+              <a:t>hoặc</a:t>
+            </a:r>
+            <a:r>
+              <a:rPr lang="en-US" dirty="0"/>
+              <a:t> “Save all” để </a:t>
+            </a:r>
+            <a:r>
+              <a:rPr lang="en-US" dirty="0" err="1"/>
+              <a:t>CubeMX</a:t>
+            </a:r>
+            <a:r>
+              <a:rPr lang="en-US" dirty="0"/>
+              <a:t> tự động Generate Code</a:t>
             </a:r>
           </a:p>
         </p:txBody>
       </p:sp>
-      <p:pic>
-        <p:nvPicPr>
-          <p:cNvPr id="5" name="Picture 4">
-            <a:extLst>
-              <a:ext uri="{FF2B5EF4-FFF2-40B4-BE49-F238E27FC236}">
-                <a16:creationId xmlns:a16="http://schemas.microsoft.com/office/drawing/2014/main" id="{B6EE5FAE-46A0-4C55-9586-60A86843759D}"/>
-              </a:ext>
-            </a:extLst>
-          </p:cNvPr>
-          <p:cNvPicPr>
-            <a:picLocks noChangeAspect="1"/>
-          </p:cNvPicPr>
-          <p:nvPr/>
-        </p:nvPicPr>
-        <p:blipFill>
-          <a:blip r:embed="rId2"/>
-          <a:stretch>
-            <a:fillRect/>
-          </a:stretch>
-        </p:blipFill>
-        <p:spPr>
-          <a:xfrm>
-            <a:off x="7423807" y="1839987"/>
-            <a:ext cx="3752850" cy="4114800"/>
-          </a:xfrm>
-          <a:prstGeom prst="rect">
-            <a:avLst/>
-          </a:prstGeom>
-        </p:spPr>
-      </p:pic>
-      <p:pic>
-        <p:nvPicPr>
-          <p:cNvPr id="7" name="Picture 6">
-            <a:extLst>
-              <a:ext uri="{FF2B5EF4-FFF2-40B4-BE49-F238E27FC236}">
-                <a16:creationId xmlns:a16="http://schemas.microsoft.com/office/drawing/2014/main" id="{EEE003FF-9881-4F8C-9ED0-7966B710E9E7}"/>
-              </a:ext>
-            </a:extLst>
-          </p:cNvPr>
-          <p:cNvPicPr>
-            <a:picLocks noChangeAspect="1"/>
-          </p:cNvPicPr>
-          <p:nvPr/>
-        </p:nvPicPr>
-        <p:blipFill>
-          <a:blip r:embed="rId3"/>
-          <a:stretch>
-            <a:fillRect/>
-          </a:stretch>
-        </p:blipFill>
-        <p:spPr>
-          <a:xfrm>
-            <a:off x="852880" y="4611010"/>
-            <a:ext cx="6135150" cy="2083911"/>
-          </a:xfrm>
-          <a:prstGeom prst="rect">
-            <a:avLst/>
-          </a:prstGeom>
-        </p:spPr>
-      </p:pic>
     </p:spTree>
     <p:extLst>
       <p:ext uri="{BB962C8B-B14F-4D97-AF65-F5344CB8AC3E}">
-        <p14:creationId xmlns:p14="http://schemas.microsoft.com/office/powerpoint/2010/main" val="4012923155"/>
-      </p:ext>
-    </p:extLst>
-  </p:cSld>
-  <p:clrMapOvr>
-    <a:masterClrMapping/>
-  </p:clrMapOvr>
-</p:sld>
-</file>
-
-<file path=ppt/slides/slide16.xml><?xml version="1.0" encoding="utf-8"?>
-<p:sld xmlns:a="http://schemas.openxmlformats.org/drawingml/2006/main" xmlns:r="http://schemas.openxmlformats.org/officeDocument/2006/relationships" xmlns:p="http://schemas.openxmlformats.org/presentationml/2006/main">
-  <p:cSld>
-    <p:spTree>
-      <p:nvGrpSpPr>
-        <p:cNvPr id="1" name=""/>
-        <p:cNvGrpSpPr/>
-        <p:nvPr/>
-      </p:nvGrpSpPr>
-      <p:grpSpPr>
-        <a:xfrm>
-          <a:off x="0" y="0"/>
-          <a:ext cx="0" cy="0"/>
-          <a:chOff x="0" y="0"/>
-          <a:chExt cx="0" cy="0"/>
-        </a:xfrm>
-      </p:grpSpPr>
-      <p:sp>
-        <p:nvSpPr>
-          <p:cNvPr id="2" name="Title 1">
-            <a:extLst>
-              <a:ext uri="{FF2B5EF4-FFF2-40B4-BE49-F238E27FC236}">
-                <a16:creationId xmlns:a16="http://schemas.microsoft.com/office/drawing/2014/main" id="{3CB9D896-7BCF-449A-A0B0-1E0F7CF3222E}"/>
-              </a:ext>
-            </a:extLst>
-          </p:cNvPr>
-          <p:cNvSpPr>
-            <a:spLocks noGrp="1"/>
-          </p:cNvSpPr>
-          <p:nvPr>
-            <p:ph type="title"/>
-          </p:nvPr>
-        </p:nvSpPr>
-        <p:spPr/>
-        <p:txBody>
-          <a:bodyPr/>
-          <a:lstStyle/>
-          <a:p>
-            <a:r>
-              <a:rPr lang="en-US" dirty="0"/>
-              <a:t>STM32CUBE IDE – Debug config</a:t>
-            </a:r>
-          </a:p>
-        </p:txBody>
-      </p:sp>
-      <p:pic>
-        <p:nvPicPr>
-          <p:cNvPr id="5" name="Picture 4">
-            <a:extLst>
-              <a:ext uri="{FF2B5EF4-FFF2-40B4-BE49-F238E27FC236}">
-                <a16:creationId xmlns:a16="http://schemas.microsoft.com/office/drawing/2014/main" id="{8AF1523B-38BF-45ED-AA8F-07BF94E666EA}"/>
-              </a:ext>
-            </a:extLst>
-          </p:cNvPr>
-          <p:cNvPicPr>
-            <a:picLocks noChangeAspect="1"/>
-          </p:cNvPicPr>
-          <p:nvPr/>
-        </p:nvPicPr>
-        <p:blipFill>
-          <a:blip r:embed="rId2"/>
-          <a:stretch>
-            <a:fillRect/>
-          </a:stretch>
-        </p:blipFill>
-        <p:spPr>
-          <a:xfrm>
-            <a:off x="2908183" y="1770049"/>
-            <a:ext cx="4648200" cy="4543425"/>
-          </a:xfrm>
-          <a:prstGeom prst="rect">
-            <a:avLst/>
-          </a:prstGeom>
-        </p:spPr>
-      </p:pic>
-    </p:spTree>
-    <p:extLst>
-      <p:ext uri="{BB962C8B-B14F-4D97-AF65-F5344CB8AC3E}">
-        <p14:creationId xmlns:p14="http://schemas.microsoft.com/office/powerpoint/2010/main" val="2527794653"/>
-      </p:ext>
-    </p:extLst>
-  </p:cSld>
-  <p:clrMapOvr>
-    <a:masterClrMapping/>
-  </p:clrMapOvr>
-</p:sld>
-</file>
-
-<file path=ppt/slides/slide17.xml><?xml version="1.0" encoding="utf-8"?>
-<p:sld xmlns:a="http://schemas.openxmlformats.org/drawingml/2006/main" xmlns:r="http://schemas.openxmlformats.org/officeDocument/2006/relationships" xmlns:p="http://schemas.openxmlformats.org/presentationml/2006/main">
-  <p:cSld>
-    <p:spTree>
-      <p:nvGrpSpPr>
-        <p:cNvPr id="1" name=""/>
-        <p:cNvGrpSpPr/>
-        <p:nvPr/>
-      </p:nvGrpSpPr>
-      <p:grpSpPr>
-        <a:xfrm>
-          <a:off x="0" y="0"/>
-          <a:ext cx="0" cy="0"/>
-          <a:chOff x="0" y="0"/>
-          <a:chExt cx="0" cy="0"/>
-        </a:xfrm>
-      </p:grpSpPr>
-      <p:sp>
-        <p:nvSpPr>
-          <p:cNvPr id="2" name="Title 1">
-            <a:extLst>
-              <a:ext uri="{FF2B5EF4-FFF2-40B4-BE49-F238E27FC236}">
-                <a16:creationId xmlns:a16="http://schemas.microsoft.com/office/drawing/2014/main" id="{39B97421-770C-4117-9170-4FBAAD6D57A5}"/>
-              </a:ext>
-            </a:extLst>
-          </p:cNvPr>
-          <p:cNvSpPr>
-            <a:spLocks noGrp="1"/>
-          </p:cNvSpPr>
-          <p:nvPr>
-            <p:ph type="title"/>
-          </p:nvPr>
-        </p:nvSpPr>
-        <p:spPr/>
-        <p:txBody>
-          <a:bodyPr/>
-          <a:lstStyle/>
-          <a:p>
-            <a:r>
-              <a:rPr lang="en-US" dirty="0"/>
-              <a:t>STM32CUBE IDE – Debug config</a:t>
-            </a:r>
-          </a:p>
-        </p:txBody>
-      </p:sp>
-      <p:pic>
-        <p:nvPicPr>
-          <p:cNvPr id="5" name="Picture 4">
-            <a:extLst>
-              <a:ext uri="{FF2B5EF4-FFF2-40B4-BE49-F238E27FC236}">
-                <a16:creationId xmlns:a16="http://schemas.microsoft.com/office/drawing/2014/main" id="{28898879-D199-41C5-B2D7-379351C3E793}"/>
-              </a:ext>
-            </a:extLst>
-          </p:cNvPr>
-          <p:cNvPicPr>
-            <a:picLocks noChangeAspect="1"/>
-          </p:cNvPicPr>
-          <p:nvPr/>
-        </p:nvPicPr>
-        <p:blipFill>
-          <a:blip r:embed="rId2"/>
-          <a:stretch>
-            <a:fillRect/>
-          </a:stretch>
-        </p:blipFill>
-        <p:spPr>
-          <a:xfrm>
-            <a:off x="1626891" y="1385478"/>
-            <a:ext cx="8284669" cy="5213758"/>
-          </a:xfrm>
-          <a:prstGeom prst="rect">
-            <a:avLst/>
-          </a:prstGeom>
-        </p:spPr>
-      </p:pic>
-    </p:spTree>
-    <p:extLst>
-      <p:ext uri="{BB962C8B-B14F-4D97-AF65-F5344CB8AC3E}">
-        <p14:creationId xmlns:p14="http://schemas.microsoft.com/office/powerpoint/2010/main" val="1442606680"/>
-      </p:ext>
-    </p:extLst>
-  </p:cSld>
-  <p:clrMapOvr>
-    <a:masterClrMapping/>
-  </p:clrMapOvr>
-</p:sld>
-</file>
-
-<file path=ppt/slides/slide18.xml><?xml version="1.0" encoding="utf-8"?>
-<p:sld xmlns:a="http://schemas.openxmlformats.org/drawingml/2006/main" xmlns:r="http://schemas.openxmlformats.org/officeDocument/2006/relationships" xmlns:p="http://schemas.openxmlformats.org/presentationml/2006/main">
-  <p:cSld>
-    <p:spTree>
-      <p:nvGrpSpPr>
-        <p:cNvPr id="1" name=""/>
-        <p:cNvGrpSpPr/>
-        <p:nvPr/>
-      </p:nvGrpSpPr>
-      <p:grpSpPr>
-        <a:xfrm>
-          <a:off x="0" y="0"/>
-          <a:ext cx="0" cy="0"/>
-          <a:chOff x="0" y="0"/>
-          <a:chExt cx="0" cy="0"/>
-        </a:xfrm>
-      </p:grpSpPr>
-      <p:sp>
-        <p:nvSpPr>
-          <p:cNvPr id="2" name="Title 1">
-            <a:extLst>
-              <a:ext uri="{FF2B5EF4-FFF2-40B4-BE49-F238E27FC236}">
-                <a16:creationId xmlns:a16="http://schemas.microsoft.com/office/drawing/2014/main" id="{CE54022B-5F22-4FC1-818F-7D9BD5A8CAF8}"/>
-              </a:ext>
-            </a:extLst>
-          </p:cNvPr>
-          <p:cNvSpPr>
-            <a:spLocks noGrp="1"/>
-          </p:cNvSpPr>
-          <p:nvPr>
-            <p:ph type="title"/>
-          </p:nvPr>
-        </p:nvSpPr>
-        <p:spPr/>
-        <p:txBody>
-          <a:bodyPr/>
-          <a:lstStyle/>
-          <a:p>
-            <a:r>
-              <a:rPr lang="en-US" dirty="0"/>
-              <a:t>STM32CUBE IDE – Debug config</a:t>
-            </a:r>
-          </a:p>
-        </p:txBody>
-      </p:sp>
-      <p:pic>
-        <p:nvPicPr>
-          <p:cNvPr id="7" name="Picture 6">
-            <a:extLst>
-              <a:ext uri="{FF2B5EF4-FFF2-40B4-BE49-F238E27FC236}">
-                <a16:creationId xmlns:a16="http://schemas.microsoft.com/office/drawing/2014/main" id="{8C99CE16-0267-4AFB-8C5A-024CD7A35B87}"/>
-              </a:ext>
-            </a:extLst>
-          </p:cNvPr>
-          <p:cNvPicPr>
-            <a:picLocks noChangeAspect="1"/>
-          </p:cNvPicPr>
-          <p:nvPr/>
-        </p:nvPicPr>
-        <p:blipFill>
-          <a:blip r:embed="rId2"/>
-          <a:stretch>
-            <a:fillRect/>
-          </a:stretch>
-        </p:blipFill>
-        <p:spPr>
-          <a:xfrm>
-            <a:off x="1673471" y="1519654"/>
-            <a:ext cx="8040979" cy="5008298"/>
-          </a:xfrm>
-          <a:prstGeom prst="rect">
-            <a:avLst/>
-          </a:prstGeom>
-        </p:spPr>
-      </p:pic>
-    </p:spTree>
-    <p:extLst>
-      <p:ext uri="{BB962C8B-B14F-4D97-AF65-F5344CB8AC3E}">
-        <p14:creationId xmlns:p14="http://schemas.microsoft.com/office/powerpoint/2010/main" val="862929035"/>
-      </p:ext>
-    </p:extLst>
-  </p:cSld>
-  <p:clrMapOvr>
-    <a:masterClrMapping/>
-  </p:clrMapOvr>
-</p:sld>
-</file>
-
-<file path=ppt/slides/slide19.xml><?xml version="1.0" encoding="utf-8"?>
-<p:sld xmlns:a="http://schemas.openxmlformats.org/drawingml/2006/main" xmlns:r="http://schemas.openxmlformats.org/officeDocument/2006/relationships" xmlns:p="http://schemas.openxmlformats.org/presentationml/2006/main">
-  <p:cSld>
-    <p:spTree>
-      <p:nvGrpSpPr>
-        <p:cNvPr id="1" name=""/>
-        <p:cNvGrpSpPr/>
-        <p:nvPr/>
-      </p:nvGrpSpPr>
-      <p:grpSpPr>
-        <a:xfrm>
-          <a:off x="0" y="0"/>
-          <a:ext cx="0" cy="0"/>
-          <a:chOff x="0" y="0"/>
-          <a:chExt cx="0" cy="0"/>
-        </a:xfrm>
-      </p:grpSpPr>
-      <p:sp>
-        <p:nvSpPr>
-          <p:cNvPr id="2" name="Title 1">
-            <a:extLst>
-              <a:ext uri="{FF2B5EF4-FFF2-40B4-BE49-F238E27FC236}">
-                <a16:creationId xmlns:a16="http://schemas.microsoft.com/office/drawing/2014/main" id="{406BF313-154E-4E34-96EC-CFF3D40FC4C0}"/>
-              </a:ext>
-            </a:extLst>
-          </p:cNvPr>
-          <p:cNvSpPr>
-            <a:spLocks noGrp="1"/>
-          </p:cNvSpPr>
-          <p:nvPr>
-            <p:ph type="title"/>
-          </p:nvPr>
-        </p:nvSpPr>
-        <p:spPr/>
-        <p:txBody>
-          <a:bodyPr/>
-          <a:lstStyle/>
-          <a:p>
-            <a:r>
-              <a:rPr lang="en-US" dirty="0"/>
-              <a:t>STM32CUBE IDE – Debug config</a:t>
-            </a:r>
-          </a:p>
-        </p:txBody>
-      </p:sp>
-      <p:pic>
-        <p:nvPicPr>
-          <p:cNvPr id="7" name="Picture 6">
-            <a:extLst>
-              <a:ext uri="{FF2B5EF4-FFF2-40B4-BE49-F238E27FC236}">
-                <a16:creationId xmlns:a16="http://schemas.microsoft.com/office/drawing/2014/main" id="{35F56ADA-AB04-4B30-9B24-2063956CFA40}"/>
-              </a:ext>
-            </a:extLst>
-          </p:cNvPr>
-          <p:cNvPicPr>
-            <a:picLocks noChangeAspect="1"/>
-          </p:cNvPicPr>
-          <p:nvPr/>
-        </p:nvPicPr>
-        <p:blipFill>
-          <a:blip r:embed="rId2"/>
-          <a:stretch>
-            <a:fillRect/>
-          </a:stretch>
-        </p:blipFill>
-        <p:spPr>
-          <a:xfrm>
-            <a:off x="3892123" y="1761208"/>
-            <a:ext cx="3714750" cy="4191000"/>
-          </a:xfrm>
-          <a:prstGeom prst="rect">
-            <a:avLst/>
-          </a:prstGeom>
-        </p:spPr>
-      </p:pic>
-    </p:spTree>
-    <p:extLst>
-      <p:ext uri="{BB962C8B-B14F-4D97-AF65-F5344CB8AC3E}">
-        <p14:creationId xmlns:p14="http://schemas.microsoft.com/office/powerpoint/2010/main" val="1058976395"/>
+        <p14:creationId xmlns:p14="http://schemas.microsoft.com/office/powerpoint/2010/main" val="4223256248"/>
       </p:ext>
     </p:extLst>
   </p:cSld>
@@ -14541,8 +15360,8 @@
         </p:nvSpPr>
         <p:spPr>
           <a:xfrm>
-            <a:off x="1981200" y="1752601"/>
-            <a:ext cx="8382000" cy="4411663"/>
+            <a:off x="609600" y="1752601"/>
+            <a:ext cx="9753600" cy="4411663"/>
           </a:xfrm>
         </p:spPr>
         <p:txBody>
@@ -14550,26 +15369,28 @@
           <a:lstStyle/>
           <a:p>
             <a:r>
-              <a:rPr lang="en-US" altLang="en-US"/>
-              <a:t>Embedded System Overview</a:t>
+              <a:rPr lang="en-US" altLang="en-US" dirty="0"/>
+              <a:t>Code Editor</a:t>
             </a:r>
           </a:p>
           <a:p>
             <a:r>
-              <a:rPr lang="en-US" altLang="en-US"/>
-              <a:t>Embedded C</a:t>
+              <a:rPr lang="en-US" altLang="en-US" dirty="0" err="1"/>
+              <a:t>CubeIDE</a:t>
+            </a:r>
+            <a:r>
+              <a:rPr lang="en-US" altLang="en-US" dirty="0"/>
+              <a:t> setup</a:t>
             </a:r>
           </a:p>
           <a:p>
             <a:r>
-              <a:rPr lang="en-US" altLang="en-US"/>
-              <a:t>Keil-C Simulator</a:t>
-            </a:r>
-          </a:p>
-          <a:p>
-            <a:r>
-              <a:rPr lang="en-US" altLang="en-US"/>
-              <a:t>Sample Project</a:t>
+              <a:rPr lang="en-US" altLang="en-US" dirty="0" err="1"/>
+              <a:t>CubeIDE</a:t>
+            </a:r>
+            <a:r>
+              <a:rPr lang="en-US" altLang="en-US" dirty="0"/>
+              <a:t> instruction</a:t>
             </a:r>
           </a:p>
         </p:txBody>
@@ -14583,6 +15404,1222 @@
 </file>
 
 <file path=ppt/slides/slide20.xml><?xml version="1.0" encoding="utf-8"?>
+<p:sld xmlns:a="http://schemas.openxmlformats.org/drawingml/2006/main" xmlns:r="http://schemas.openxmlformats.org/officeDocument/2006/relationships" xmlns:p="http://schemas.openxmlformats.org/presentationml/2006/main">
+  <p:cSld>
+    <p:spTree>
+      <p:nvGrpSpPr>
+        <p:cNvPr id="1" name=""/>
+        <p:cNvGrpSpPr/>
+        <p:nvPr/>
+      </p:nvGrpSpPr>
+      <p:grpSpPr>
+        <a:xfrm>
+          <a:off x="0" y="0"/>
+          <a:ext cx="0" cy="0"/>
+          <a:chOff x="0" y="0"/>
+          <a:chExt cx="0" cy="0"/>
+        </a:xfrm>
+      </p:grpSpPr>
+      <p:sp>
+        <p:nvSpPr>
+          <p:cNvPr id="2" name="Title 1">
+            <a:extLst>
+              <a:ext uri="{FF2B5EF4-FFF2-40B4-BE49-F238E27FC236}">
+                <a16:creationId xmlns:a16="http://schemas.microsoft.com/office/drawing/2014/main" id="{2875ACDE-47DC-4D67-9FF7-B11CFEDA6FD0}"/>
+              </a:ext>
+            </a:extLst>
+          </p:cNvPr>
+          <p:cNvSpPr>
+            <a:spLocks noGrp="1"/>
+          </p:cNvSpPr>
+          <p:nvPr>
+            <p:ph type="title"/>
+          </p:nvPr>
+        </p:nvSpPr>
+        <p:spPr/>
+        <p:txBody>
+          <a:bodyPr/>
+          <a:lstStyle/>
+          <a:p>
+            <a:r>
+              <a:rPr lang="en-US" dirty="0"/>
+              <a:t>STM32CUBE IDE – Building</a:t>
+            </a:r>
+          </a:p>
+        </p:txBody>
+      </p:sp>
+      <p:pic>
+        <p:nvPicPr>
+          <p:cNvPr id="5" name="Picture 4">
+            <a:extLst>
+              <a:ext uri="{FF2B5EF4-FFF2-40B4-BE49-F238E27FC236}">
+                <a16:creationId xmlns:a16="http://schemas.microsoft.com/office/drawing/2014/main" id="{B6EE5FAE-46A0-4C55-9586-60A86843759D}"/>
+              </a:ext>
+            </a:extLst>
+          </p:cNvPr>
+          <p:cNvPicPr>
+            <a:picLocks noChangeAspect="1"/>
+          </p:cNvPicPr>
+          <p:nvPr/>
+        </p:nvPicPr>
+        <p:blipFill>
+          <a:blip r:embed="rId2"/>
+          <a:stretch>
+            <a:fillRect/>
+          </a:stretch>
+        </p:blipFill>
+        <p:spPr>
+          <a:xfrm>
+            <a:off x="7457363" y="1957433"/>
+            <a:ext cx="3752850" cy="4114800"/>
+          </a:xfrm>
+          <a:prstGeom prst="rect">
+            <a:avLst/>
+          </a:prstGeom>
+        </p:spPr>
+      </p:pic>
+      <p:pic>
+        <p:nvPicPr>
+          <p:cNvPr id="7" name="Picture 6">
+            <a:extLst>
+              <a:ext uri="{FF2B5EF4-FFF2-40B4-BE49-F238E27FC236}">
+                <a16:creationId xmlns:a16="http://schemas.microsoft.com/office/drawing/2014/main" id="{EEE003FF-9881-4F8C-9ED0-7966B710E9E7}"/>
+              </a:ext>
+            </a:extLst>
+          </p:cNvPr>
+          <p:cNvPicPr>
+            <a:picLocks noChangeAspect="1"/>
+          </p:cNvPicPr>
+          <p:nvPr/>
+        </p:nvPicPr>
+        <p:blipFill>
+          <a:blip r:embed="rId3"/>
+          <a:stretch>
+            <a:fillRect/>
+          </a:stretch>
+        </p:blipFill>
+        <p:spPr>
+          <a:xfrm>
+            <a:off x="852880" y="4733537"/>
+            <a:ext cx="5774423" cy="1961384"/>
+          </a:xfrm>
+          <a:prstGeom prst="rect">
+            <a:avLst/>
+          </a:prstGeom>
+        </p:spPr>
+      </p:pic>
+      <p:sp>
+        <p:nvSpPr>
+          <p:cNvPr id="6" name="Content Placeholder 6">
+            <a:extLst>
+              <a:ext uri="{FF2B5EF4-FFF2-40B4-BE49-F238E27FC236}">
+                <a16:creationId xmlns:a16="http://schemas.microsoft.com/office/drawing/2014/main" id="{8DD390AE-AF42-4DD6-BC27-D586920C091E}"/>
+              </a:ext>
+            </a:extLst>
+          </p:cNvPr>
+          <p:cNvSpPr>
+            <a:spLocks noGrp="1"/>
+          </p:cNvSpPr>
+          <p:nvPr>
+            <p:ph idx="1"/>
+          </p:nvPr>
+        </p:nvSpPr>
+        <p:spPr>
+          <a:xfrm>
+            <a:off x="408265" y="1719263"/>
+            <a:ext cx="4591574" cy="2399731"/>
+          </a:xfrm>
+        </p:spPr>
+        <p:txBody>
+          <a:bodyPr/>
+          <a:lstStyle/>
+          <a:p>
+            <a:r>
+              <a:rPr lang="en-US" dirty="0"/>
+              <a:t>Right Click </a:t>
+            </a:r>
+            <a:r>
+              <a:rPr lang="en-US" dirty="0" err="1"/>
+              <a:t>tên</a:t>
+            </a:r>
+            <a:r>
+              <a:rPr lang="en-US" dirty="0"/>
+              <a:t> project và chọn “Build”</a:t>
+            </a:r>
+          </a:p>
+        </p:txBody>
+      </p:sp>
+      <p:cxnSp>
+        <p:nvCxnSpPr>
+          <p:cNvPr id="8" name="Straight Arrow Connector 7">
+            <a:extLst>
+              <a:ext uri="{FF2B5EF4-FFF2-40B4-BE49-F238E27FC236}">
+                <a16:creationId xmlns:a16="http://schemas.microsoft.com/office/drawing/2014/main" id="{CB2A672F-ED63-497B-9DB6-F62554B33566}"/>
+              </a:ext>
+            </a:extLst>
+          </p:cNvPr>
+          <p:cNvCxnSpPr>
+            <a:cxnSpLocks/>
+          </p:cNvCxnSpPr>
+          <p:nvPr/>
+        </p:nvCxnSpPr>
+        <p:spPr>
+          <a:xfrm>
+            <a:off x="5494789" y="2088859"/>
+            <a:ext cx="2365695" cy="1"/>
+          </a:xfrm>
+          <a:prstGeom prst="straightConnector1">
+            <a:avLst/>
+          </a:prstGeom>
+          <a:ln>
+            <a:solidFill>
+              <a:srgbClr val="FF0000"/>
+            </a:solidFill>
+            <a:tailEnd type="triangle"/>
+          </a:ln>
+        </p:spPr>
+        <p:style>
+          <a:lnRef idx="2">
+            <a:schemeClr val="accent1"/>
+          </a:lnRef>
+          <a:fillRef idx="0">
+            <a:schemeClr val="accent1"/>
+          </a:fillRef>
+          <a:effectRef idx="1">
+            <a:schemeClr val="accent1"/>
+          </a:effectRef>
+          <a:fontRef idx="minor">
+            <a:schemeClr val="tx1"/>
+          </a:fontRef>
+        </p:style>
+      </p:cxnSp>
+    </p:spTree>
+    <p:extLst>
+      <p:ext uri="{BB962C8B-B14F-4D97-AF65-F5344CB8AC3E}">
+        <p14:creationId xmlns:p14="http://schemas.microsoft.com/office/powerpoint/2010/main" val="4012923155"/>
+      </p:ext>
+    </p:extLst>
+  </p:cSld>
+  <p:clrMapOvr>
+    <a:masterClrMapping/>
+  </p:clrMapOvr>
+</p:sld>
+</file>
+
+<file path=ppt/slides/slide21.xml><?xml version="1.0" encoding="utf-8"?>
+<p:sld xmlns:a="http://schemas.openxmlformats.org/drawingml/2006/main" xmlns:r="http://schemas.openxmlformats.org/officeDocument/2006/relationships" xmlns:p="http://schemas.openxmlformats.org/presentationml/2006/main">
+  <p:cSld>
+    <p:spTree>
+      <p:nvGrpSpPr>
+        <p:cNvPr id="1" name=""/>
+        <p:cNvGrpSpPr/>
+        <p:nvPr/>
+      </p:nvGrpSpPr>
+      <p:grpSpPr>
+        <a:xfrm>
+          <a:off x="0" y="0"/>
+          <a:ext cx="0" cy="0"/>
+          <a:chOff x="0" y="0"/>
+          <a:chExt cx="0" cy="0"/>
+        </a:xfrm>
+      </p:grpSpPr>
+      <p:sp>
+        <p:nvSpPr>
+          <p:cNvPr id="2" name="Title 1">
+            <a:extLst>
+              <a:ext uri="{FF2B5EF4-FFF2-40B4-BE49-F238E27FC236}">
+                <a16:creationId xmlns:a16="http://schemas.microsoft.com/office/drawing/2014/main" id="{3CB9D896-7BCF-449A-A0B0-1E0F7CF3222E}"/>
+              </a:ext>
+            </a:extLst>
+          </p:cNvPr>
+          <p:cNvSpPr>
+            <a:spLocks noGrp="1"/>
+          </p:cNvSpPr>
+          <p:nvPr>
+            <p:ph type="title"/>
+          </p:nvPr>
+        </p:nvSpPr>
+        <p:spPr/>
+        <p:txBody>
+          <a:bodyPr/>
+          <a:lstStyle/>
+          <a:p>
+            <a:r>
+              <a:rPr lang="en-US" dirty="0"/>
+              <a:t>STM32CUBE IDE – Debug config</a:t>
+            </a:r>
+          </a:p>
+        </p:txBody>
+      </p:sp>
+      <p:pic>
+        <p:nvPicPr>
+          <p:cNvPr id="5" name="Picture 4">
+            <a:extLst>
+              <a:ext uri="{FF2B5EF4-FFF2-40B4-BE49-F238E27FC236}">
+                <a16:creationId xmlns:a16="http://schemas.microsoft.com/office/drawing/2014/main" id="{8AF1523B-38BF-45ED-AA8F-07BF94E666EA}"/>
+              </a:ext>
+            </a:extLst>
+          </p:cNvPr>
+          <p:cNvPicPr>
+            <a:picLocks noChangeAspect="1"/>
+          </p:cNvPicPr>
+          <p:nvPr/>
+        </p:nvPicPr>
+        <p:blipFill>
+          <a:blip r:embed="rId2"/>
+          <a:stretch>
+            <a:fillRect/>
+          </a:stretch>
+        </p:blipFill>
+        <p:spPr>
+          <a:xfrm>
+            <a:off x="6096000" y="1837161"/>
+            <a:ext cx="4648200" cy="4543425"/>
+          </a:xfrm>
+          <a:prstGeom prst="rect">
+            <a:avLst/>
+          </a:prstGeom>
+        </p:spPr>
+      </p:pic>
+      <p:sp>
+        <p:nvSpPr>
+          <p:cNvPr id="4" name="Content Placeholder 6">
+            <a:extLst>
+              <a:ext uri="{FF2B5EF4-FFF2-40B4-BE49-F238E27FC236}">
+                <a16:creationId xmlns:a16="http://schemas.microsoft.com/office/drawing/2014/main" id="{41EF079A-7CF7-40F9-B34C-B6A021762D64}"/>
+              </a:ext>
+            </a:extLst>
+          </p:cNvPr>
+          <p:cNvSpPr>
+            <a:spLocks noGrp="1"/>
+          </p:cNvSpPr>
+          <p:nvPr>
+            <p:ph idx="1"/>
+          </p:nvPr>
+        </p:nvSpPr>
+        <p:spPr>
+          <a:xfrm>
+            <a:off x="408265" y="1719263"/>
+            <a:ext cx="4591574" cy="2399731"/>
+          </a:xfrm>
+        </p:spPr>
+        <p:txBody>
+          <a:bodyPr/>
+          <a:lstStyle/>
+          <a:p>
+            <a:r>
+              <a:rPr lang="en-US" dirty="0"/>
+              <a:t>Chọn Menu “Run” -&gt; “Debug Config… “ để </a:t>
+            </a:r>
+            <a:r>
+              <a:rPr lang="en-US" dirty="0" err="1"/>
+              <a:t>cấu</a:t>
+            </a:r>
+            <a:r>
+              <a:rPr lang="en-US" dirty="0"/>
+              <a:t> hình </a:t>
+            </a:r>
+            <a:r>
+              <a:rPr lang="en-US" dirty="0" err="1"/>
+              <a:t>mạch</a:t>
+            </a:r>
+            <a:r>
+              <a:rPr lang="en-US" dirty="0"/>
+              <a:t> </a:t>
+            </a:r>
+            <a:r>
+              <a:rPr lang="en-US" dirty="0" err="1"/>
+              <a:t>nạp</a:t>
+            </a:r>
+            <a:r>
+              <a:rPr lang="en-US" dirty="0"/>
+              <a:t> </a:t>
+            </a:r>
+          </a:p>
+        </p:txBody>
+      </p:sp>
+      <p:cxnSp>
+        <p:nvCxnSpPr>
+          <p:cNvPr id="6" name="Straight Arrow Connector 5">
+            <a:extLst>
+              <a:ext uri="{FF2B5EF4-FFF2-40B4-BE49-F238E27FC236}">
+                <a16:creationId xmlns:a16="http://schemas.microsoft.com/office/drawing/2014/main" id="{174D0419-D843-49E5-B3D2-1023B42AE3D3}"/>
+              </a:ext>
+            </a:extLst>
+          </p:cNvPr>
+          <p:cNvCxnSpPr>
+            <a:cxnSpLocks/>
+          </p:cNvCxnSpPr>
+          <p:nvPr/>
+        </p:nvCxnSpPr>
+        <p:spPr>
+          <a:xfrm>
+            <a:off x="4999839" y="2248250"/>
+            <a:ext cx="1820411" cy="1426128"/>
+          </a:xfrm>
+          <a:prstGeom prst="straightConnector1">
+            <a:avLst/>
+          </a:prstGeom>
+          <a:ln>
+            <a:solidFill>
+              <a:srgbClr val="FF0000"/>
+            </a:solidFill>
+            <a:tailEnd type="triangle"/>
+          </a:ln>
+        </p:spPr>
+        <p:style>
+          <a:lnRef idx="2">
+            <a:schemeClr val="accent1"/>
+          </a:lnRef>
+          <a:fillRef idx="0">
+            <a:schemeClr val="accent1"/>
+          </a:fillRef>
+          <a:effectRef idx="1">
+            <a:schemeClr val="accent1"/>
+          </a:effectRef>
+          <a:fontRef idx="minor">
+            <a:schemeClr val="tx1"/>
+          </a:fontRef>
+        </p:style>
+      </p:cxnSp>
+    </p:spTree>
+    <p:extLst>
+      <p:ext uri="{BB962C8B-B14F-4D97-AF65-F5344CB8AC3E}">
+        <p14:creationId xmlns:p14="http://schemas.microsoft.com/office/powerpoint/2010/main" val="2527794653"/>
+      </p:ext>
+    </p:extLst>
+  </p:cSld>
+  <p:clrMapOvr>
+    <a:masterClrMapping/>
+  </p:clrMapOvr>
+</p:sld>
+</file>
+
+<file path=ppt/slides/slide22.xml><?xml version="1.0" encoding="utf-8"?>
+<p:sld xmlns:a="http://schemas.openxmlformats.org/drawingml/2006/main" xmlns:r="http://schemas.openxmlformats.org/officeDocument/2006/relationships" xmlns:p="http://schemas.openxmlformats.org/presentationml/2006/main">
+  <p:cSld>
+    <p:spTree>
+      <p:nvGrpSpPr>
+        <p:cNvPr id="1" name=""/>
+        <p:cNvGrpSpPr/>
+        <p:nvPr/>
+      </p:nvGrpSpPr>
+      <p:grpSpPr>
+        <a:xfrm>
+          <a:off x="0" y="0"/>
+          <a:ext cx="0" cy="0"/>
+          <a:chOff x="0" y="0"/>
+          <a:chExt cx="0" cy="0"/>
+        </a:xfrm>
+      </p:grpSpPr>
+      <p:sp>
+        <p:nvSpPr>
+          <p:cNvPr id="2" name="Title 1">
+            <a:extLst>
+              <a:ext uri="{FF2B5EF4-FFF2-40B4-BE49-F238E27FC236}">
+                <a16:creationId xmlns:a16="http://schemas.microsoft.com/office/drawing/2014/main" id="{39B97421-770C-4117-9170-4FBAAD6D57A5}"/>
+              </a:ext>
+            </a:extLst>
+          </p:cNvPr>
+          <p:cNvSpPr>
+            <a:spLocks noGrp="1"/>
+          </p:cNvSpPr>
+          <p:nvPr>
+            <p:ph type="title"/>
+          </p:nvPr>
+        </p:nvSpPr>
+        <p:spPr/>
+        <p:txBody>
+          <a:bodyPr/>
+          <a:lstStyle/>
+          <a:p>
+            <a:r>
+              <a:rPr lang="en-US" dirty="0"/>
+              <a:t>STM32CUBE IDE – Debug config</a:t>
+            </a:r>
+          </a:p>
+        </p:txBody>
+      </p:sp>
+      <p:pic>
+        <p:nvPicPr>
+          <p:cNvPr id="5" name="Picture 4">
+            <a:extLst>
+              <a:ext uri="{FF2B5EF4-FFF2-40B4-BE49-F238E27FC236}">
+                <a16:creationId xmlns:a16="http://schemas.microsoft.com/office/drawing/2014/main" id="{28898879-D199-41C5-B2D7-379351C3E793}"/>
+              </a:ext>
+            </a:extLst>
+          </p:cNvPr>
+          <p:cNvPicPr>
+            <a:picLocks noChangeAspect="1"/>
+          </p:cNvPicPr>
+          <p:nvPr/>
+        </p:nvPicPr>
+        <p:blipFill>
+          <a:blip r:embed="rId2"/>
+          <a:stretch>
+            <a:fillRect/>
+          </a:stretch>
+        </p:blipFill>
+        <p:spPr>
+          <a:xfrm>
+            <a:off x="5541392" y="1974355"/>
+            <a:ext cx="6815669" cy="4289278"/>
+          </a:xfrm>
+          <a:prstGeom prst="rect">
+            <a:avLst/>
+          </a:prstGeom>
+        </p:spPr>
+      </p:pic>
+      <p:sp>
+        <p:nvSpPr>
+          <p:cNvPr id="4" name="Content Placeholder 6">
+            <a:extLst>
+              <a:ext uri="{FF2B5EF4-FFF2-40B4-BE49-F238E27FC236}">
+                <a16:creationId xmlns:a16="http://schemas.microsoft.com/office/drawing/2014/main" id="{71B597D2-5197-45A4-9E19-E25B6D245F8D}"/>
+              </a:ext>
+            </a:extLst>
+          </p:cNvPr>
+          <p:cNvSpPr>
+            <a:spLocks noGrp="1"/>
+          </p:cNvSpPr>
+          <p:nvPr>
+            <p:ph idx="1"/>
+          </p:nvPr>
+        </p:nvSpPr>
+        <p:spPr>
+          <a:xfrm>
+            <a:off x="408265" y="1719263"/>
+            <a:ext cx="4667074" cy="3909750"/>
+          </a:xfrm>
+        </p:spPr>
+        <p:txBody>
+          <a:bodyPr/>
+          <a:lstStyle/>
+          <a:p>
+            <a:r>
+              <a:rPr lang="en-US" dirty="0"/>
+              <a:t>Double Click “STM32 Cortex … “ để </a:t>
+            </a:r>
+            <a:r>
+              <a:rPr lang="en-US" dirty="0" err="1"/>
+              <a:t>tạo</a:t>
+            </a:r>
+            <a:r>
+              <a:rPr lang="en-US" dirty="0"/>
+              <a:t> Debug configuration mới</a:t>
+            </a:r>
+          </a:p>
+          <a:p>
+            <a:r>
+              <a:rPr lang="en-US" dirty="0"/>
+              <a:t>Chuyển sang tab “Debugger” bên </a:t>
+            </a:r>
+            <a:r>
+              <a:rPr lang="en-US" dirty="0" err="1"/>
+              <a:t>cạnh</a:t>
+            </a:r>
+            <a:r>
+              <a:rPr lang="en-US" dirty="0"/>
+              <a:t> để </a:t>
+            </a:r>
+            <a:r>
+              <a:rPr lang="en-US" dirty="0" err="1"/>
+              <a:t>cấu</a:t>
+            </a:r>
+            <a:r>
+              <a:rPr lang="en-US" dirty="0"/>
+              <a:t> hình </a:t>
+            </a:r>
+            <a:r>
+              <a:rPr lang="en-US" dirty="0" err="1"/>
+              <a:t>mạch</a:t>
+            </a:r>
+            <a:r>
+              <a:rPr lang="en-US" dirty="0"/>
+              <a:t> </a:t>
+            </a:r>
+            <a:r>
+              <a:rPr lang="en-US" dirty="0" err="1"/>
+              <a:t>nạp</a:t>
+            </a:r>
+            <a:endParaRPr lang="en-US" dirty="0"/>
+          </a:p>
+        </p:txBody>
+      </p:sp>
+      <p:cxnSp>
+        <p:nvCxnSpPr>
+          <p:cNvPr id="6" name="Straight Arrow Connector 5">
+            <a:extLst>
+              <a:ext uri="{FF2B5EF4-FFF2-40B4-BE49-F238E27FC236}">
+                <a16:creationId xmlns:a16="http://schemas.microsoft.com/office/drawing/2014/main" id="{932931B8-4835-46F3-BF19-1146CC0B57C1}"/>
+              </a:ext>
+            </a:extLst>
+          </p:cNvPr>
+          <p:cNvCxnSpPr>
+            <a:cxnSpLocks/>
+          </p:cNvCxnSpPr>
+          <p:nvPr/>
+        </p:nvCxnSpPr>
+        <p:spPr>
+          <a:xfrm>
+            <a:off x="4479721" y="2290194"/>
+            <a:ext cx="1887523" cy="1341998"/>
+          </a:xfrm>
+          <a:prstGeom prst="straightConnector1">
+            <a:avLst/>
+          </a:prstGeom>
+          <a:ln>
+            <a:solidFill>
+              <a:srgbClr val="FF0000"/>
+            </a:solidFill>
+            <a:tailEnd type="triangle"/>
+          </a:ln>
+        </p:spPr>
+        <p:style>
+          <a:lnRef idx="2">
+            <a:schemeClr val="accent1"/>
+          </a:lnRef>
+          <a:fillRef idx="0">
+            <a:schemeClr val="accent1"/>
+          </a:fillRef>
+          <a:effectRef idx="1">
+            <a:schemeClr val="accent1"/>
+          </a:effectRef>
+          <a:fontRef idx="minor">
+            <a:schemeClr val="tx1"/>
+          </a:fontRef>
+        </p:style>
+      </p:cxnSp>
+    </p:spTree>
+    <p:extLst>
+      <p:ext uri="{BB962C8B-B14F-4D97-AF65-F5344CB8AC3E}">
+        <p14:creationId xmlns:p14="http://schemas.microsoft.com/office/powerpoint/2010/main" val="1442606680"/>
+      </p:ext>
+    </p:extLst>
+  </p:cSld>
+  <p:clrMapOvr>
+    <a:masterClrMapping/>
+  </p:clrMapOvr>
+</p:sld>
+</file>
+
+<file path=ppt/slides/slide23.xml><?xml version="1.0" encoding="utf-8"?>
+<p:sld xmlns:a="http://schemas.openxmlformats.org/drawingml/2006/main" xmlns:r="http://schemas.openxmlformats.org/officeDocument/2006/relationships" xmlns:p="http://schemas.openxmlformats.org/presentationml/2006/main">
+  <p:cSld>
+    <p:spTree>
+      <p:nvGrpSpPr>
+        <p:cNvPr id="1" name=""/>
+        <p:cNvGrpSpPr/>
+        <p:nvPr/>
+      </p:nvGrpSpPr>
+      <p:grpSpPr>
+        <a:xfrm>
+          <a:off x="0" y="0"/>
+          <a:ext cx="0" cy="0"/>
+          <a:chOff x="0" y="0"/>
+          <a:chExt cx="0" cy="0"/>
+        </a:xfrm>
+      </p:grpSpPr>
+      <p:sp>
+        <p:nvSpPr>
+          <p:cNvPr id="2" name="Title 1">
+            <a:extLst>
+              <a:ext uri="{FF2B5EF4-FFF2-40B4-BE49-F238E27FC236}">
+                <a16:creationId xmlns:a16="http://schemas.microsoft.com/office/drawing/2014/main" id="{CE54022B-5F22-4FC1-818F-7D9BD5A8CAF8}"/>
+              </a:ext>
+            </a:extLst>
+          </p:cNvPr>
+          <p:cNvSpPr>
+            <a:spLocks noGrp="1"/>
+          </p:cNvSpPr>
+          <p:nvPr>
+            <p:ph type="title"/>
+          </p:nvPr>
+        </p:nvSpPr>
+        <p:spPr/>
+        <p:txBody>
+          <a:bodyPr/>
+          <a:lstStyle/>
+          <a:p>
+            <a:r>
+              <a:rPr lang="en-US" dirty="0"/>
+              <a:t>STM32CUBE IDE – Debug config</a:t>
+            </a:r>
+          </a:p>
+        </p:txBody>
+      </p:sp>
+      <p:pic>
+        <p:nvPicPr>
+          <p:cNvPr id="7" name="Picture 6">
+            <a:extLst>
+              <a:ext uri="{FF2B5EF4-FFF2-40B4-BE49-F238E27FC236}">
+                <a16:creationId xmlns:a16="http://schemas.microsoft.com/office/drawing/2014/main" id="{8C99CE16-0267-4AFB-8C5A-024CD7A35B87}"/>
+              </a:ext>
+            </a:extLst>
+          </p:cNvPr>
+          <p:cNvPicPr>
+            <a:picLocks noChangeAspect="1"/>
+          </p:cNvPicPr>
+          <p:nvPr/>
+        </p:nvPicPr>
+        <p:blipFill>
+          <a:blip r:embed="rId2"/>
+          <a:stretch>
+            <a:fillRect/>
+          </a:stretch>
+        </p:blipFill>
+        <p:spPr>
+          <a:xfrm>
+            <a:off x="1858029" y="1590938"/>
+            <a:ext cx="8040979" cy="5008298"/>
+          </a:xfrm>
+          <a:prstGeom prst="rect">
+            <a:avLst/>
+          </a:prstGeom>
+        </p:spPr>
+      </p:pic>
+    </p:spTree>
+    <p:extLst>
+      <p:ext uri="{BB962C8B-B14F-4D97-AF65-F5344CB8AC3E}">
+        <p14:creationId xmlns:p14="http://schemas.microsoft.com/office/powerpoint/2010/main" val="862929035"/>
+      </p:ext>
+    </p:extLst>
+  </p:cSld>
+  <p:clrMapOvr>
+    <a:masterClrMapping/>
+  </p:clrMapOvr>
+</p:sld>
+</file>
+
+<file path=ppt/slides/slide24.xml><?xml version="1.0" encoding="utf-8"?>
+<p:sld xmlns:a="http://schemas.openxmlformats.org/drawingml/2006/main" xmlns:r="http://schemas.openxmlformats.org/officeDocument/2006/relationships" xmlns:p="http://schemas.openxmlformats.org/presentationml/2006/main">
+  <p:cSld>
+    <p:spTree>
+      <p:nvGrpSpPr>
+        <p:cNvPr id="1" name=""/>
+        <p:cNvGrpSpPr/>
+        <p:nvPr/>
+      </p:nvGrpSpPr>
+      <p:grpSpPr>
+        <a:xfrm>
+          <a:off x="0" y="0"/>
+          <a:ext cx="0" cy="0"/>
+          <a:chOff x="0" y="0"/>
+          <a:chExt cx="0" cy="0"/>
+        </a:xfrm>
+      </p:grpSpPr>
+      <p:sp>
+        <p:nvSpPr>
+          <p:cNvPr id="2" name="Title 1">
+            <a:extLst>
+              <a:ext uri="{FF2B5EF4-FFF2-40B4-BE49-F238E27FC236}">
+                <a16:creationId xmlns:a16="http://schemas.microsoft.com/office/drawing/2014/main" id="{406BF313-154E-4E34-96EC-CFF3D40FC4C0}"/>
+              </a:ext>
+            </a:extLst>
+          </p:cNvPr>
+          <p:cNvSpPr>
+            <a:spLocks noGrp="1"/>
+          </p:cNvSpPr>
+          <p:nvPr>
+            <p:ph type="title"/>
+          </p:nvPr>
+        </p:nvSpPr>
+        <p:spPr/>
+        <p:txBody>
+          <a:bodyPr/>
+          <a:lstStyle/>
+          <a:p>
+            <a:r>
+              <a:rPr lang="en-US" dirty="0"/>
+              <a:t>STM32CUBE IDE – Debug config</a:t>
+            </a:r>
+          </a:p>
+        </p:txBody>
+      </p:sp>
+      <p:pic>
+        <p:nvPicPr>
+          <p:cNvPr id="7" name="Picture 6">
+            <a:extLst>
+              <a:ext uri="{FF2B5EF4-FFF2-40B4-BE49-F238E27FC236}">
+                <a16:creationId xmlns:a16="http://schemas.microsoft.com/office/drawing/2014/main" id="{35F56ADA-AB04-4B30-9B24-2063956CFA40}"/>
+              </a:ext>
+            </a:extLst>
+          </p:cNvPr>
+          <p:cNvPicPr>
+            <a:picLocks noChangeAspect="1"/>
+          </p:cNvPicPr>
+          <p:nvPr/>
+        </p:nvPicPr>
+        <p:blipFill>
+          <a:blip r:embed="rId2"/>
+          <a:stretch>
+            <a:fillRect/>
+          </a:stretch>
+        </p:blipFill>
+        <p:spPr>
+          <a:xfrm>
+            <a:off x="7088328" y="2264548"/>
+            <a:ext cx="3714750" cy="4191000"/>
+          </a:xfrm>
+          <a:prstGeom prst="rect">
+            <a:avLst/>
+          </a:prstGeom>
+        </p:spPr>
+      </p:pic>
+      <p:sp>
+        <p:nvSpPr>
+          <p:cNvPr id="4" name="Content Placeholder 6">
+            <a:extLst>
+              <a:ext uri="{FF2B5EF4-FFF2-40B4-BE49-F238E27FC236}">
+                <a16:creationId xmlns:a16="http://schemas.microsoft.com/office/drawing/2014/main" id="{1F7F99FE-277D-4BBF-AB8E-D9B918073EC2}"/>
+              </a:ext>
+            </a:extLst>
+          </p:cNvPr>
+          <p:cNvSpPr>
+            <a:spLocks noGrp="1"/>
+          </p:cNvSpPr>
+          <p:nvPr>
+            <p:ph idx="1"/>
+          </p:nvPr>
+        </p:nvSpPr>
+        <p:spPr>
+          <a:xfrm>
+            <a:off x="408265" y="1719263"/>
+            <a:ext cx="4667074" cy="5050654"/>
+          </a:xfrm>
+        </p:spPr>
+        <p:txBody>
+          <a:bodyPr/>
+          <a:lstStyle/>
+          <a:p>
+            <a:r>
+              <a:rPr lang="en-US" dirty="0" err="1"/>
+              <a:t>Nhấn</a:t>
+            </a:r>
+            <a:r>
+              <a:rPr lang="en-US" dirty="0"/>
+              <a:t> “Run” để </a:t>
+            </a:r>
+            <a:r>
+              <a:rPr lang="en-US" dirty="0" err="1"/>
+              <a:t>nạp</a:t>
+            </a:r>
+            <a:r>
+              <a:rPr lang="en-US" dirty="0"/>
+              <a:t> code</a:t>
+            </a:r>
+          </a:p>
+          <a:p>
+            <a:r>
+              <a:rPr lang="en-US" dirty="0" err="1"/>
+              <a:t>Nhấn</a:t>
+            </a:r>
+            <a:r>
+              <a:rPr lang="en-US" dirty="0"/>
+              <a:t> “Debug” để </a:t>
+            </a:r>
+            <a:r>
+              <a:rPr lang="en-US" dirty="0" err="1"/>
+              <a:t>bắt</a:t>
+            </a:r>
+            <a:r>
+              <a:rPr lang="en-US" dirty="0"/>
+              <a:t> đầu chạy từng bước</a:t>
+            </a:r>
+          </a:p>
+          <a:p>
+            <a:pPr lvl="1"/>
+            <a:r>
+              <a:rPr lang="en-US" dirty="0"/>
+              <a:t>F8: Run</a:t>
+            </a:r>
+          </a:p>
+          <a:p>
+            <a:pPr lvl="1"/>
+            <a:r>
+              <a:rPr lang="en-US" dirty="0"/>
+              <a:t>F6: Step Over – chạy qua từng dòng code, từng </a:t>
+            </a:r>
+            <a:r>
+              <a:rPr lang="en-US" dirty="0" err="1"/>
+              <a:t>hàm</a:t>
+            </a:r>
+            <a:endParaRPr lang="en-US" dirty="0"/>
+          </a:p>
+          <a:p>
+            <a:pPr lvl="1"/>
+            <a:r>
+              <a:rPr lang="en-US" dirty="0"/>
+              <a:t>F5: Step Into – chạy từng dòng code, </a:t>
+            </a:r>
+            <a:r>
+              <a:rPr lang="en-US" dirty="0" err="1"/>
+              <a:t>kể</a:t>
+            </a:r>
+            <a:r>
+              <a:rPr lang="en-US" dirty="0"/>
+              <a:t> cả trong </a:t>
+            </a:r>
+            <a:r>
+              <a:rPr lang="en-US" dirty="0" err="1"/>
+              <a:t>hàm</a:t>
+            </a:r>
+            <a:r>
+              <a:rPr lang="en-US" dirty="0"/>
+              <a:t> con</a:t>
+            </a:r>
+          </a:p>
+        </p:txBody>
+      </p:sp>
+      <p:cxnSp>
+        <p:nvCxnSpPr>
+          <p:cNvPr id="5" name="Straight Arrow Connector 4">
+            <a:extLst>
+              <a:ext uri="{FF2B5EF4-FFF2-40B4-BE49-F238E27FC236}">
+                <a16:creationId xmlns:a16="http://schemas.microsoft.com/office/drawing/2014/main" id="{00F9E9C6-A1C7-4124-BA4B-33A0351297F6}"/>
+              </a:ext>
+            </a:extLst>
+          </p:cNvPr>
+          <p:cNvCxnSpPr>
+            <a:cxnSpLocks/>
+          </p:cNvCxnSpPr>
+          <p:nvPr/>
+        </p:nvCxnSpPr>
+        <p:spPr>
+          <a:xfrm>
+            <a:off x="4479721" y="2290194"/>
+            <a:ext cx="3070371" cy="411061"/>
+          </a:xfrm>
+          <a:prstGeom prst="straightConnector1">
+            <a:avLst/>
+          </a:prstGeom>
+          <a:ln>
+            <a:solidFill>
+              <a:srgbClr val="FF0000"/>
+            </a:solidFill>
+            <a:tailEnd type="triangle"/>
+          </a:ln>
+        </p:spPr>
+        <p:style>
+          <a:lnRef idx="2">
+            <a:schemeClr val="accent1"/>
+          </a:lnRef>
+          <a:fillRef idx="0">
+            <a:schemeClr val="accent1"/>
+          </a:fillRef>
+          <a:effectRef idx="1">
+            <a:schemeClr val="accent1"/>
+          </a:effectRef>
+          <a:fontRef idx="minor">
+            <a:schemeClr val="tx1"/>
+          </a:fontRef>
+        </p:style>
+      </p:cxnSp>
+    </p:spTree>
+    <p:extLst>
+      <p:ext uri="{BB962C8B-B14F-4D97-AF65-F5344CB8AC3E}">
+        <p14:creationId xmlns:p14="http://schemas.microsoft.com/office/powerpoint/2010/main" val="1058976395"/>
+      </p:ext>
+    </p:extLst>
+  </p:cSld>
+  <p:clrMapOvr>
+    <a:masterClrMapping/>
+  </p:clrMapOvr>
+</p:sld>
+</file>
+
+<file path=ppt/slides/slide25.xml><?xml version="1.0" encoding="utf-8"?>
+<p:sld xmlns:a="http://schemas.openxmlformats.org/drawingml/2006/main" xmlns:r="http://schemas.openxmlformats.org/officeDocument/2006/relationships" xmlns:p="http://schemas.openxmlformats.org/presentationml/2006/main">
+  <p:cSld>
+    <p:spTree>
+      <p:nvGrpSpPr>
+        <p:cNvPr id="1" name=""/>
+        <p:cNvGrpSpPr/>
+        <p:nvPr/>
+      </p:nvGrpSpPr>
+      <p:grpSpPr>
+        <a:xfrm>
+          <a:off x="0" y="0"/>
+          <a:ext cx="0" cy="0"/>
+          <a:chOff x="0" y="0"/>
+          <a:chExt cx="0" cy="0"/>
+        </a:xfrm>
+      </p:grpSpPr>
+      <p:sp>
+        <p:nvSpPr>
+          <p:cNvPr id="2" name="Title 1">
+            <a:extLst>
+              <a:ext uri="{FF2B5EF4-FFF2-40B4-BE49-F238E27FC236}">
+                <a16:creationId xmlns:a16="http://schemas.microsoft.com/office/drawing/2014/main" id="{33483D1E-B550-4199-B187-C48066CAF661}"/>
+              </a:ext>
+            </a:extLst>
+          </p:cNvPr>
+          <p:cNvSpPr>
+            <a:spLocks noGrp="1"/>
+          </p:cNvSpPr>
+          <p:nvPr>
+            <p:ph type="title"/>
+          </p:nvPr>
+        </p:nvSpPr>
+        <p:spPr/>
+        <p:txBody>
+          <a:bodyPr/>
+          <a:lstStyle/>
+          <a:p>
+            <a:r>
+              <a:rPr lang="en-US" dirty="0"/>
+              <a:t>Add code to the project</a:t>
+            </a:r>
+          </a:p>
+        </p:txBody>
+      </p:sp>
+      <p:pic>
+        <p:nvPicPr>
+          <p:cNvPr id="5" name="Content Placeholder 4">
+            <a:extLst>
+              <a:ext uri="{FF2B5EF4-FFF2-40B4-BE49-F238E27FC236}">
+                <a16:creationId xmlns:a16="http://schemas.microsoft.com/office/drawing/2014/main" id="{2F44F872-6C79-4B50-8660-D9F07FCD32FC}"/>
+              </a:ext>
+            </a:extLst>
+          </p:cNvPr>
+          <p:cNvPicPr>
+            <a:picLocks noGrp="1" noChangeAspect="1"/>
+          </p:cNvPicPr>
+          <p:nvPr>
+            <p:ph idx="1"/>
+          </p:nvPr>
+        </p:nvPicPr>
+        <p:blipFill>
+          <a:blip r:embed="rId2"/>
+          <a:stretch>
+            <a:fillRect/>
+          </a:stretch>
+        </p:blipFill>
+        <p:spPr>
+          <a:xfrm>
+            <a:off x="1155976" y="1535321"/>
+            <a:ext cx="7648575" cy="2628900"/>
+          </a:xfrm>
+        </p:spPr>
+      </p:pic>
+      <p:pic>
+        <p:nvPicPr>
+          <p:cNvPr id="7" name="Picture 6">
+            <a:extLst>
+              <a:ext uri="{FF2B5EF4-FFF2-40B4-BE49-F238E27FC236}">
+                <a16:creationId xmlns:a16="http://schemas.microsoft.com/office/drawing/2014/main" id="{7BC30AC5-87E4-4BBF-8354-67CB82A06891}"/>
+              </a:ext>
+            </a:extLst>
+          </p:cNvPr>
+          <p:cNvPicPr>
+            <a:picLocks noChangeAspect="1"/>
+          </p:cNvPicPr>
+          <p:nvPr/>
+        </p:nvPicPr>
+        <p:blipFill>
+          <a:blip r:embed="rId3"/>
+          <a:stretch>
+            <a:fillRect/>
+          </a:stretch>
+        </p:blipFill>
+        <p:spPr>
+          <a:xfrm>
+            <a:off x="1155976" y="4298741"/>
+            <a:ext cx="6791325" cy="2047875"/>
+          </a:xfrm>
+          <a:prstGeom prst="rect">
+            <a:avLst/>
+          </a:prstGeom>
+        </p:spPr>
+      </p:pic>
+    </p:spTree>
+    <p:extLst>
+      <p:ext uri="{BB962C8B-B14F-4D97-AF65-F5344CB8AC3E}">
+        <p14:creationId xmlns:p14="http://schemas.microsoft.com/office/powerpoint/2010/main" val="438767436"/>
+      </p:ext>
+    </p:extLst>
+  </p:cSld>
+  <p:clrMapOvr>
+    <a:masterClrMapping/>
+  </p:clrMapOvr>
+</p:sld>
+</file>
+
+<file path=ppt/slides/slide26.xml><?xml version="1.0" encoding="utf-8"?>
+<p:sld xmlns:a="http://schemas.openxmlformats.org/drawingml/2006/main" xmlns:r="http://schemas.openxmlformats.org/officeDocument/2006/relationships" xmlns:p="http://schemas.openxmlformats.org/presentationml/2006/main">
+  <p:cSld>
+    <p:spTree>
+      <p:nvGrpSpPr>
+        <p:cNvPr id="1" name=""/>
+        <p:cNvGrpSpPr/>
+        <p:nvPr/>
+      </p:nvGrpSpPr>
+      <p:grpSpPr>
+        <a:xfrm>
+          <a:off x="0" y="0"/>
+          <a:ext cx="0" cy="0"/>
+          <a:chOff x="0" y="0"/>
+          <a:chExt cx="0" cy="0"/>
+        </a:xfrm>
+      </p:grpSpPr>
+      <p:sp>
+        <p:nvSpPr>
+          <p:cNvPr id="2" name="Title 1">
+            <a:extLst>
+              <a:ext uri="{FF2B5EF4-FFF2-40B4-BE49-F238E27FC236}">
+                <a16:creationId xmlns:a16="http://schemas.microsoft.com/office/drawing/2014/main" id="{8397D110-8838-4E76-AFE2-2995B91808B1}"/>
+              </a:ext>
+            </a:extLst>
+          </p:cNvPr>
+          <p:cNvSpPr>
+            <a:spLocks noGrp="1"/>
+          </p:cNvSpPr>
+          <p:nvPr>
+            <p:ph type="title"/>
+          </p:nvPr>
+        </p:nvSpPr>
+        <p:spPr/>
+        <p:txBody>
+          <a:bodyPr/>
+          <a:lstStyle/>
+          <a:p>
+            <a:r>
+              <a:rPr lang="en-US" dirty="0"/>
+              <a:t>Add code to the project</a:t>
+            </a:r>
+          </a:p>
+        </p:txBody>
+      </p:sp>
+      <p:pic>
+        <p:nvPicPr>
+          <p:cNvPr id="5" name="Content Placeholder 4">
+            <a:extLst>
+              <a:ext uri="{FF2B5EF4-FFF2-40B4-BE49-F238E27FC236}">
+                <a16:creationId xmlns:a16="http://schemas.microsoft.com/office/drawing/2014/main" id="{0517DA88-2012-488F-9DFB-EAE474E490E6}"/>
+              </a:ext>
+            </a:extLst>
+          </p:cNvPr>
+          <p:cNvPicPr>
+            <a:picLocks noGrp="1" noChangeAspect="1"/>
+          </p:cNvPicPr>
+          <p:nvPr>
+            <p:ph idx="1"/>
+          </p:nvPr>
+        </p:nvPicPr>
+        <p:blipFill>
+          <a:blip r:embed="rId2"/>
+          <a:stretch>
+            <a:fillRect/>
+          </a:stretch>
+        </p:blipFill>
+        <p:spPr>
+          <a:xfrm>
+            <a:off x="6815847" y="1836708"/>
+            <a:ext cx="3560146" cy="4411662"/>
+          </a:xfrm>
+        </p:spPr>
+      </p:pic>
+    </p:spTree>
+    <p:extLst>
+      <p:ext uri="{BB962C8B-B14F-4D97-AF65-F5344CB8AC3E}">
+        <p14:creationId xmlns:p14="http://schemas.microsoft.com/office/powerpoint/2010/main" val="4125058023"/>
+      </p:ext>
+    </p:extLst>
+  </p:cSld>
+  <p:clrMapOvr>
+    <a:masterClrMapping/>
+  </p:clrMapOvr>
+</p:sld>
+</file>
+
+<file path=ppt/slides/slide27.xml><?xml version="1.0" encoding="utf-8"?>
+<p:sld xmlns:a="http://schemas.openxmlformats.org/drawingml/2006/main" xmlns:r="http://schemas.openxmlformats.org/officeDocument/2006/relationships" xmlns:p="http://schemas.openxmlformats.org/presentationml/2006/main">
+  <p:cSld>
+    <p:spTree>
+      <p:nvGrpSpPr>
+        <p:cNvPr id="1" name=""/>
+        <p:cNvGrpSpPr/>
+        <p:nvPr/>
+      </p:nvGrpSpPr>
+      <p:grpSpPr>
+        <a:xfrm>
+          <a:off x="0" y="0"/>
+          <a:ext cx="0" cy="0"/>
+          <a:chOff x="0" y="0"/>
+          <a:chExt cx="0" cy="0"/>
+        </a:xfrm>
+      </p:grpSpPr>
+      <p:sp>
+        <p:nvSpPr>
+          <p:cNvPr id="2" name="Title 1">
+            <a:extLst>
+              <a:ext uri="{FF2B5EF4-FFF2-40B4-BE49-F238E27FC236}">
+                <a16:creationId xmlns:a16="http://schemas.microsoft.com/office/drawing/2014/main" id="{D2E1EE9C-4302-4564-9C1D-8582978F423E}"/>
+              </a:ext>
+            </a:extLst>
+          </p:cNvPr>
+          <p:cNvSpPr>
+            <a:spLocks noGrp="1"/>
+          </p:cNvSpPr>
+          <p:nvPr>
+            <p:ph type="title"/>
+          </p:nvPr>
+        </p:nvSpPr>
+        <p:spPr/>
+        <p:txBody>
+          <a:bodyPr/>
+          <a:lstStyle/>
+          <a:p>
+            <a:r>
+              <a:rPr lang="en-US" dirty="0"/>
+              <a:t>Add code to the project</a:t>
+            </a:r>
+          </a:p>
+        </p:txBody>
+      </p:sp>
+      <p:pic>
+        <p:nvPicPr>
+          <p:cNvPr id="5" name="Content Placeholder 4">
+            <a:extLst>
+              <a:ext uri="{FF2B5EF4-FFF2-40B4-BE49-F238E27FC236}">
+                <a16:creationId xmlns:a16="http://schemas.microsoft.com/office/drawing/2014/main" id="{9ABFD759-616D-4DD1-ACA6-AB6A66394811}"/>
+              </a:ext>
+            </a:extLst>
+          </p:cNvPr>
+          <p:cNvPicPr>
+            <a:picLocks noGrp="1" noChangeAspect="1"/>
+          </p:cNvPicPr>
+          <p:nvPr>
+            <p:ph idx="1"/>
+          </p:nvPr>
+        </p:nvPicPr>
+        <p:blipFill>
+          <a:blip r:embed="rId2"/>
+          <a:stretch>
+            <a:fillRect/>
+          </a:stretch>
+        </p:blipFill>
+        <p:spPr>
+          <a:xfrm>
+            <a:off x="6663741" y="1836709"/>
+            <a:ext cx="3713354" cy="4411662"/>
+          </a:xfrm>
+        </p:spPr>
+      </p:pic>
+    </p:spTree>
+    <p:extLst>
+      <p:ext uri="{BB962C8B-B14F-4D97-AF65-F5344CB8AC3E}">
+        <p14:creationId xmlns:p14="http://schemas.microsoft.com/office/powerpoint/2010/main" val="4139833825"/>
+      </p:ext>
+    </p:extLst>
+  </p:cSld>
+  <p:clrMapOvr>
+    <a:masterClrMapping/>
+  </p:clrMapOvr>
+</p:sld>
+</file>
+
+<file path=ppt/slides/slide28.xml><?xml version="1.0" encoding="utf-8"?>
 <p:sld xmlns:a="http://schemas.openxmlformats.org/drawingml/2006/main" xmlns:r="http://schemas.openxmlformats.org/officeDocument/2006/relationships" xmlns:p="http://schemas.openxmlformats.org/presentationml/2006/main">
   <p:cSld>
     <p:spTree>
@@ -14662,6 +16699,213 @@
 </file>
 
 <file path=ppt/slides/slide3.xml><?xml version="1.0" encoding="utf-8"?>
+<p:sld xmlns:a="http://schemas.openxmlformats.org/drawingml/2006/main" xmlns:r="http://schemas.openxmlformats.org/officeDocument/2006/relationships" xmlns:p="http://schemas.openxmlformats.org/presentationml/2006/main">
+  <p:cSld>
+    <p:spTree>
+      <p:nvGrpSpPr>
+        <p:cNvPr id="1" name=""/>
+        <p:cNvGrpSpPr/>
+        <p:nvPr/>
+      </p:nvGrpSpPr>
+      <p:grpSpPr>
+        <a:xfrm>
+          <a:off x="0" y="0"/>
+          <a:ext cx="0" cy="0"/>
+          <a:chOff x="0" y="0"/>
+          <a:chExt cx="0" cy="0"/>
+        </a:xfrm>
+      </p:grpSpPr>
+      <p:sp>
+        <p:nvSpPr>
+          <p:cNvPr id="2" name="Title 1">
+            <a:extLst>
+              <a:ext uri="{FF2B5EF4-FFF2-40B4-BE49-F238E27FC236}">
+                <a16:creationId xmlns:a16="http://schemas.microsoft.com/office/drawing/2014/main" id="{8A5A736B-0F0E-4AEC-94AC-28D8CE9412C0}"/>
+              </a:ext>
+            </a:extLst>
+          </p:cNvPr>
+          <p:cNvSpPr>
+            <a:spLocks noGrp="1"/>
+          </p:cNvSpPr>
+          <p:nvPr>
+            <p:ph type="title"/>
+          </p:nvPr>
+        </p:nvSpPr>
+        <p:spPr/>
+        <p:txBody>
+          <a:bodyPr/>
+          <a:lstStyle/>
+          <a:p>
+            <a:r>
+              <a:rPr lang="en-US" dirty="0"/>
+              <a:t>Code Editor</a:t>
+            </a:r>
+          </a:p>
+        </p:txBody>
+      </p:sp>
+      <p:sp>
+        <p:nvSpPr>
+          <p:cNvPr id="3" name="Content Placeholder 2">
+            <a:extLst>
+              <a:ext uri="{FF2B5EF4-FFF2-40B4-BE49-F238E27FC236}">
+                <a16:creationId xmlns:a16="http://schemas.microsoft.com/office/drawing/2014/main" id="{2BBED011-F323-4ED8-AA9B-429FB3F99989}"/>
+              </a:ext>
+            </a:extLst>
+          </p:cNvPr>
+          <p:cNvSpPr>
+            <a:spLocks noGrp="1"/>
+          </p:cNvSpPr>
+          <p:nvPr>
+            <p:ph idx="1"/>
+          </p:nvPr>
+        </p:nvSpPr>
+        <p:spPr/>
+        <p:txBody>
+          <a:bodyPr/>
+          <a:lstStyle/>
+          <a:p>
+            <a:r>
+              <a:rPr lang="en-US" dirty="0"/>
+              <a:t>Visual Code</a:t>
+            </a:r>
+          </a:p>
+          <a:p>
+            <a:r>
+              <a:rPr lang="en-US" dirty="0"/>
+              <a:t>Sublime Text</a:t>
+            </a:r>
+          </a:p>
+          <a:p>
+            <a:r>
+              <a:rPr lang="en-US" dirty="0"/>
+              <a:t>Notepad++</a:t>
+            </a:r>
+          </a:p>
+        </p:txBody>
+      </p:sp>
+    </p:spTree>
+    <p:extLst>
+      <p:ext uri="{BB962C8B-B14F-4D97-AF65-F5344CB8AC3E}">
+        <p14:creationId xmlns:p14="http://schemas.microsoft.com/office/powerpoint/2010/main" val="1934699009"/>
+      </p:ext>
+    </p:extLst>
+  </p:cSld>
+  <p:clrMapOvr>
+    <a:masterClrMapping/>
+  </p:clrMapOvr>
+</p:sld>
+</file>
+
+<file path=ppt/slides/slide4.xml><?xml version="1.0" encoding="utf-8"?>
+<p:sld xmlns:a="http://schemas.openxmlformats.org/drawingml/2006/main" xmlns:r="http://schemas.openxmlformats.org/officeDocument/2006/relationships" xmlns:p="http://schemas.openxmlformats.org/presentationml/2006/main">
+  <p:cSld>
+    <p:spTree>
+      <p:nvGrpSpPr>
+        <p:cNvPr id="1" name=""/>
+        <p:cNvGrpSpPr/>
+        <p:nvPr/>
+      </p:nvGrpSpPr>
+      <p:grpSpPr>
+        <a:xfrm>
+          <a:off x="0" y="0"/>
+          <a:ext cx="0" cy="0"/>
+          <a:chOff x="0" y="0"/>
+          <a:chExt cx="0" cy="0"/>
+        </a:xfrm>
+      </p:grpSpPr>
+      <p:sp>
+        <p:nvSpPr>
+          <p:cNvPr id="2" name="Title 1">
+            <a:extLst>
+              <a:ext uri="{FF2B5EF4-FFF2-40B4-BE49-F238E27FC236}">
+                <a16:creationId xmlns:a16="http://schemas.microsoft.com/office/drawing/2014/main" id="{6F97D88F-780A-4353-ADB2-548682DB3046}"/>
+              </a:ext>
+            </a:extLst>
+          </p:cNvPr>
+          <p:cNvSpPr>
+            <a:spLocks noGrp="1"/>
+          </p:cNvSpPr>
+          <p:nvPr>
+            <p:ph type="title"/>
+          </p:nvPr>
+        </p:nvSpPr>
+        <p:spPr/>
+        <p:txBody>
+          <a:bodyPr/>
+          <a:lstStyle/>
+          <a:p>
+            <a:r>
+              <a:rPr lang="en-US" altLang="en-US" dirty="0" err="1"/>
+              <a:t>CubeIDE</a:t>
+            </a:r>
+            <a:r>
+              <a:rPr lang="en-US" altLang="en-US" dirty="0"/>
+              <a:t> setup</a:t>
+            </a:r>
+            <a:endParaRPr lang="en-US" dirty="0"/>
+          </a:p>
+        </p:txBody>
+      </p:sp>
+      <p:sp>
+        <p:nvSpPr>
+          <p:cNvPr id="3" name="Content Placeholder 2">
+            <a:extLst>
+              <a:ext uri="{FF2B5EF4-FFF2-40B4-BE49-F238E27FC236}">
+                <a16:creationId xmlns:a16="http://schemas.microsoft.com/office/drawing/2014/main" id="{70AD0550-4710-481D-9340-076036E45722}"/>
+              </a:ext>
+            </a:extLst>
+          </p:cNvPr>
+          <p:cNvSpPr>
+            <a:spLocks noGrp="1"/>
+          </p:cNvSpPr>
+          <p:nvPr>
+            <p:ph idx="1"/>
+          </p:nvPr>
+        </p:nvSpPr>
+        <p:spPr/>
+        <p:txBody>
+          <a:bodyPr/>
+          <a:lstStyle/>
+          <a:p>
+            <a:r>
+              <a:rPr lang="en-US" dirty="0"/>
+              <a:t>Java JDK</a:t>
+            </a:r>
+          </a:p>
+          <a:p>
+            <a:pPr marL="0" indent="0">
+              <a:buNone/>
+            </a:pPr>
+            <a:r>
+              <a:rPr lang="en-US" dirty="0">
+                <a:hlinkClick r:id="rId2"/>
+              </a:rPr>
+              <a:t>https://www.oracle.com/java/technologies/javase-jdk11-downloads.html</a:t>
+            </a:r>
+            <a:endParaRPr lang="en-US" dirty="0"/>
+          </a:p>
+          <a:p>
+            <a:pPr marL="0" indent="0">
+              <a:buNone/>
+            </a:pPr>
+            <a:endParaRPr lang="en-US" dirty="0"/>
+          </a:p>
+        </p:txBody>
+      </p:sp>
+    </p:spTree>
+    <p:extLst>
+      <p:ext uri="{BB962C8B-B14F-4D97-AF65-F5344CB8AC3E}">
+        <p14:creationId xmlns:p14="http://schemas.microsoft.com/office/powerpoint/2010/main" val="1281517580"/>
+      </p:ext>
+    </p:extLst>
+  </p:cSld>
+  <p:clrMapOvr>
+    <a:masterClrMapping/>
+  </p:clrMapOvr>
+</p:sld>
+</file>
+
+<file path=ppt/slides/slide5.xml><?xml version="1.0" encoding="utf-8"?>
 <p:sld xmlns:a="http://schemas.openxmlformats.org/drawingml/2006/main" xmlns:r="http://schemas.openxmlformats.org/officeDocument/2006/relationships" xmlns:p="http://schemas.openxmlformats.org/presentationml/2006/main">
   <p:cSld>
     <p:spTree>
@@ -14856,7 +17100,7 @@
 </p:sld>
 </file>
 
-<file path=ppt/slides/slide4.xml><?xml version="1.0" encoding="utf-8"?>
+<file path=ppt/slides/slide6.xml><?xml version="1.0" encoding="utf-8"?>
 <p:sld xmlns:a="http://schemas.openxmlformats.org/drawingml/2006/main" xmlns:r="http://schemas.openxmlformats.org/officeDocument/2006/relationships" xmlns:p="http://schemas.openxmlformats.org/presentationml/2006/main">
   <p:cSld>
     <p:spTree>
@@ -14923,7 +17167,7 @@
         </p:blipFill>
         <p:spPr>
           <a:xfrm>
-            <a:off x="1095203" y="1281593"/>
+            <a:off x="1240977" y="1219201"/>
             <a:ext cx="8305800" cy="5467350"/>
           </a:xfrm>
           <a:prstGeom prst="rect">
@@ -14944,7 +17188,7 @@
 </p:sld>
 </file>
 
-<file path=ppt/slides/slide5.xml><?xml version="1.0" encoding="utf-8"?>
+<file path=ppt/slides/slide7.xml><?xml version="1.0" encoding="utf-8"?>
 <p:sld xmlns:a="http://schemas.openxmlformats.org/drawingml/2006/main" xmlns:r="http://schemas.openxmlformats.org/officeDocument/2006/relationships" xmlns:p="http://schemas.openxmlformats.org/presentationml/2006/main">
   <p:cSld>
     <p:spTree>
@@ -15032,7 +17276,7 @@
 </p:sld>
 </file>
 
-<file path=ppt/slides/slide6.xml><?xml version="1.0" encoding="utf-8"?>
+<file path=ppt/slides/slide8.xml><?xml version="1.0" encoding="utf-8"?>
 <p:sld xmlns:a="http://schemas.openxmlformats.org/drawingml/2006/main" xmlns:r="http://schemas.openxmlformats.org/officeDocument/2006/relationships" xmlns:p="http://schemas.openxmlformats.org/presentationml/2006/main">
   <p:cSld>
     <p:spTree>
@@ -15099,7 +17343,7 @@
         </p:blipFill>
         <p:spPr>
           <a:xfrm>
-            <a:off x="3117421" y="1579561"/>
+            <a:off x="2966419" y="1579561"/>
             <a:ext cx="4600575" cy="5019675"/>
           </a:xfrm>
           <a:prstGeom prst="rect">
@@ -15111,181 +17355,6 @@
     <p:extLst>
       <p:ext uri="{BB962C8B-B14F-4D97-AF65-F5344CB8AC3E}">
         <p14:creationId xmlns:p14="http://schemas.microsoft.com/office/powerpoint/2010/main" val="207472963"/>
-      </p:ext>
-    </p:extLst>
-  </p:cSld>
-  <p:clrMapOvr>
-    <a:masterClrMapping/>
-  </p:clrMapOvr>
-</p:sld>
-</file>
-
-<file path=ppt/slides/slide7.xml><?xml version="1.0" encoding="utf-8"?>
-<p:sld xmlns:a="http://schemas.openxmlformats.org/drawingml/2006/main" xmlns:r="http://schemas.openxmlformats.org/officeDocument/2006/relationships" xmlns:p="http://schemas.openxmlformats.org/presentationml/2006/main">
-  <p:cSld>
-    <p:spTree>
-      <p:nvGrpSpPr>
-        <p:cNvPr id="1" name=""/>
-        <p:cNvGrpSpPr/>
-        <p:nvPr/>
-      </p:nvGrpSpPr>
-      <p:grpSpPr>
-        <a:xfrm>
-          <a:off x="0" y="0"/>
-          <a:ext cx="0" cy="0"/>
-          <a:chOff x="0" y="0"/>
-          <a:chExt cx="0" cy="0"/>
-        </a:xfrm>
-      </p:grpSpPr>
-      <p:sp>
-        <p:nvSpPr>
-          <p:cNvPr id="2" name="Title 1">
-            <a:extLst>
-              <a:ext uri="{FF2B5EF4-FFF2-40B4-BE49-F238E27FC236}">
-                <a16:creationId xmlns:a16="http://schemas.microsoft.com/office/drawing/2014/main" id="{602C4ABB-1DFA-4629-8C57-F9D482F57886}"/>
-              </a:ext>
-            </a:extLst>
-          </p:cNvPr>
-          <p:cNvSpPr>
-            <a:spLocks noGrp="1"/>
-          </p:cNvSpPr>
-          <p:nvPr>
-            <p:ph type="title"/>
-          </p:nvPr>
-        </p:nvSpPr>
-        <p:spPr/>
-        <p:txBody>
-          <a:bodyPr/>
-          <a:lstStyle/>
-          <a:p>
-            <a:r>
-              <a:rPr lang="en-US" dirty="0"/>
-              <a:t>STM32CUBE IDE – FW Package</a:t>
-            </a:r>
-          </a:p>
-        </p:txBody>
-      </p:sp>
-      <p:pic>
-        <p:nvPicPr>
-          <p:cNvPr id="5" name="Picture 4">
-            <a:extLst>
-              <a:ext uri="{FF2B5EF4-FFF2-40B4-BE49-F238E27FC236}">
-                <a16:creationId xmlns:a16="http://schemas.microsoft.com/office/drawing/2014/main" id="{1E467A6C-3A9A-4FA6-841A-5099964527F7}"/>
-              </a:ext>
-            </a:extLst>
-          </p:cNvPr>
-          <p:cNvPicPr>
-            <a:picLocks noChangeAspect="1"/>
-          </p:cNvPicPr>
-          <p:nvPr/>
-        </p:nvPicPr>
-        <p:blipFill>
-          <a:blip r:embed="rId2"/>
-          <a:stretch>
-            <a:fillRect/>
-          </a:stretch>
-        </p:blipFill>
-        <p:spPr>
-          <a:xfrm>
-            <a:off x="3357562" y="1531936"/>
-            <a:ext cx="4562475" cy="5067300"/>
-          </a:xfrm>
-          <a:prstGeom prst="rect">
-            <a:avLst/>
-          </a:prstGeom>
-        </p:spPr>
-      </p:pic>
-    </p:spTree>
-    <p:extLst>
-      <p:ext uri="{BB962C8B-B14F-4D97-AF65-F5344CB8AC3E}">
-        <p14:creationId xmlns:p14="http://schemas.microsoft.com/office/powerpoint/2010/main" val="4222145764"/>
-      </p:ext>
-    </p:extLst>
-  </p:cSld>
-  <p:clrMapOvr>
-    <a:masterClrMapping/>
-  </p:clrMapOvr>
-</p:sld>
-</file>
-
-<file path=ppt/slides/slide8.xml><?xml version="1.0" encoding="utf-8"?>
-<p:sld xmlns:a="http://schemas.openxmlformats.org/drawingml/2006/main" xmlns:r="http://schemas.openxmlformats.org/officeDocument/2006/relationships" xmlns:p="http://schemas.openxmlformats.org/presentationml/2006/main">
-  <p:cSld>
-    <p:spTree>
-      <p:nvGrpSpPr>
-        <p:cNvPr id="1" name=""/>
-        <p:cNvGrpSpPr/>
-        <p:nvPr/>
-      </p:nvGrpSpPr>
-      <p:grpSpPr>
-        <a:xfrm>
-          <a:off x="0" y="0"/>
-          <a:ext cx="0" cy="0"/>
-          <a:chOff x="0" y="0"/>
-          <a:chExt cx="0" cy="0"/>
-        </a:xfrm>
-      </p:grpSpPr>
-      <p:sp>
-        <p:nvSpPr>
-          <p:cNvPr id="2" name="Title 1">
-            <a:extLst>
-              <a:ext uri="{FF2B5EF4-FFF2-40B4-BE49-F238E27FC236}">
-                <a16:creationId xmlns:a16="http://schemas.microsoft.com/office/drawing/2014/main" id="{CF74A67D-4E7C-4641-BDDE-CAE431406678}"/>
-              </a:ext>
-            </a:extLst>
-          </p:cNvPr>
-          <p:cNvSpPr>
-            <a:spLocks noGrp="1"/>
-          </p:cNvSpPr>
-          <p:nvPr>
-            <p:ph type="title"/>
-          </p:nvPr>
-        </p:nvSpPr>
-        <p:spPr/>
-        <p:txBody>
-          <a:bodyPr/>
-          <a:lstStyle/>
-          <a:p>
-            <a:r>
-              <a:rPr lang="en-US" dirty="0"/>
-              <a:t>STM32CUBE IDE – Manage SW Package</a:t>
-            </a:r>
-          </a:p>
-        </p:txBody>
-      </p:sp>
-      <p:pic>
-        <p:nvPicPr>
-          <p:cNvPr id="5" name="Content Placeholder 4">
-            <a:extLst>
-              <a:ext uri="{FF2B5EF4-FFF2-40B4-BE49-F238E27FC236}">
-                <a16:creationId xmlns:a16="http://schemas.microsoft.com/office/drawing/2014/main" id="{2A7A29BF-8892-4AF5-B352-5E4DE7D01AF3}"/>
-              </a:ext>
-            </a:extLst>
-          </p:cNvPr>
-          <p:cNvPicPr>
-            <a:picLocks noGrp="1" noChangeAspect="1"/>
-          </p:cNvPicPr>
-          <p:nvPr>
-            <p:ph idx="1"/>
-          </p:nvPr>
-        </p:nvPicPr>
-        <p:blipFill>
-          <a:blip r:embed="rId2"/>
-          <a:stretch>
-            <a:fillRect/>
-          </a:stretch>
-        </p:blipFill>
-        <p:spPr>
-          <a:xfrm>
-            <a:off x="3185020" y="1851298"/>
-            <a:ext cx="5169136" cy="4411662"/>
-          </a:xfrm>
-        </p:spPr>
-      </p:pic>
-    </p:spTree>
-    <p:extLst>
-      <p:ext uri="{BB962C8B-B14F-4D97-AF65-F5344CB8AC3E}">
-        <p14:creationId xmlns:p14="http://schemas.microsoft.com/office/powerpoint/2010/main" val="3090242577"/>
       </p:ext>
     </p:extLst>
   </p:cSld>
@@ -15317,7 +17386,7 @@
           <p:cNvPr id="2" name="Title 1">
             <a:extLst>
               <a:ext uri="{FF2B5EF4-FFF2-40B4-BE49-F238E27FC236}">
-                <a16:creationId xmlns:a16="http://schemas.microsoft.com/office/drawing/2014/main" id="{67D0505C-8472-491B-8294-AF42600D05EA}"/>
+                <a16:creationId xmlns:a16="http://schemas.microsoft.com/office/drawing/2014/main" id="{6B72808D-1298-419C-AB3A-8A6AED1C91EF}"/>
               </a:ext>
             </a:extLst>
           </p:cNvPr>
@@ -15335,17 +17404,50 @@
           <a:p>
             <a:r>
               <a:rPr lang="en-US" dirty="0"/>
-              <a:t>STM32CUBE IDE – Manage SW Package</a:t>
+              <a:t>Custom workspace</a:t>
+            </a:r>
+          </a:p>
+        </p:txBody>
+      </p:sp>
+      <p:sp>
+        <p:nvSpPr>
+          <p:cNvPr id="4" name="Content Placeholder 3">
+            <a:extLst>
+              <a:ext uri="{FF2B5EF4-FFF2-40B4-BE49-F238E27FC236}">
+                <a16:creationId xmlns:a16="http://schemas.microsoft.com/office/drawing/2014/main" id="{12890B31-FF3C-4B0D-8F60-11BCB3983DED}"/>
+              </a:ext>
+            </a:extLst>
+          </p:cNvPr>
+          <p:cNvSpPr>
+            <a:spLocks noGrp="1"/>
+          </p:cNvSpPr>
+          <p:nvPr>
+            <p:ph idx="1"/>
+          </p:nvPr>
+        </p:nvSpPr>
+        <p:spPr>
+          <a:xfrm>
+            <a:off x="609600" y="1769597"/>
+            <a:ext cx="4121791" cy="4411662"/>
+          </a:xfrm>
+        </p:spPr>
+        <p:txBody>
+          <a:bodyPr/>
+          <a:lstStyle/>
+          <a:p>
+            <a:r>
+              <a:rPr lang="en-US" dirty="0"/>
+              <a:t>Thay đổi folder lưu project</a:t>
             </a:r>
           </a:p>
         </p:txBody>
       </p:sp>
       <p:pic>
         <p:nvPicPr>
-          <p:cNvPr id="5" name="Picture 4">
+          <p:cNvPr id="8" name="Picture 7">
             <a:extLst>
               <a:ext uri="{FF2B5EF4-FFF2-40B4-BE49-F238E27FC236}">
-                <a16:creationId xmlns:a16="http://schemas.microsoft.com/office/drawing/2014/main" id="{DD356DFB-A05A-4205-B008-6AFF94814828}"/>
+                <a16:creationId xmlns:a16="http://schemas.microsoft.com/office/drawing/2014/main" id="{03193539-ACAE-47E4-A4E4-445E937C4CBF}"/>
               </a:ext>
             </a:extLst>
           </p:cNvPr>
@@ -15362,18 +17464,62 @@
         </p:blipFill>
         <p:spPr>
           <a:xfrm>
-            <a:off x="2293253" y="1551963"/>
-            <a:ext cx="6832353" cy="4952368"/>
+            <a:off x="7749723" y="2004138"/>
+            <a:ext cx="3990975" cy="4410075"/>
           </a:xfrm>
           <a:prstGeom prst="rect">
             <a:avLst/>
           </a:prstGeom>
         </p:spPr>
       </p:pic>
+      <p:cxnSp>
+        <p:nvCxnSpPr>
+          <p:cNvPr id="10" name="Straight Arrow Connector 9">
+            <a:extLst>
+              <a:ext uri="{FF2B5EF4-FFF2-40B4-BE49-F238E27FC236}">
+                <a16:creationId xmlns:a16="http://schemas.microsoft.com/office/drawing/2014/main" id="{CF11B2DE-FAD2-47F6-AC64-16D60BA1183B}"/>
+              </a:ext>
+            </a:extLst>
+          </p:cNvPr>
+          <p:cNvCxnSpPr>
+            <a:cxnSpLocks/>
+          </p:cNvCxnSpPr>
+          <p:nvPr/>
+        </p:nvCxnSpPr>
+        <p:spPr>
+          <a:xfrm>
+            <a:off x="4320330" y="2201381"/>
+            <a:ext cx="3313652" cy="960437"/>
+          </a:xfrm>
+          <a:prstGeom prst="straightConnector1">
+            <a:avLst/>
+          </a:prstGeom>
+          <a:ln>
+            <a:solidFill>
+              <a:srgbClr val="FF0000"/>
+            </a:solidFill>
+            <a:tailEnd type="triangle"/>
+          </a:ln>
+        </p:spPr>
+        <p:style>
+          <a:lnRef idx="2">
+            <a:schemeClr val="accent1"/>
+          </a:lnRef>
+          <a:fillRef idx="0">
+            <a:schemeClr val="accent1"/>
+          </a:fillRef>
+          <a:effectRef idx="1">
+            <a:schemeClr val="accent1"/>
+          </a:effectRef>
+          <a:fontRef idx="minor">
+            <a:schemeClr val="tx1"/>
+          </a:fontRef>
+        </p:style>
+      </p:cxnSp>
     </p:spTree>
     <p:extLst>
       <p:ext uri="{BB962C8B-B14F-4D97-AF65-F5344CB8AC3E}">
-        <p14:creationId xmlns:p14="http://schemas.microsoft.com/office/powerpoint/2010/main" val="1768127905"/>
+        <p14:creationId xmlns:p14="http://schemas.microsoft.com/office/powerpoint/2010/main" val="3292173793"/>
       </p:ext>
     </p:extLst>
   </p:cSld>

--- a/04. Slides/02. STM32 & CubeIDE/Development Guide STM32.pptx
+++ b/04. Slides/02. STM32 & CubeIDE/Development Guide STM32.pptx
@@ -33,7 +33,17 @@
     <p:sldId id="444" r:id="rId27"/>
     <p:sldId id="445" r:id="rId28"/>
     <p:sldId id="446" r:id="rId29"/>
-    <p:sldId id="409" r:id="rId30"/>
+    <p:sldId id="447" r:id="rId30"/>
+    <p:sldId id="448" r:id="rId31"/>
+    <p:sldId id="449" r:id="rId32"/>
+    <p:sldId id="450" r:id="rId33"/>
+    <p:sldId id="451" r:id="rId34"/>
+    <p:sldId id="454" r:id="rId35"/>
+    <p:sldId id="452" r:id="rId36"/>
+    <p:sldId id="453" r:id="rId37"/>
+    <p:sldId id="455" r:id="rId38"/>
+    <p:sldId id="456" r:id="rId39"/>
+    <p:sldId id="409" r:id="rId40"/>
   </p:sldIdLst>
   <p:sldSz cx="12192000" cy="6858000"/>
   <p:notesSz cx="6858000" cy="9144000"/>
@@ -16368,7 +16378,7 @@
           <a:p>
             <a:r>
               <a:rPr lang="en-US" dirty="0"/>
-              <a:t>Add code to the project</a:t>
+              <a:t>Add sub C module</a:t>
             </a:r>
           </a:p>
         </p:txBody>
@@ -16397,8 +16407,8 @@
         </p:blipFill>
         <p:spPr>
           <a:xfrm>
-            <a:off x="1155976" y="1535321"/>
-            <a:ext cx="7648575" cy="2628900"/>
+            <a:off x="4862214" y="1644243"/>
+            <a:ext cx="6584082" cy="2263022"/>
           </a:xfrm>
         </p:spPr>
       </p:pic>
@@ -16424,7 +16434,7 @@
         </p:blipFill>
         <p:spPr>
           <a:xfrm>
-            <a:off x="1155976" y="4298741"/>
+            <a:off x="4385737" y="4382631"/>
             <a:ext cx="6791325" cy="2047875"/>
           </a:xfrm>
           <a:prstGeom prst="rect">
@@ -16432,6 +16442,172 @@
           </a:prstGeom>
         </p:spPr>
       </p:pic>
+      <p:cxnSp>
+        <p:nvCxnSpPr>
+          <p:cNvPr id="6" name="Straight Arrow Connector 5">
+            <a:extLst>
+              <a:ext uri="{FF2B5EF4-FFF2-40B4-BE49-F238E27FC236}">
+                <a16:creationId xmlns:a16="http://schemas.microsoft.com/office/drawing/2014/main" id="{12EFB15C-939A-4B86-8ED7-CF1F9D4F2417}"/>
+              </a:ext>
+            </a:extLst>
+          </p:cNvPr>
+          <p:cNvCxnSpPr>
+            <a:cxnSpLocks/>
+          </p:cNvCxnSpPr>
+          <p:nvPr/>
+        </p:nvCxnSpPr>
+        <p:spPr>
+          <a:xfrm>
+            <a:off x="2600587" y="2775754"/>
+            <a:ext cx="2261627" cy="0"/>
+          </a:xfrm>
+          <a:prstGeom prst="straightConnector1">
+            <a:avLst/>
+          </a:prstGeom>
+          <a:ln>
+            <a:solidFill>
+              <a:srgbClr val="FF0000"/>
+            </a:solidFill>
+            <a:tailEnd type="triangle"/>
+          </a:ln>
+        </p:spPr>
+        <p:style>
+          <a:lnRef idx="2">
+            <a:schemeClr val="accent1"/>
+          </a:lnRef>
+          <a:fillRef idx="0">
+            <a:schemeClr val="accent1"/>
+          </a:fillRef>
+          <a:effectRef idx="1">
+            <a:schemeClr val="accent1"/>
+          </a:effectRef>
+          <a:fontRef idx="minor">
+            <a:schemeClr val="tx1"/>
+          </a:fontRef>
+        </p:style>
+      </p:cxnSp>
+      <p:sp>
+        <p:nvSpPr>
+          <p:cNvPr id="8" name="TextBox 7">
+            <a:extLst>
+              <a:ext uri="{FF2B5EF4-FFF2-40B4-BE49-F238E27FC236}">
+                <a16:creationId xmlns:a16="http://schemas.microsoft.com/office/drawing/2014/main" id="{20BAACA2-8ED5-44F5-9D11-9D0135FE3194}"/>
+              </a:ext>
+            </a:extLst>
+          </p:cNvPr>
+          <p:cNvSpPr txBox="1"/>
+          <p:nvPr/>
+        </p:nvSpPr>
+        <p:spPr>
+          <a:xfrm>
+            <a:off x="545284" y="2452588"/>
+            <a:ext cx="2055303" cy="646331"/>
+          </a:xfrm>
+          <a:prstGeom prst="rect">
+            <a:avLst/>
+          </a:prstGeom>
+          <a:noFill/>
+        </p:spPr>
+        <p:txBody>
+          <a:bodyPr wrap="square" rtlCol="0">
+            <a:spAutoFit/>
+          </a:bodyPr>
+          <a:lstStyle/>
+          <a:p>
+            <a:r>
+              <a:rPr lang="en-US" dirty="0"/>
+              <a:t>Create new folder  “User”</a:t>
+            </a:r>
+          </a:p>
+        </p:txBody>
+      </p:sp>
+      <p:cxnSp>
+        <p:nvCxnSpPr>
+          <p:cNvPr id="9" name="Straight Arrow Connector 8">
+            <a:extLst>
+              <a:ext uri="{FF2B5EF4-FFF2-40B4-BE49-F238E27FC236}">
+                <a16:creationId xmlns:a16="http://schemas.microsoft.com/office/drawing/2014/main" id="{B2A36707-AD4A-4269-91FA-0C9E9064AE33}"/>
+              </a:ext>
+            </a:extLst>
+          </p:cNvPr>
+          <p:cNvCxnSpPr>
+            <a:cxnSpLocks/>
+          </p:cNvCxnSpPr>
+          <p:nvPr/>
+        </p:nvCxnSpPr>
+        <p:spPr>
+          <a:xfrm>
+            <a:off x="2894202" y="5679743"/>
+            <a:ext cx="1491535" cy="0"/>
+          </a:xfrm>
+          <a:prstGeom prst="straightConnector1">
+            <a:avLst/>
+          </a:prstGeom>
+          <a:ln>
+            <a:solidFill>
+              <a:srgbClr val="FF0000"/>
+            </a:solidFill>
+            <a:tailEnd type="triangle"/>
+          </a:ln>
+        </p:spPr>
+        <p:style>
+          <a:lnRef idx="2">
+            <a:schemeClr val="accent1"/>
+          </a:lnRef>
+          <a:fillRef idx="0">
+            <a:schemeClr val="accent1"/>
+          </a:fillRef>
+          <a:effectRef idx="1">
+            <a:schemeClr val="accent1"/>
+          </a:effectRef>
+          <a:fontRef idx="minor">
+            <a:schemeClr val="tx1"/>
+          </a:fontRef>
+        </p:style>
+      </p:cxnSp>
+      <p:sp>
+        <p:nvSpPr>
+          <p:cNvPr id="10" name="TextBox 9">
+            <a:extLst>
+              <a:ext uri="{FF2B5EF4-FFF2-40B4-BE49-F238E27FC236}">
+                <a16:creationId xmlns:a16="http://schemas.microsoft.com/office/drawing/2014/main" id="{1DA14141-370A-4A0C-8A12-779324BB9C10}"/>
+              </a:ext>
+            </a:extLst>
+          </p:cNvPr>
+          <p:cNvSpPr txBox="1"/>
+          <p:nvPr/>
+        </p:nvSpPr>
+        <p:spPr>
+          <a:xfrm>
+            <a:off x="609600" y="5218078"/>
+            <a:ext cx="2055303" cy="923330"/>
+          </a:xfrm>
+          <a:prstGeom prst="rect">
+            <a:avLst/>
+          </a:prstGeom>
+          <a:noFill/>
+        </p:spPr>
+        <p:txBody>
+          <a:bodyPr wrap="square" rtlCol="0">
+            <a:spAutoFit/>
+          </a:bodyPr>
+          <a:lstStyle/>
+          <a:p>
+            <a:r>
+              <a:rPr lang="en-US" dirty="0"/>
+              <a:t>Copy all software </a:t>
+            </a:r>
+            <a:r>
+              <a:rPr lang="en-US" dirty="0" err="1"/>
+              <a:t>rtc</a:t>
+            </a:r>
+            <a:r>
+              <a:rPr lang="en-US" dirty="0"/>
+              <a:t> source code into “User”</a:t>
+            </a:r>
+          </a:p>
+        </p:txBody>
+      </p:sp>
     </p:spTree>
     <p:extLst>
       <p:ext uri="{BB962C8B-B14F-4D97-AF65-F5344CB8AC3E}">
@@ -16485,7 +16661,7 @@
           <a:p>
             <a:r>
               <a:rPr lang="en-US" dirty="0"/>
-              <a:t>Add code to the project</a:t>
+              <a:t>Add sub C module</a:t>
             </a:r>
           </a:p>
         </p:txBody>
@@ -16519,6 +16695,101 @@
           </a:xfrm>
         </p:spPr>
       </p:pic>
+      <p:cxnSp>
+        <p:nvCxnSpPr>
+          <p:cNvPr id="4" name="Straight Arrow Connector 3">
+            <a:extLst>
+              <a:ext uri="{FF2B5EF4-FFF2-40B4-BE49-F238E27FC236}">
+                <a16:creationId xmlns:a16="http://schemas.microsoft.com/office/drawing/2014/main" id="{75EFF3D9-951D-4CE2-8327-A6A8EE3A3EE9}"/>
+              </a:ext>
+            </a:extLst>
+          </p:cNvPr>
+          <p:cNvCxnSpPr>
+            <a:cxnSpLocks/>
+          </p:cNvCxnSpPr>
+          <p:nvPr/>
+        </p:nvCxnSpPr>
+        <p:spPr>
+          <a:xfrm>
+            <a:off x="4337108" y="4126381"/>
+            <a:ext cx="2974691" cy="0"/>
+          </a:xfrm>
+          <a:prstGeom prst="straightConnector1">
+            <a:avLst/>
+          </a:prstGeom>
+          <a:ln>
+            <a:solidFill>
+              <a:srgbClr val="FF0000"/>
+            </a:solidFill>
+            <a:tailEnd type="triangle"/>
+          </a:ln>
+        </p:spPr>
+        <p:style>
+          <a:lnRef idx="2">
+            <a:schemeClr val="accent1"/>
+          </a:lnRef>
+          <a:fillRef idx="0">
+            <a:schemeClr val="accent1"/>
+          </a:fillRef>
+          <a:effectRef idx="1">
+            <a:schemeClr val="accent1"/>
+          </a:effectRef>
+          <a:fontRef idx="minor">
+            <a:schemeClr val="tx1"/>
+          </a:fontRef>
+        </p:style>
+      </p:cxnSp>
+      <p:sp>
+        <p:nvSpPr>
+          <p:cNvPr id="6" name="TextBox 5">
+            <a:extLst>
+              <a:ext uri="{FF2B5EF4-FFF2-40B4-BE49-F238E27FC236}">
+                <a16:creationId xmlns:a16="http://schemas.microsoft.com/office/drawing/2014/main" id="{AEBF7663-C6DF-4271-B4FC-EEFF9B3435B0}"/>
+              </a:ext>
+            </a:extLst>
+          </p:cNvPr>
+          <p:cNvSpPr txBox="1"/>
+          <p:nvPr/>
+        </p:nvSpPr>
+        <p:spPr>
+          <a:xfrm>
+            <a:off x="1272914" y="3664716"/>
+            <a:ext cx="2974691" cy="923330"/>
+          </a:xfrm>
+          <a:prstGeom prst="rect">
+            <a:avLst/>
+          </a:prstGeom>
+          <a:noFill/>
+        </p:spPr>
+        <p:txBody>
+          <a:bodyPr wrap="square" rtlCol="0">
+            <a:spAutoFit/>
+          </a:bodyPr>
+          <a:lstStyle/>
+          <a:p>
+            <a:r>
+              <a:rPr lang="en-US" dirty="0"/>
+              <a:t>Right click Project Name -&gt; Click “Refresh” để </a:t>
+            </a:r>
+            <a:r>
+              <a:rPr lang="en-US" dirty="0" err="1"/>
+              <a:t>cập</a:t>
+            </a:r>
+            <a:r>
+              <a:rPr lang="en-US" dirty="0"/>
+              <a:t> </a:t>
+            </a:r>
+            <a:r>
+              <a:rPr lang="en-US" dirty="0" err="1"/>
+              <a:t>nhật</a:t>
+            </a:r>
+            <a:r>
+              <a:rPr lang="en-US" dirty="0"/>
+              <a:t> project content</a:t>
+            </a:r>
+          </a:p>
+        </p:txBody>
+      </p:sp>
     </p:spTree>
     <p:extLst>
       <p:ext uri="{BB962C8B-B14F-4D97-AF65-F5344CB8AC3E}">
@@ -16572,7 +16843,7 @@
           <a:p>
             <a:r>
               <a:rPr lang="en-US" dirty="0"/>
-              <a:t>Add code to the project</a:t>
+              <a:t>Change compiler setting</a:t>
             </a:r>
           </a:p>
         </p:txBody>
@@ -16606,6 +16877,85 @@
           </a:xfrm>
         </p:spPr>
       </p:pic>
+      <p:cxnSp>
+        <p:nvCxnSpPr>
+          <p:cNvPr id="4" name="Straight Arrow Connector 3">
+            <a:extLst>
+              <a:ext uri="{FF2B5EF4-FFF2-40B4-BE49-F238E27FC236}">
+                <a16:creationId xmlns:a16="http://schemas.microsoft.com/office/drawing/2014/main" id="{A46EE57D-7C99-41DF-A321-3F2730544CCB}"/>
+              </a:ext>
+            </a:extLst>
+          </p:cNvPr>
+          <p:cNvCxnSpPr>
+            <a:cxnSpLocks/>
+          </p:cNvCxnSpPr>
+          <p:nvPr/>
+        </p:nvCxnSpPr>
+        <p:spPr>
+          <a:xfrm>
+            <a:off x="4202884" y="5980347"/>
+            <a:ext cx="2974691" cy="0"/>
+          </a:xfrm>
+          <a:prstGeom prst="straightConnector1">
+            <a:avLst/>
+          </a:prstGeom>
+          <a:ln>
+            <a:solidFill>
+              <a:srgbClr val="FF0000"/>
+            </a:solidFill>
+            <a:tailEnd type="triangle"/>
+          </a:ln>
+        </p:spPr>
+        <p:style>
+          <a:lnRef idx="2">
+            <a:schemeClr val="accent1"/>
+          </a:lnRef>
+          <a:fillRef idx="0">
+            <a:schemeClr val="accent1"/>
+          </a:fillRef>
+          <a:effectRef idx="1">
+            <a:schemeClr val="accent1"/>
+          </a:effectRef>
+          <a:fontRef idx="minor">
+            <a:schemeClr val="tx1"/>
+          </a:fontRef>
+        </p:style>
+      </p:cxnSp>
+      <p:sp>
+        <p:nvSpPr>
+          <p:cNvPr id="6" name="TextBox 5">
+            <a:extLst>
+              <a:ext uri="{FF2B5EF4-FFF2-40B4-BE49-F238E27FC236}">
+                <a16:creationId xmlns:a16="http://schemas.microsoft.com/office/drawing/2014/main" id="{DD4466BB-948E-43AB-91ED-B3D4CB85229E}"/>
+              </a:ext>
+            </a:extLst>
+          </p:cNvPr>
+          <p:cNvSpPr txBox="1"/>
+          <p:nvPr/>
+        </p:nvSpPr>
+        <p:spPr>
+          <a:xfrm>
+            <a:off x="201336" y="5518682"/>
+            <a:ext cx="3912045" cy="923330"/>
+          </a:xfrm>
+          <a:prstGeom prst="rect">
+            <a:avLst/>
+          </a:prstGeom>
+          <a:noFill/>
+        </p:spPr>
+        <p:txBody>
+          <a:bodyPr wrap="square" rtlCol="0">
+            <a:spAutoFit/>
+          </a:bodyPr>
+          <a:lstStyle/>
+          <a:p>
+            <a:r>
+              <a:rPr lang="en-US" dirty="0"/>
+              <a:t>Right click Project Name -&gt; Click “Properties” để thay đổi compiler setting</a:t>
+            </a:r>
+          </a:p>
+        </p:txBody>
+      </p:sp>
     </p:spTree>
     <p:extLst>
       <p:ext uri="{BB962C8B-B14F-4D97-AF65-F5344CB8AC3E}">
@@ -16638,18 +16988,18 @@
       </p:grpSpPr>
       <p:sp>
         <p:nvSpPr>
-          <p:cNvPr id="10242" name="Title 1">
+          <p:cNvPr id="2" name="Title 1">
             <a:extLst>
               <a:ext uri="{FF2B5EF4-FFF2-40B4-BE49-F238E27FC236}">
-                <a16:creationId xmlns:a16="http://schemas.microsoft.com/office/drawing/2014/main" id="{5D170F9D-DCE6-4EA7-BF52-966E9A9875BD}"/>
+                <a16:creationId xmlns:a16="http://schemas.microsoft.com/office/drawing/2014/main" id="{1076E568-7AC6-4F0D-A22C-12F0B9671147}"/>
               </a:ext>
             </a:extLst>
           </p:cNvPr>
           <p:cNvSpPr>
-            <a:spLocks noGrp="1" noChangeArrowheads="1"/>
+            <a:spLocks noGrp="1"/>
           </p:cNvSpPr>
           <p:nvPr>
-            <p:ph type="ctrTitle"/>
+            <p:ph type="title"/>
           </p:nvPr>
         </p:nvSpPr>
         <p:spPr/>
@@ -16657,28 +17007,175 @@
           <a:bodyPr/>
           <a:lstStyle/>
           <a:p>
-            <a:pPr algn="ctr"/>
-            <a:r>
-              <a:rPr lang="en-US" altLang="en-US" dirty="0"/>
-              <a:t>Question ?</a:t>
+            <a:r>
+              <a:rPr lang="en-US" dirty="0"/>
+              <a:t>Add source location</a:t>
             </a:r>
           </a:p>
         </p:txBody>
       </p:sp>
+      <p:pic>
+        <p:nvPicPr>
+          <p:cNvPr id="7" name="Picture 6">
+            <a:extLst>
+              <a:ext uri="{FF2B5EF4-FFF2-40B4-BE49-F238E27FC236}">
+                <a16:creationId xmlns:a16="http://schemas.microsoft.com/office/drawing/2014/main" id="{5CEE257C-E8B5-48C9-B3FF-21A473F4C09F}"/>
+              </a:ext>
+            </a:extLst>
+          </p:cNvPr>
+          <p:cNvPicPr>
+            <a:picLocks noChangeAspect="1"/>
+          </p:cNvPicPr>
+          <p:nvPr/>
+        </p:nvPicPr>
+        <p:blipFill>
+          <a:blip r:embed="rId2"/>
+          <a:stretch>
+            <a:fillRect/>
+          </a:stretch>
+        </p:blipFill>
+        <p:spPr>
+          <a:xfrm>
+            <a:off x="5352123" y="2416029"/>
+            <a:ext cx="6057777" cy="4121398"/>
+          </a:xfrm>
+          <a:prstGeom prst="rect">
+            <a:avLst/>
+          </a:prstGeom>
+        </p:spPr>
+      </p:pic>
+      <p:cxnSp>
+        <p:nvCxnSpPr>
+          <p:cNvPr id="5" name="Straight Arrow Connector 4">
+            <a:extLst>
+              <a:ext uri="{FF2B5EF4-FFF2-40B4-BE49-F238E27FC236}">
+                <a16:creationId xmlns:a16="http://schemas.microsoft.com/office/drawing/2014/main" id="{CD61B8E6-E015-4876-8B9F-AEAB93782E33}"/>
+              </a:ext>
+            </a:extLst>
+          </p:cNvPr>
+          <p:cNvCxnSpPr>
+            <a:cxnSpLocks/>
+            <a:stCxn id="6" idx="3"/>
+          </p:cNvCxnSpPr>
+          <p:nvPr/>
+        </p:nvCxnSpPr>
+        <p:spPr>
+          <a:xfrm>
+            <a:off x="4180493" y="2683705"/>
+            <a:ext cx="5002051" cy="972892"/>
+          </a:xfrm>
+          <a:prstGeom prst="straightConnector1">
+            <a:avLst/>
+          </a:prstGeom>
+          <a:ln>
+            <a:solidFill>
+              <a:srgbClr val="FF0000"/>
+            </a:solidFill>
+            <a:tailEnd type="triangle"/>
+          </a:ln>
+        </p:spPr>
+        <p:style>
+          <a:lnRef idx="2">
+            <a:schemeClr val="accent1"/>
+          </a:lnRef>
+          <a:fillRef idx="0">
+            <a:schemeClr val="accent1"/>
+          </a:fillRef>
+          <a:effectRef idx="1">
+            <a:schemeClr val="accent1"/>
+          </a:effectRef>
+          <a:fontRef idx="minor">
+            <a:schemeClr val="tx1"/>
+          </a:fontRef>
+        </p:style>
+      </p:cxnSp>
       <p:sp>
         <p:nvSpPr>
-          <p:cNvPr id="10243" name="Subtitle 2">
+          <p:cNvPr id="6" name="TextBox 5">
             <a:extLst>
               <a:ext uri="{FF2B5EF4-FFF2-40B4-BE49-F238E27FC236}">
-                <a16:creationId xmlns:a16="http://schemas.microsoft.com/office/drawing/2014/main" id="{8F8915E4-1EDB-4D7A-A9C2-4AD2BFC7AA75}"/>
+                <a16:creationId xmlns:a16="http://schemas.microsoft.com/office/drawing/2014/main" id="{34015D5B-5E7B-4F55-B407-4B71DDE340E6}"/>
+              </a:ext>
+            </a:extLst>
+          </p:cNvPr>
+          <p:cNvSpPr txBox="1"/>
+          <p:nvPr/>
+        </p:nvSpPr>
+        <p:spPr>
+          <a:xfrm>
+            <a:off x="268448" y="2222040"/>
+            <a:ext cx="3912045" cy="923330"/>
+          </a:xfrm>
+          <a:prstGeom prst="rect">
+            <a:avLst/>
+          </a:prstGeom>
+          <a:noFill/>
+        </p:spPr>
+        <p:txBody>
+          <a:bodyPr wrap="square" rtlCol="0">
+            <a:spAutoFit/>
+          </a:bodyPr>
+          <a:lstStyle/>
+          <a:p>
+            <a:r>
+              <a:rPr lang="en-US" dirty="0"/>
+              <a:t>Trong tab “Source Location” </a:t>
+            </a:r>
+            <a:r>
+              <a:rPr lang="en-US" dirty="0" err="1"/>
+              <a:t>nhấn</a:t>
+            </a:r>
+            <a:r>
+              <a:rPr lang="en-US" dirty="0"/>
+              <a:t> “Add Folder …” để thêm folder User vào project</a:t>
+            </a:r>
+          </a:p>
+        </p:txBody>
+      </p:sp>
+    </p:spTree>
+    <p:extLst>
+      <p:ext uri="{BB962C8B-B14F-4D97-AF65-F5344CB8AC3E}">
+        <p14:creationId xmlns:p14="http://schemas.microsoft.com/office/powerpoint/2010/main" val="2935413679"/>
+      </p:ext>
+    </p:extLst>
+  </p:cSld>
+  <p:clrMapOvr>
+    <a:masterClrMapping/>
+  </p:clrMapOvr>
+</p:sld>
+</file>
+
+<file path=ppt/slides/slide29.xml><?xml version="1.0" encoding="utf-8"?>
+<p:sld xmlns:a="http://schemas.openxmlformats.org/drawingml/2006/main" xmlns:r="http://schemas.openxmlformats.org/officeDocument/2006/relationships" xmlns:p="http://schemas.openxmlformats.org/presentationml/2006/main">
+  <p:cSld>
+    <p:spTree>
+      <p:nvGrpSpPr>
+        <p:cNvPr id="1" name=""/>
+        <p:cNvGrpSpPr/>
+        <p:nvPr/>
+      </p:nvGrpSpPr>
+      <p:grpSpPr>
+        <a:xfrm>
+          <a:off x="0" y="0"/>
+          <a:ext cx="0" cy="0"/>
+          <a:chOff x="0" y="0"/>
+          <a:chExt cx="0" cy="0"/>
+        </a:xfrm>
+      </p:grpSpPr>
+      <p:sp>
+        <p:nvSpPr>
+          <p:cNvPr id="2" name="Title 1">
+            <a:extLst>
+              <a:ext uri="{FF2B5EF4-FFF2-40B4-BE49-F238E27FC236}">
+                <a16:creationId xmlns:a16="http://schemas.microsoft.com/office/drawing/2014/main" id="{B69DFF47-0EA6-4B39-8DBE-4A59E6198446}"/>
               </a:ext>
             </a:extLst>
           </p:cNvPr>
           <p:cNvSpPr>
-            <a:spLocks noGrp="1" noChangeArrowheads="1"/>
+            <a:spLocks noGrp="1"/>
           </p:cNvSpPr>
           <p:nvPr>
-            <p:ph type="subTitle" idx="1"/>
+            <p:ph type="title"/>
           </p:nvPr>
         </p:nvSpPr>
         <p:spPr/>
@@ -16686,11 +17183,137 @@
           <a:bodyPr/>
           <a:lstStyle/>
           <a:p>
-            <a:endParaRPr lang="en-US" altLang="en-US" dirty="0"/>
+            <a:r>
+              <a:rPr lang="en-US" dirty="0"/>
+              <a:t>Add source location</a:t>
+            </a:r>
+          </a:p>
+        </p:txBody>
+      </p:sp>
+      <p:pic>
+        <p:nvPicPr>
+          <p:cNvPr id="5" name="Picture 4">
+            <a:extLst>
+              <a:ext uri="{FF2B5EF4-FFF2-40B4-BE49-F238E27FC236}">
+                <a16:creationId xmlns:a16="http://schemas.microsoft.com/office/drawing/2014/main" id="{6C63D4F8-21C9-4990-ACB5-5FF3914CEED3}"/>
+              </a:ext>
+            </a:extLst>
+          </p:cNvPr>
+          <p:cNvPicPr>
+            <a:picLocks noChangeAspect="1"/>
+          </p:cNvPicPr>
+          <p:nvPr/>
+        </p:nvPicPr>
+        <p:blipFill>
+          <a:blip r:embed="rId2"/>
+          <a:stretch>
+            <a:fillRect/>
+          </a:stretch>
+        </p:blipFill>
+        <p:spPr>
+          <a:xfrm>
+            <a:off x="6336832" y="1787340"/>
+            <a:ext cx="3938676" cy="4760790"/>
+          </a:xfrm>
+          <a:prstGeom prst="rect">
+            <a:avLst/>
+          </a:prstGeom>
+        </p:spPr>
+      </p:pic>
+      <p:cxnSp>
+        <p:nvCxnSpPr>
+          <p:cNvPr id="6" name="Straight Arrow Connector 5">
+            <a:extLst>
+              <a:ext uri="{FF2B5EF4-FFF2-40B4-BE49-F238E27FC236}">
+                <a16:creationId xmlns:a16="http://schemas.microsoft.com/office/drawing/2014/main" id="{7727D7EB-2A02-4B5A-877A-831869CFF75E}"/>
+              </a:ext>
+            </a:extLst>
+          </p:cNvPr>
+          <p:cNvCxnSpPr>
+            <a:cxnSpLocks/>
+            <a:stCxn id="7" idx="3"/>
+          </p:cNvCxnSpPr>
+          <p:nvPr/>
+        </p:nvCxnSpPr>
+        <p:spPr>
+          <a:xfrm>
+            <a:off x="4180493" y="2683705"/>
+            <a:ext cx="3117929" cy="1351400"/>
+          </a:xfrm>
+          <a:prstGeom prst="straightConnector1">
+            <a:avLst/>
+          </a:prstGeom>
+          <a:ln>
+            <a:solidFill>
+              <a:srgbClr val="FF0000"/>
+            </a:solidFill>
+            <a:tailEnd type="triangle"/>
+          </a:ln>
+        </p:spPr>
+        <p:style>
+          <a:lnRef idx="2">
+            <a:schemeClr val="accent1"/>
+          </a:lnRef>
+          <a:fillRef idx="0">
+            <a:schemeClr val="accent1"/>
+          </a:fillRef>
+          <a:effectRef idx="1">
+            <a:schemeClr val="accent1"/>
+          </a:effectRef>
+          <a:fontRef idx="minor">
+            <a:schemeClr val="tx1"/>
+          </a:fontRef>
+        </p:style>
+      </p:cxnSp>
+      <p:sp>
+        <p:nvSpPr>
+          <p:cNvPr id="7" name="TextBox 6">
+            <a:extLst>
+              <a:ext uri="{FF2B5EF4-FFF2-40B4-BE49-F238E27FC236}">
+                <a16:creationId xmlns:a16="http://schemas.microsoft.com/office/drawing/2014/main" id="{D3B4210B-AF14-4940-B524-6681F5CA795E}"/>
+              </a:ext>
+            </a:extLst>
+          </p:cNvPr>
+          <p:cNvSpPr txBox="1"/>
+          <p:nvPr/>
+        </p:nvSpPr>
+        <p:spPr>
+          <a:xfrm>
+            <a:off x="268448" y="2222040"/>
+            <a:ext cx="3912045" cy="923330"/>
+          </a:xfrm>
+          <a:prstGeom prst="rect">
+            <a:avLst/>
+          </a:prstGeom>
+          <a:noFill/>
+        </p:spPr>
+        <p:txBody>
+          <a:bodyPr wrap="square" rtlCol="0">
+            <a:spAutoFit/>
+          </a:bodyPr>
+          <a:lstStyle/>
+          <a:p>
+            <a:r>
+              <a:rPr lang="en-US" dirty="0"/>
+              <a:t>Trong tab “Source Location” </a:t>
+            </a:r>
+            <a:r>
+              <a:rPr lang="en-US" dirty="0" err="1"/>
+              <a:t>nhấn</a:t>
+            </a:r>
+            <a:r>
+              <a:rPr lang="en-US" dirty="0"/>
+              <a:t> “Add Folder …” để thêm folder User vào project</a:t>
+            </a:r>
           </a:p>
         </p:txBody>
       </p:sp>
     </p:spTree>
+    <p:extLst>
+      <p:ext uri="{BB962C8B-B14F-4D97-AF65-F5344CB8AC3E}">
+        <p14:creationId xmlns:p14="http://schemas.microsoft.com/office/powerpoint/2010/main" val="1683208186"/>
+      </p:ext>
+    </p:extLst>
   </p:cSld>
   <p:clrMapOvr>
     <a:masterClrMapping/>
@@ -16789,6 +17412,1831 @@
         <p14:creationId xmlns:p14="http://schemas.microsoft.com/office/powerpoint/2010/main" val="1934699009"/>
       </p:ext>
     </p:extLst>
+  </p:cSld>
+  <p:clrMapOvr>
+    <a:masterClrMapping/>
+  </p:clrMapOvr>
+</p:sld>
+</file>
+
+<file path=ppt/slides/slide30.xml><?xml version="1.0" encoding="utf-8"?>
+<p:sld xmlns:a="http://schemas.openxmlformats.org/drawingml/2006/main" xmlns:r="http://schemas.openxmlformats.org/officeDocument/2006/relationships" xmlns:p="http://schemas.openxmlformats.org/presentationml/2006/main">
+  <p:cSld>
+    <p:spTree>
+      <p:nvGrpSpPr>
+        <p:cNvPr id="1" name=""/>
+        <p:cNvGrpSpPr/>
+        <p:nvPr/>
+      </p:nvGrpSpPr>
+      <p:grpSpPr>
+        <a:xfrm>
+          <a:off x="0" y="0"/>
+          <a:ext cx="0" cy="0"/>
+          <a:chOff x="0" y="0"/>
+          <a:chExt cx="0" cy="0"/>
+        </a:xfrm>
+      </p:grpSpPr>
+      <p:sp>
+        <p:nvSpPr>
+          <p:cNvPr id="2" name="Title 1">
+            <a:extLst>
+              <a:ext uri="{FF2B5EF4-FFF2-40B4-BE49-F238E27FC236}">
+                <a16:creationId xmlns:a16="http://schemas.microsoft.com/office/drawing/2014/main" id="{3CC88BF2-022A-4B54-BC36-B30C7A0551A2}"/>
+              </a:ext>
+            </a:extLst>
+          </p:cNvPr>
+          <p:cNvSpPr>
+            <a:spLocks noGrp="1"/>
+          </p:cNvSpPr>
+          <p:nvPr>
+            <p:ph type="title"/>
+          </p:nvPr>
+        </p:nvSpPr>
+        <p:spPr/>
+        <p:txBody>
+          <a:bodyPr/>
+          <a:lstStyle/>
+          <a:p>
+            <a:r>
+              <a:rPr lang="en-US" dirty="0"/>
+              <a:t>Thêm Include Path</a:t>
+            </a:r>
+          </a:p>
+        </p:txBody>
+      </p:sp>
+      <p:pic>
+        <p:nvPicPr>
+          <p:cNvPr id="7" name="Picture 6">
+            <a:extLst>
+              <a:ext uri="{FF2B5EF4-FFF2-40B4-BE49-F238E27FC236}">
+                <a16:creationId xmlns:a16="http://schemas.microsoft.com/office/drawing/2014/main" id="{E2F5549A-4C61-4969-8D3C-1FEC5BFA341F}"/>
+              </a:ext>
+            </a:extLst>
+          </p:cNvPr>
+          <p:cNvPicPr>
+            <a:picLocks noChangeAspect="1"/>
+          </p:cNvPicPr>
+          <p:nvPr/>
+        </p:nvPicPr>
+        <p:blipFill>
+          <a:blip r:embed="rId2"/>
+          <a:stretch>
+            <a:fillRect/>
+          </a:stretch>
+        </p:blipFill>
+        <p:spPr>
+          <a:xfrm>
+            <a:off x="4958846" y="1820411"/>
+            <a:ext cx="5810356" cy="4235655"/>
+          </a:xfrm>
+          <a:prstGeom prst="rect">
+            <a:avLst/>
+          </a:prstGeom>
+        </p:spPr>
+      </p:pic>
+      <p:cxnSp>
+        <p:nvCxnSpPr>
+          <p:cNvPr id="5" name="Straight Arrow Connector 4">
+            <a:extLst>
+              <a:ext uri="{FF2B5EF4-FFF2-40B4-BE49-F238E27FC236}">
+                <a16:creationId xmlns:a16="http://schemas.microsoft.com/office/drawing/2014/main" id="{553A25B0-08A5-4282-95AD-9B82D0D62F96}"/>
+              </a:ext>
+            </a:extLst>
+          </p:cNvPr>
+          <p:cNvCxnSpPr>
+            <a:cxnSpLocks/>
+            <a:stCxn id="6" idx="3"/>
+          </p:cNvCxnSpPr>
+          <p:nvPr/>
+        </p:nvCxnSpPr>
+        <p:spPr>
+          <a:xfrm>
+            <a:off x="4155326" y="2662651"/>
+            <a:ext cx="5508791" cy="583888"/>
+          </a:xfrm>
+          <a:prstGeom prst="straightConnector1">
+            <a:avLst/>
+          </a:prstGeom>
+          <a:ln>
+            <a:solidFill>
+              <a:srgbClr val="FF0000"/>
+            </a:solidFill>
+            <a:tailEnd type="triangle"/>
+          </a:ln>
+        </p:spPr>
+        <p:style>
+          <a:lnRef idx="2">
+            <a:schemeClr val="accent1"/>
+          </a:lnRef>
+          <a:fillRef idx="0">
+            <a:schemeClr val="accent1"/>
+          </a:fillRef>
+          <a:effectRef idx="1">
+            <a:schemeClr val="accent1"/>
+          </a:effectRef>
+          <a:fontRef idx="minor">
+            <a:schemeClr val="tx1"/>
+          </a:fontRef>
+        </p:style>
+      </p:cxnSp>
+      <p:sp>
+        <p:nvSpPr>
+          <p:cNvPr id="6" name="TextBox 5">
+            <a:extLst>
+              <a:ext uri="{FF2B5EF4-FFF2-40B4-BE49-F238E27FC236}">
+                <a16:creationId xmlns:a16="http://schemas.microsoft.com/office/drawing/2014/main" id="{D519C398-7404-460F-A9CD-A29BEF974AF4}"/>
+              </a:ext>
+            </a:extLst>
+          </p:cNvPr>
+          <p:cNvSpPr txBox="1"/>
+          <p:nvPr/>
+        </p:nvSpPr>
+        <p:spPr>
+          <a:xfrm>
+            <a:off x="243281" y="2339485"/>
+            <a:ext cx="3912045" cy="646331"/>
+          </a:xfrm>
+          <a:prstGeom prst="rect">
+            <a:avLst/>
+          </a:prstGeom>
+          <a:noFill/>
+        </p:spPr>
+        <p:txBody>
+          <a:bodyPr wrap="square" rtlCol="0">
+            <a:spAutoFit/>
+          </a:bodyPr>
+          <a:lstStyle/>
+          <a:p>
+            <a:r>
+              <a:rPr lang="en-US" dirty="0" err="1"/>
+              <a:t>Nhấn</a:t>
+            </a:r>
+            <a:r>
+              <a:rPr lang="en-US" dirty="0"/>
+              <a:t> </a:t>
+            </a:r>
+            <a:r>
+              <a:rPr lang="en-US" dirty="0" err="1"/>
+              <a:t>nút</a:t>
+            </a:r>
+            <a:r>
+              <a:rPr lang="en-US" dirty="0"/>
+              <a:t> “+” để thêm đường </a:t>
+            </a:r>
+            <a:r>
+              <a:rPr lang="en-US" dirty="0" err="1"/>
+              <a:t>dẫn</a:t>
+            </a:r>
+            <a:r>
+              <a:rPr lang="en-US" dirty="0"/>
+              <a:t> </a:t>
+            </a:r>
+            <a:r>
+              <a:rPr lang="en-US" dirty="0" err="1"/>
+              <a:t>thư</a:t>
+            </a:r>
+            <a:r>
+              <a:rPr lang="en-US" dirty="0"/>
+              <a:t> </a:t>
+            </a:r>
+            <a:r>
+              <a:rPr lang="en-US" dirty="0" err="1"/>
+              <a:t>mục</a:t>
+            </a:r>
+            <a:r>
+              <a:rPr lang="en-US" dirty="0"/>
+              <a:t> tới folder “User”</a:t>
+            </a:r>
+          </a:p>
+        </p:txBody>
+      </p:sp>
+    </p:spTree>
+    <p:extLst>
+      <p:ext uri="{BB962C8B-B14F-4D97-AF65-F5344CB8AC3E}">
+        <p14:creationId xmlns:p14="http://schemas.microsoft.com/office/powerpoint/2010/main" val="1870827368"/>
+      </p:ext>
+    </p:extLst>
+  </p:cSld>
+  <p:clrMapOvr>
+    <a:masterClrMapping/>
+  </p:clrMapOvr>
+</p:sld>
+</file>
+
+<file path=ppt/slides/slide31.xml><?xml version="1.0" encoding="utf-8"?>
+<p:sld xmlns:a="http://schemas.openxmlformats.org/drawingml/2006/main" xmlns:r="http://schemas.openxmlformats.org/officeDocument/2006/relationships" xmlns:p="http://schemas.openxmlformats.org/presentationml/2006/main">
+  <p:cSld>
+    <p:spTree>
+      <p:nvGrpSpPr>
+        <p:cNvPr id="1" name=""/>
+        <p:cNvGrpSpPr/>
+        <p:nvPr/>
+      </p:nvGrpSpPr>
+      <p:grpSpPr>
+        <a:xfrm>
+          <a:off x="0" y="0"/>
+          <a:ext cx="0" cy="0"/>
+          <a:chOff x="0" y="0"/>
+          <a:chExt cx="0" cy="0"/>
+        </a:xfrm>
+      </p:grpSpPr>
+      <p:sp>
+        <p:nvSpPr>
+          <p:cNvPr id="2" name="Title 1">
+            <a:extLst>
+              <a:ext uri="{FF2B5EF4-FFF2-40B4-BE49-F238E27FC236}">
+                <a16:creationId xmlns:a16="http://schemas.microsoft.com/office/drawing/2014/main" id="{8E234AFB-F34C-4C5D-9300-E21C983323C8}"/>
+              </a:ext>
+            </a:extLst>
+          </p:cNvPr>
+          <p:cNvSpPr>
+            <a:spLocks noGrp="1"/>
+          </p:cNvSpPr>
+          <p:nvPr>
+            <p:ph type="title"/>
+          </p:nvPr>
+        </p:nvSpPr>
+        <p:spPr/>
+        <p:txBody>
+          <a:bodyPr/>
+          <a:lstStyle/>
+          <a:p>
+            <a:r>
+              <a:rPr lang="en-US" dirty="0"/>
+              <a:t>Thêm Include Path</a:t>
+            </a:r>
+          </a:p>
+        </p:txBody>
+      </p:sp>
+      <p:pic>
+        <p:nvPicPr>
+          <p:cNvPr id="5" name="Picture 4">
+            <a:extLst>
+              <a:ext uri="{FF2B5EF4-FFF2-40B4-BE49-F238E27FC236}">
+                <a16:creationId xmlns:a16="http://schemas.microsoft.com/office/drawing/2014/main" id="{F30BD930-19B3-43CE-B336-4F0BA301C3B6}"/>
+              </a:ext>
+            </a:extLst>
+          </p:cNvPr>
+          <p:cNvPicPr>
+            <a:picLocks noChangeAspect="1"/>
+          </p:cNvPicPr>
+          <p:nvPr/>
+        </p:nvPicPr>
+        <p:blipFill>
+          <a:blip r:embed="rId2"/>
+          <a:stretch>
+            <a:fillRect/>
+          </a:stretch>
+        </p:blipFill>
+        <p:spPr>
+          <a:xfrm>
+            <a:off x="5064170" y="2332139"/>
+            <a:ext cx="6829976" cy="3401561"/>
+          </a:xfrm>
+          <a:prstGeom prst="rect">
+            <a:avLst/>
+          </a:prstGeom>
+        </p:spPr>
+      </p:pic>
+      <p:cxnSp>
+        <p:nvCxnSpPr>
+          <p:cNvPr id="6" name="Straight Arrow Connector 5">
+            <a:extLst>
+              <a:ext uri="{FF2B5EF4-FFF2-40B4-BE49-F238E27FC236}">
+                <a16:creationId xmlns:a16="http://schemas.microsoft.com/office/drawing/2014/main" id="{AB6F4FEB-D8EE-4E14-B0C9-9A17A5184B6C}"/>
+              </a:ext>
+            </a:extLst>
+          </p:cNvPr>
+          <p:cNvCxnSpPr>
+            <a:cxnSpLocks/>
+          </p:cNvCxnSpPr>
+          <p:nvPr/>
+        </p:nvCxnSpPr>
+        <p:spPr>
+          <a:xfrm>
+            <a:off x="855677" y="4169328"/>
+            <a:ext cx="6828639" cy="578841"/>
+          </a:xfrm>
+          <a:prstGeom prst="straightConnector1">
+            <a:avLst/>
+          </a:prstGeom>
+          <a:ln>
+            <a:solidFill>
+              <a:srgbClr val="FF0000"/>
+            </a:solidFill>
+            <a:tailEnd type="triangle"/>
+          </a:ln>
+        </p:spPr>
+        <p:style>
+          <a:lnRef idx="2">
+            <a:schemeClr val="accent1"/>
+          </a:lnRef>
+          <a:fillRef idx="0">
+            <a:schemeClr val="accent1"/>
+          </a:fillRef>
+          <a:effectRef idx="1">
+            <a:schemeClr val="accent1"/>
+          </a:effectRef>
+          <a:fontRef idx="minor">
+            <a:schemeClr val="tx1"/>
+          </a:fontRef>
+        </p:style>
+      </p:cxnSp>
+      <p:sp>
+        <p:nvSpPr>
+          <p:cNvPr id="7" name="TextBox 6">
+            <a:extLst>
+              <a:ext uri="{FF2B5EF4-FFF2-40B4-BE49-F238E27FC236}">
+                <a16:creationId xmlns:a16="http://schemas.microsoft.com/office/drawing/2014/main" id="{159A1BEB-95DD-4272-9ADB-320DAC453386}"/>
+              </a:ext>
+            </a:extLst>
+          </p:cNvPr>
+          <p:cNvSpPr txBox="1"/>
+          <p:nvPr/>
+        </p:nvSpPr>
+        <p:spPr>
+          <a:xfrm>
+            <a:off x="243281" y="2339485"/>
+            <a:ext cx="3912045" cy="2862322"/>
+          </a:xfrm>
+          <a:prstGeom prst="rect">
+            <a:avLst/>
+          </a:prstGeom>
+          <a:noFill/>
+        </p:spPr>
+        <p:txBody>
+          <a:bodyPr wrap="square" rtlCol="0">
+            <a:spAutoFit/>
+          </a:bodyPr>
+          <a:lstStyle/>
+          <a:p>
+            <a:r>
+              <a:rPr lang="en-US" dirty="0" err="1"/>
+              <a:t>Nhấn</a:t>
+            </a:r>
+            <a:r>
+              <a:rPr lang="en-US" dirty="0"/>
+              <a:t> </a:t>
+            </a:r>
+            <a:r>
+              <a:rPr lang="en-US" dirty="0" err="1"/>
+              <a:t>nút</a:t>
+            </a:r>
+            <a:r>
+              <a:rPr lang="en-US" dirty="0"/>
+              <a:t> “+” để thêm đường </a:t>
+            </a:r>
+            <a:r>
+              <a:rPr lang="en-US" dirty="0" err="1"/>
+              <a:t>dẫn</a:t>
+            </a:r>
+            <a:r>
+              <a:rPr lang="en-US" dirty="0"/>
+              <a:t> </a:t>
+            </a:r>
+            <a:r>
+              <a:rPr lang="en-US" dirty="0" err="1"/>
+              <a:t>thư</a:t>
+            </a:r>
+            <a:r>
+              <a:rPr lang="en-US" dirty="0"/>
+              <a:t> </a:t>
+            </a:r>
+            <a:r>
+              <a:rPr lang="en-US" dirty="0" err="1"/>
+              <a:t>mục</a:t>
+            </a:r>
+            <a:r>
+              <a:rPr lang="en-US" dirty="0"/>
+              <a:t> tới folder “User”</a:t>
+            </a:r>
+          </a:p>
+          <a:p>
+            <a:endParaRPr lang="en-US" dirty="0"/>
+          </a:p>
+          <a:p>
+            <a:r>
+              <a:rPr lang="en-US" b="1" dirty="0"/>
+              <a:t>Debug </a:t>
+            </a:r>
+          </a:p>
+          <a:p>
+            <a:r>
+              <a:rPr lang="en-US" dirty="0"/>
+              <a:t> </a:t>
+            </a:r>
+            <a:r>
+              <a:rPr lang="en-US" dirty="0">
+                <a:sym typeface="Wingdings" panose="05000000000000000000" pitchFamily="2" charset="2"/>
+              </a:rPr>
+              <a:t> …</a:t>
+            </a:r>
+          </a:p>
+          <a:p>
+            <a:r>
+              <a:rPr lang="en-US" dirty="0">
+                <a:sym typeface="Wingdings" panose="05000000000000000000" pitchFamily="2" charset="2"/>
+              </a:rPr>
+              <a:t>  </a:t>
+            </a:r>
+            <a:r>
+              <a:rPr lang="en-US" i="1" dirty="0" err="1">
+                <a:solidFill>
+                  <a:srgbClr val="FF0000"/>
+                </a:solidFill>
+                <a:sym typeface="Wingdings" panose="05000000000000000000" pitchFamily="2" charset="2"/>
+              </a:rPr>
+              <a:t>makefile</a:t>
+            </a:r>
+            <a:r>
+              <a:rPr lang="en-US" i="1" dirty="0">
+                <a:solidFill>
+                  <a:srgbClr val="FF0000"/>
+                </a:solidFill>
+                <a:sym typeface="Wingdings" panose="05000000000000000000" pitchFamily="2" charset="2"/>
+              </a:rPr>
+              <a:t> (Current working folder)</a:t>
+            </a:r>
+            <a:endParaRPr lang="en-US" i="1" dirty="0">
+              <a:solidFill>
+                <a:srgbClr val="FF0000"/>
+              </a:solidFill>
+            </a:endParaRPr>
+          </a:p>
+          <a:p>
+            <a:r>
+              <a:rPr lang="en-US" b="1" dirty="0"/>
+              <a:t>User</a:t>
+            </a:r>
+          </a:p>
+          <a:p>
+            <a:r>
+              <a:rPr lang="en-US" dirty="0">
+                <a:sym typeface="Wingdings" panose="05000000000000000000" pitchFamily="2" charset="2"/>
+              </a:rPr>
+              <a:t>  </a:t>
+            </a:r>
+            <a:r>
+              <a:rPr lang="en-US" i="1" dirty="0" err="1">
+                <a:solidFill>
+                  <a:srgbClr val="FF0000"/>
+                </a:solidFill>
+                <a:sym typeface="Wingdings" panose="05000000000000000000" pitchFamily="2" charset="2"/>
+              </a:rPr>
+              <a:t>sw_rtc.c</a:t>
+            </a:r>
+            <a:endParaRPr lang="en-US" i="1" dirty="0">
+              <a:solidFill>
+                <a:srgbClr val="FF0000"/>
+              </a:solidFill>
+              <a:sym typeface="Wingdings" panose="05000000000000000000" pitchFamily="2" charset="2"/>
+            </a:endParaRPr>
+          </a:p>
+          <a:p>
+            <a:endParaRPr lang="en-US" i="1" dirty="0">
+              <a:solidFill>
+                <a:srgbClr val="FF0000"/>
+              </a:solidFill>
+              <a:sym typeface="Wingdings" panose="05000000000000000000" pitchFamily="2" charset="2"/>
+            </a:endParaRPr>
+          </a:p>
+          <a:p>
+            <a:r>
+              <a:rPr lang="en-US" i="1" dirty="0">
+                <a:solidFill>
+                  <a:srgbClr val="FF0000"/>
+                </a:solidFill>
+                <a:sym typeface="Wingdings" panose="05000000000000000000" pitchFamily="2" charset="2"/>
+              </a:rPr>
+              <a:t>.. </a:t>
+            </a:r>
+            <a:r>
+              <a:rPr lang="en-US" i="1" dirty="0" err="1">
+                <a:solidFill>
+                  <a:srgbClr val="FF0000"/>
+                </a:solidFill>
+                <a:sym typeface="Wingdings" panose="05000000000000000000" pitchFamily="2" charset="2"/>
+              </a:rPr>
+              <a:t>Tương</a:t>
+            </a:r>
+            <a:r>
+              <a:rPr lang="en-US" i="1" dirty="0">
+                <a:solidFill>
+                  <a:srgbClr val="FF0000"/>
+                </a:solidFill>
+                <a:sym typeface="Wingdings" panose="05000000000000000000" pitchFamily="2" charset="2"/>
+              </a:rPr>
+              <a:t> </a:t>
+            </a:r>
+            <a:r>
+              <a:rPr lang="en-US" i="1" dirty="0" err="1">
+                <a:solidFill>
+                  <a:srgbClr val="FF0000"/>
+                </a:solidFill>
+                <a:sym typeface="Wingdings" panose="05000000000000000000" pitchFamily="2" charset="2"/>
+              </a:rPr>
+              <a:t>đương</a:t>
+            </a:r>
+            <a:r>
+              <a:rPr lang="en-US" i="1" dirty="0">
+                <a:solidFill>
+                  <a:srgbClr val="FF0000"/>
+                </a:solidFill>
+                <a:sym typeface="Wingdings" panose="05000000000000000000" pitchFamily="2" charset="2"/>
+              </a:rPr>
+              <a:t> </a:t>
+            </a:r>
+            <a:r>
+              <a:rPr lang="en-US" i="1" dirty="0" err="1">
+                <a:solidFill>
+                  <a:srgbClr val="FF0000"/>
+                </a:solidFill>
+                <a:sym typeface="Wingdings" panose="05000000000000000000" pitchFamily="2" charset="2"/>
+              </a:rPr>
+              <a:t>lùi</a:t>
+            </a:r>
+            <a:r>
+              <a:rPr lang="en-US" i="1" dirty="0">
+                <a:solidFill>
+                  <a:srgbClr val="FF0000"/>
+                </a:solidFill>
+                <a:sym typeface="Wingdings" panose="05000000000000000000" pitchFamily="2" charset="2"/>
+              </a:rPr>
+              <a:t> 1 cấp </a:t>
+            </a:r>
+            <a:r>
+              <a:rPr lang="en-US" i="1" dirty="0" err="1">
+                <a:solidFill>
+                  <a:srgbClr val="FF0000"/>
+                </a:solidFill>
+                <a:sym typeface="Wingdings" panose="05000000000000000000" pitchFamily="2" charset="2"/>
+              </a:rPr>
+              <a:t>thư</a:t>
+            </a:r>
+            <a:r>
+              <a:rPr lang="en-US" i="1" dirty="0">
+                <a:solidFill>
+                  <a:srgbClr val="FF0000"/>
+                </a:solidFill>
+                <a:sym typeface="Wingdings" panose="05000000000000000000" pitchFamily="2" charset="2"/>
+              </a:rPr>
+              <a:t> </a:t>
+            </a:r>
+            <a:r>
+              <a:rPr lang="en-US" i="1" dirty="0" err="1">
+                <a:solidFill>
+                  <a:srgbClr val="FF0000"/>
+                </a:solidFill>
+                <a:sym typeface="Wingdings" panose="05000000000000000000" pitchFamily="2" charset="2"/>
+              </a:rPr>
+              <a:t>mục</a:t>
+            </a:r>
+            <a:endParaRPr lang="en-US" i="1" dirty="0">
+              <a:solidFill>
+                <a:srgbClr val="FF0000"/>
+              </a:solidFill>
+            </a:endParaRPr>
+          </a:p>
+        </p:txBody>
+      </p:sp>
+    </p:spTree>
+    <p:extLst>
+      <p:ext uri="{BB962C8B-B14F-4D97-AF65-F5344CB8AC3E}">
+        <p14:creationId xmlns:p14="http://schemas.microsoft.com/office/powerpoint/2010/main" val="3544550964"/>
+      </p:ext>
+    </p:extLst>
+  </p:cSld>
+  <p:clrMapOvr>
+    <a:masterClrMapping/>
+  </p:clrMapOvr>
+</p:sld>
+</file>
+
+<file path=ppt/slides/slide32.xml><?xml version="1.0" encoding="utf-8"?>
+<p:sld xmlns:a="http://schemas.openxmlformats.org/drawingml/2006/main" xmlns:r="http://schemas.openxmlformats.org/officeDocument/2006/relationships" xmlns:p="http://schemas.openxmlformats.org/presentationml/2006/main">
+  <p:cSld>
+    <p:spTree>
+      <p:nvGrpSpPr>
+        <p:cNvPr id="1" name=""/>
+        <p:cNvGrpSpPr/>
+        <p:nvPr/>
+      </p:nvGrpSpPr>
+      <p:grpSpPr>
+        <a:xfrm>
+          <a:off x="0" y="0"/>
+          <a:ext cx="0" cy="0"/>
+          <a:chOff x="0" y="0"/>
+          <a:chExt cx="0" cy="0"/>
+        </a:xfrm>
+      </p:grpSpPr>
+      <p:sp>
+        <p:nvSpPr>
+          <p:cNvPr id="2" name="Title 1">
+            <a:extLst>
+              <a:ext uri="{FF2B5EF4-FFF2-40B4-BE49-F238E27FC236}">
+                <a16:creationId xmlns:a16="http://schemas.microsoft.com/office/drawing/2014/main" id="{EAE371C4-5A03-445A-8B8A-85237D7293B3}"/>
+              </a:ext>
+            </a:extLst>
+          </p:cNvPr>
+          <p:cNvSpPr>
+            <a:spLocks noGrp="1"/>
+          </p:cNvSpPr>
+          <p:nvPr>
+            <p:ph type="title"/>
+          </p:nvPr>
+        </p:nvSpPr>
+        <p:spPr/>
+        <p:txBody>
+          <a:bodyPr/>
+          <a:lstStyle/>
+          <a:p>
+            <a:r>
+              <a:rPr lang="en-US" dirty="0" err="1"/>
+              <a:t>Systick</a:t>
+            </a:r>
+            <a:r>
+              <a:rPr lang="en-US" dirty="0"/>
+              <a:t> source code</a:t>
+            </a:r>
+          </a:p>
+        </p:txBody>
+      </p:sp>
+      <p:pic>
+        <p:nvPicPr>
+          <p:cNvPr id="5" name="Picture 4">
+            <a:extLst>
+              <a:ext uri="{FF2B5EF4-FFF2-40B4-BE49-F238E27FC236}">
+                <a16:creationId xmlns:a16="http://schemas.microsoft.com/office/drawing/2014/main" id="{2C0E9F94-A3B6-417F-9B0B-7AC85122AC48}"/>
+              </a:ext>
+            </a:extLst>
+          </p:cNvPr>
+          <p:cNvPicPr>
+            <a:picLocks noChangeAspect="1"/>
+          </p:cNvPicPr>
+          <p:nvPr/>
+        </p:nvPicPr>
+        <p:blipFill>
+          <a:blip r:embed="rId2"/>
+          <a:stretch>
+            <a:fillRect/>
+          </a:stretch>
+        </p:blipFill>
+        <p:spPr>
+          <a:xfrm>
+            <a:off x="5287966" y="1904301"/>
+            <a:ext cx="5256995" cy="4392931"/>
+          </a:xfrm>
+          <a:prstGeom prst="rect">
+            <a:avLst/>
+          </a:prstGeom>
+        </p:spPr>
+      </p:pic>
+      <p:sp>
+        <p:nvSpPr>
+          <p:cNvPr id="6" name="TextBox 5">
+            <a:extLst>
+              <a:ext uri="{FF2B5EF4-FFF2-40B4-BE49-F238E27FC236}">
+                <a16:creationId xmlns:a16="http://schemas.microsoft.com/office/drawing/2014/main" id="{E1DAB25A-E6A3-42F6-AF84-29615D4C946F}"/>
+              </a:ext>
+            </a:extLst>
+          </p:cNvPr>
+          <p:cNvSpPr txBox="1"/>
+          <p:nvPr/>
+        </p:nvSpPr>
+        <p:spPr>
+          <a:xfrm>
+            <a:off x="243281" y="2339485"/>
+            <a:ext cx="4337108" cy="646331"/>
+          </a:xfrm>
+          <a:prstGeom prst="rect">
+            <a:avLst/>
+          </a:prstGeom>
+          <a:noFill/>
+        </p:spPr>
+        <p:txBody>
+          <a:bodyPr wrap="square" rtlCol="0">
+            <a:spAutoFit/>
+          </a:bodyPr>
+          <a:lstStyle/>
+          <a:p>
+            <a:r>
+              <a:rPr lang="en-US" dirty="0"/>
+              <a:t>Gọi </a:t>
+            </a:r>
+            <a:r>
+              <a:rPr lang="en-US" dirty="0" err="1"/>
+              <a:t>hàm</a:t>
+            </a:r>
+            <a:r>
+              <a:rPr lang="en-US" dirty="0"/>
+              <a:t> “</a:t>
+            </a:r>
+            <a:r>
+              <a:rPr lang="en-US" dirty="0" err="1"/>
+              <a:t>sw_rtc_systick_update</a:t>
+            </a:r>
+            <a:r>
+              <a:rPr lang="en-US" dirty="0"/>
+              <a:t>()” bên trong </a:t>
+            </a:r>
+            <a:r>
+              <a:rPr lang="en-US" dirty="0" err="1"/>
+              <a:t>hàm</a:t>
+            </a:r>
+            <a:r>
+              <a:rPr lang="en-US" dirty="0"/>
+              <a:t> </a:t>
+            </a:r>
+            <a:r>
+              <a:rPr lang="en-US" dirty="0" err="1"/>
+              <a:t>SysTick_Hanlder</a:t>
+            </a:r>
+            <a:r>
+              <a:rPr lang="en-US" dirty="0"/>
+              <a:t>()</a:t>
+            </a:r>
+          </a:p>
+        </p:txBody>
+      </p:sp>
+      <p:cxnSp>
+        <p:nvCxnSpPr>
+          <p:cNvPr id="7" name="Straight Arrow Connector 6">
+            <a:extLst>
+              <a:ext uri="{FF2B5EF4-FFF2-40B4-BE49-F238E27FC236}">
+                <a16:creationId xmlns:a16="http://schemas.microsoft.com/office/drawing/2014/main" id="{5DAD05C5-84EC-4193-AA0B-C638D2505294}"/>
+              </a:ext>
+            </a:extLst>
+          </p:cNvPr>
+          <p:cNvCxnSpPr>
+            <a:cxnSpLocks/>
+            <a:stCxn id="6" idx="3"/>
+          </p:cNvCxnSpPr>
+          <p:nvPr/>
+        </p:nvCxnSpPr>
+        <p:spPr>
+          <a:xfrm>
+            <a:off x="4580389" y="2662651"/>
+            <a:ext cx="3036815" cy="3058641"/>
+          </a:xfrm>
+          <a:prstGeom prst="straightConnector1">
+            <a:avLst/>
+          </a:prstGeom>
+          <a:ln>
+            <a:solidFill>
+              <a:srgbClr val="FF0000"/>
+            </a:solidFill>
+            <a:tailEnd type="triangle"/>
+          </a:ln>
+        </p:spPr>
+        <p:style>
+          <a:lnRef idx="2">
+            <a:schemeClr val="accent1"/>
+          </a:lnRef>
+          <a:fillRef idx="0">
+            <a:schemeClr val="accent1"/>
+          </a:fillRef>
+          <a:effectRef idx="1">
+            <a:schemeClr val="accent1"/>
+          </a:effectRef>
+          <a:fontRef idx="minor">
+            <a:schemeClr val="tx1"/>
+          </a:fontRef>
+        </p:style>
+      </p:cxnSp>
+    </p:spTree>
+    <p:extLst>
+      <p:ext uri="{BB962C8B-B14F-4D97-AF65-F5344CB8AC3E}">
+        <p14:creationId xmlns:p14="http://schemas.microsoft.com/office/powerpoint/2010/main" val="923906775"/>
+      </p:ext>
+    </p:extLst>
+  </p:cSld>
+  <p:clrMapOvr>
+    <a:masterClrMapping/>
+  </p:clrMapOvr>
+</p:sld>
+</file>
+
+<file path=ppt/slides/slide33.xml><?xml version="1.0" encoding="utf-8"?>
+<p:sld xmlns:a="http://schemas.openxmlformats.org/drawingml/2006/main" xmlns:r="http://schemas.openxmlformats.org/officeDocument/2006/relationships" xmlns:p="http://schemas.openxmlformats.org/presentationml/2006/main">
+  <p:cSld>
+    <p:spTree>
+      <p:nvGrpSpPr>
+        <p:cNvPr id="1" name=""/>
+        <p:cNvGrpSpPr/>
+        <p:nvPr/>
+      </p:nvGrpSpPr>
+      <p:grpSpPr>
+        <a:xfrm>
+          <a:off x="0" y="0"/>
+          <a:ext cx="0" cy="0"/>
+          <a:chOff x="0" y="0"/>
+          <a:chExt cx="0" cy="0"/>
+        </a:xfrm>
+      </p:grpSpPr>
+      <p:sp>
+        <p:nvSpPr>
+          <p:cNvPr id="2" name="Title 1">
+            <a:extLst>
+              <a:ext uri="{FF2B5EF4-FFF2-40B4-BE49-F238E27FC236}">
+                <a16:creationId xmlns:a16="http://schemas.microsoft.com/office/drawing/2014/main" id="{51C4558A-F4CF-4DEB-AC3F-4BC1254DBD93}"/>
+              </a:ext>
+            </a:extLst>
+          </p:cNvPr>
+          <p:cNvSpPr>
+            <a:spLocks noGrp="1"/>
+          </p:cNvSpPr>
+          <p:nvPr>
+            <p:ph type="title"/>
+          </p:nvPr>
+        </p:nvSpPr>
+        <p:spPr/>
+        <p:txBody>
+          <a:bodyPr/>
+          <a:lstStyle/>
+          <a:p>
+            <a:r>
+              <a:rPr lang="en-US" dirty="0" err="1"/>
+              <a:t>Systick</a:t>
+            </a:r>
+            <a:r>
+              <a:rPr lang="en-US" dirty="0"/>
+              <a:t> source code</a:t>
+            </a:r>
+          </a:p>
+        </p:txBody>
+      </p:sp>
+      <p:pic>
+        <p:nvPicPr>
+          <p:cNvPr id="5" name="Picture 4">
+            <a:extLst>
+              <a:ext uri="{FF2B5EF4-FFF2-40B4-BE49-F238E27FC236}">
+                <a16:creationId xmlns:a16="http://schemas.microsoft.com/office/drawing/2014/main" id="{7D628CE6-4A11-40EF-9CC6-4E9733525C74}"/>
+              </a:ext>
+            </a:extLst>
+          </p:cNvPr>
+          <p:cNvPicPr>
+            <a:picLocks noChangeAspect="1"/>
+          </p:cNvPicPr>
+          <p:nvPr/>
+        </p:nvPicPr>
+        <p:blipFill>
+          <a:blip r:embed="rId2"/>
+          <a:stretch>
+            <a:fillRect/>
+          </a:stretch>
+        </p:blipFill>
+        <p:spPr>
+          <a:xfrm>
+            <a:off x="5240672" y="2124206"/>
+            <a:ext cx="6324600" cy="3381375"/>
+          </a:xfrm>
+          <a:prstGeom prst="rect">
+            <a:avLst/>
+          </a:prstGeom>
+        </p:spPr>
+      </p:pic>
+      <p:sp>
+        <p:nvSpPr>
+          <p:cNvPr id="6" name="TextBox 5">
+            <a:extLst>
+              <a:ext uri="{FF2B5EF4-FFF2-40B4-BE49-F238E27FC236}">
+                <a16:creationId xmlns:a16="http://schemas.microsoft.com/office/drawing/2014/main" id="{FD434ADD-59BF-47DA-BAFF-647E28644D5C}"/>
+              </a:ext>
+            </a:extLst>
+          </p:cNvPr>
+          <p:cNvSpPr txBox="1"/>
+          <p:nvPr/>
+        </p:nvSpPr>
+        <p:spPr>
+          <a:xfrm>
+            <a:off x="243281" y="2339485"/>
+            <a:ext cx="4521666" cy="923330"/>
+          </a:xfrm>
+          <a:prstGeom prst="rect">
+            <a:avLst/>
+          </a:prstGeom>
+          <a:noFill/>
+        </p:spPr>
+        <p:txBody>
+          <a:bodyPr wrap="square" rtlCol="0">
+            <a:spAutoFit/>
+          </a:bodyPr>
+          <a:lstStyle/>
+          <a:p>
+            <a:r>
+              <a:rPr lang="en-US" dirty="0"/>
+              <a:t>Khai báo kiểu extern </a:t>
+            </a:r>
+            <a:r>
+              <a:rPr lang="en-US" dirty="0" err="1"/>
+              <a:t>cho</a:t>
+            </a:r>
+            <a:r>
+              <a:rPr lang="en-US" dirty="0"/>
+              <a:t> </a:t>
+            </a:r>
+            <a:r>
+              <a:rPr lang="en-US" dirty="0" err="1"/>
+              <a:t>hàm</a:t>
+            </a:r>
+            <a:r>
+              <a:rPr lang="en-US" dirty="0"/>
+              <a:t> “</a:t>
+            </a:r>
+            <a:r>
+              <a:rPr lang="en-US" dirty="0" err="1"/>
+              <a:t>sw_rtc_systick_update</a:t>
+            </a:r>
+            <a:r>
+              <a:rPr lang="en-US" dirty="0"/>
+              <a:t>()” bên trong file stm32f4xx_it.c</a:t>
+            </a:r>
+          </a:p>
+        </p:txBody>
+      </p:sp>
+      <p:cxnSp>
+        <p:nvCxnSpPr>
+          <p:cNvPr id="7" name="Straight Arrow Connector 6">
+            <a:extLst>
+              <a:ext uri="{FF2B5EF4-FFF2-40B4-BE49-F238E27FC236}">
+                <a16:creationId xmlns:a16="http://schemas.microsoft.com/office/drawing/2014/main" id="{D12A637B-E6E3-4490-8F25-23F9929A5FAB}"/>
+              </a:ext>
+            </a:extLst>
+          </p:cNvPr>
+          <p:cNvCxnSpPr>
+            <a:cxnSpLocks/>
+            <a:stCxn id="6" idx="3"/>
+          </p:cNvCxnSpPr>
+          <p:nvPr/>
+        </p:nvCxnSpPr>
+        <p:spPr>
+          <a:xfrm>
+            <a:off x="4764947" y="2801150"/>
+            <a:ext cx="3638025" cy="361500"/>
+          </a:xfrm>
+          <a:prstGeom prst="straightConnector1">
+            <a:avLst/>
+          </a:prstGeom>
+          <a:ln>
+            <a:solidFill>
+              <a:srgbClr val="FF0000"/>
+            </a:solidFill>
+            <a:tailEnd type="triangle"/>
+          </a:ln>
+        </p:spPr>
+        <p:style>
+          <a:lnRef idx="2">
+            <a:schemeClr val="accent1"/>
+          </a:lnRef>
+          <a:fillRef idx="0">
+            <a:schemeClr val="accent1"/>
+          </a:fillRef>
+          <a:effectRef idx="1">
+            <a:schemeClr val="accent1"/>
+          </a:effectRef>
+          <a:fontRef idx="minor">
+            <a:schemeClr val="tx1"/>
+          </a:fontRef>
+        </p:style>
+      </p:cxnSp>
+    </p:spTree>
+    <p:extLst>
+      <p:ext uri="{BB962C8B-B14F-4D97-AF65-F5344CB8AC3E}">
+        <p14:creationId xmlns:p14="http://schemas.microsoft.com/office/powerpoint/2010/main" val="1218162571"/>
+      </p:ext>
+    </p:extLst>
+  </p:cSld>
+  <p:clrMapOvr>
+    <a:masterClrMapping/>
+  </p:clrMapOvr>
+</p:sld>
+</file>
+
+<file path=ppt/slides/slide34.xml><?xml version="1.0" encoding="utf-8"?>
+<p:sld xmlns:a="http://schemas.openxmlformats.org/drawingml/2006/main" xmlns:r="http://schemas.openxmlformats.org/officeDocument/2006/relationships" xmlns:p="http://schemas.openxmlformats.org/presentationml/2006/main">
+  <p:cSld>
+    <p:spTree>
+      <p:nvGrpSpPr>
+        <p:cNvPr id="1" name=""/>
+        <p:cNvGrpSpPr/>
+        <p:nvPr/>
+      </p:nvGrpSpPr>
+      <p:grpSpPr>
+        <a:xfrm>
+          <a:off x="0" y="0"/>
+          <a:ext cx="0" cy="0"/>
+          <a:chOff x="0" y="0"/>
+          <a:chExt cx="0" cy="0"/>
+        </a:xfrm>
+      </p:grpSpPr>
+      <p:sp>
+        <p:nvSpPr>
+          <p:cNvPr id="2" name="Title 1">
+            <a:extLst>
+              <a:ext uri="{FF2B5EF4-FFF2-40B4-BE49-F238E27FC236}">
+                <a16:creationId xmlns:a16="http://schemas.microsoft.com/office/drawing/2014/main" id="{CEACAEA0-712A-43D9-A187-E48A7CD3F9B7}"/>
+              </a:ext>
+            </a:extLst>
+          </p:cNvPr>
+          <p:cNvSpPr>
+            <a:spLocks noGrp="1"/>
+          </p:cNvSpPr>
+          <p:nvPr>
+            <p:ph type="title"/>
+          </p:nvPr>
+        </p:nvSpPr>
+        <p:spPr/>
+        <p:txBody>
+          <a:bodyPr/>
+          <a:lstStyle/>
+          <a:p>
+            <a:r>
+              <a:rPr lang="en-US" dirty="0" err="1"/>
+              <a:t>Systick</a:t>
+            </a:r>
+            <a:r>
+              <a:rPr lang="en-US" dirty="0"/>
+              <a:t> source code</a:t>
+            </a:r>
+          </a:p>
+        </p:txBody>
+      </p:sp>
+      <p:pic>
+        <p:nvPicPr>
+          <p:cNvPr id="5" name="Picture 4">
+            <a:extLst>
+              <a:ext uri="{FF2B5EF4-FFF2-40B4-BE49-F238E27FC236}">
+                <a16:creationId xmlns:a16="http://schemas.microsoft.com/office/drawing/2014/main" id="{E4E297E6-5683-48DD-B0C8-384DFA17259B}"/>
+              </a:ext>
+            </a:extLst>
+          </p:cNvPr>
+          <p:cNvPicPr>
+            <a:picLocks noChangeAspect="1"/>
+          </p:cNvPicPr>
+          <p:nvPr/>
+        </p:nvPicPr>
+        <p:blipFill>
+          <a:blip r:embed="rId2"/>
+          <a:stretch>
+            <a:fillRect/>
+          </a:stretch>
+        </p:blipFill>
+        <p:spPr>
+          <a:xfrm>
+            <a:off x="4653599" y="1816995"/>
+            <a:ext cx="5922122" cy="4558638"/>
+          </a:xfrm>
+          <a:prstGeom prst="rect">
+            <a:avLst/>
+          </a:prstGeom>
+        </p:spPr>
+      </p:pic>
+      <p:sp>
+        <p:nvSpPr>
+          <p:cNvPr id="6" name="TextBox 5">
+            <a:extLst>
+              <a:ext uri="{FF2B5EF4-FFF2-40B4-BE49-F238E27FC236}">
+                <a16:creationId xmlns:a16="http://schemas.microsoft.com/office/drawing/2014/main" id="{8C613BA2-0B84-4B39-B2DA-71C313650FFD}"/>
+              </a:ext>
+            </a:extLst>
+          </p:cNvPr>
+          <p:cNvSpPr txBox="1"/>
+          <p:nvPr/>
+        </p:nvSpPr>
+        <p:spPr>
+          <a:xfrm>
+            <a:off x="243281" y="2339485"/>
+            <a:ext cx="4521666" cy="646331"/>
+          </a:xfrm>
+          <a:prstGeom prst="rect">
+            <a:avLst/>
+          </a:prstGeom>
+          <a:noFill/>
+        </p:spPr>
+        <p:txBody>
+          <a:bodyPr wrap="square" rtlCol="0">
+            <a:spAutoFit/>
+          </a:bodyPr>
+          <a:lstStyle/>
+          <a:p>
+            <a:r>
+              <a:rPr lang="en-US" dirty="0"/>
+              <a:t>Gọi </a:t>
+            </a:r>
+            <a:r>
+              <a:rPr lang="en-US" dirty="0" err="1"/>
+              <a:t>hàm</a:t>
+            </a:r>
+            <a:r>
+              <a:rPr lang="en-US" dirty="0"/>
+              <a:t> “</a:t>
+            </a:r>
+            <a:r>
+              <a:rPr lang="en-US" dirty="0" err="1"/>
+              <a:t>sw_rtc_app_run</a:t>
+            </a:r>
+            <a:r>
+              <a:rPr lang="en-US" dirty="0"/>
+              <a:t>()” trong </a:t>
+            </a:r>
+            <a:r>
+              <a:rPr lang="en-US" dirty="0" err="1"/>
+              <a:t>hàm</a:t>
+            </a:r>
+            <a:r>
+              <a:rPr lang="en-US" dirty="0"/>
+              <a:t> main()</a:t>
+            </a:r>
+          </a:p>
+        </p:txBody>
+      </p:sp>
+      <p:cxnSp>
+        <p:nvCxnSpPr>
+          <p:cNvPr id="7" name="Straight Arrow Connector 6">
+            <a:extLst>
+              <a:ext uri="{FF2B5EF4-FFF2-40B4-BE49-F238E27FC236}">
+                <a16:creationId xmlns:a16="http://schemas.microsoft.com/office/drawing/2014/main" id="{B8025DB0-1C09-43A5-8E29-0CF094F00214}"/>
+              </a:ext>
+            </a:extLst>
+          </p:cNvPr>
+          <p:cNvCxnSpPr>
+            <a:cxnSpLocks/>
+            <a:stCxn id="6" idx="3"/>
+          </p:cNvCxnSpPr>
+          <p:nvPr/>
+        </p:nvCxnSpPr>
+        <p:spPr>
+          <a:xfrm>
+            <a:off x="4764947" y="2662651"/>
+            <a:ext cx="2751589" cy="994949"/>
+          </a:xfrm>
+          <a:prstGeom prst="straightConnector1">
+            <a:avLst/>
+          </a:prstGeom>
+          <a:ln>
+            <a:solidFill>
+              <a:srgbClr val="FF0000"/>
+            </a:solidFill>
+            <a:tailEnd type="triangle"/>
+          </a:ln>
+        </p:spPr>
+        <p:style>
+          <a:lnRef idx="2">
+            <a:schemeClr val="accent1"/>
+          </a:lnRef>
+          <a:fillRef idx="0">
+            <a:schemeClr val="accent1"/>
+          </a:fillRef>
+          <a:effectRef idx="1">
+            <a:schemeClr val="accent1"/>
+          </a:effectRef>
+          <a:fontRef idx="minor">
+            <a:schemeClr val="tx1"/>
+          </a:fontRef>
+        </p:style>
+      </p:cxnSp>
+    </p:spTree>
+    <p:extLst>
+      <p:ext uri="{BB962C8B-B14F-4D97-AF65-F5344CB8AC3E}">
+        <p14:creationId xmlns:p14="http://schemas.microsoft.com/office/powerpoint/2010/main" val="1908901544"/>
+      </p:ext>
+    </p:extLst>
+  </p:cSld>
+  <p:clrMapOvr>
+    <a:masterClrMapping/>
+  </p:clrMapOvr>
+</p:sld>
+</file>
+
+<file path=ppt/slides/slide35.xml><?xml version="1.0" encoding="utf-8"?>
+<p:sld xmlns:a="http://schemas.openxmlformats.org/drawingml/2006/main" xmlns:r="http://schemas.openxmlformats.org/officeDocument/2006/relationships" xmlns:p="http://schemas.openxmlformats.org/presentationml/2006/main">
+  <p:cSld>
+    <p:spTree>
+      <p:nvGrpSpPr>
+        <p:cNvPr id="1" name=""/>
+        <p:cNvGrpSpPr/>
+        <p:nvPr/>
+      </p:nvGrpSpPr>
+      <p:grpSpPr>
+        <a:xfrm>
+          <a:off x="0" y="0"/>
+          <a:ext cx="0" cy="0"/>
+          <a:chOff x="0" y="0"/>
+          <a:chExt cx="0" cy="0"/>
+        </a:xfrm>
+      </p:grpSpPr>
+      <p:sp>
+        <p:nvSpPr>
+          <p:cNvPr id="2" name="Title 1">
+            <a:extLst>
+              <a:ext uri="{FF2B5EF4-FFF2-40B4-BE49-F238E27FC236}">
+                <a16:creationId xmlns:a16="http://schemas.microsoft.com/office/drawing/2014/main" id="{A9B570B9-6667-40CB-9D58-3582A61A9098}"/>
+              </a:ext>
+            </a:extLst>
+          </p:cNvPr>
+          <p:cNvSpPr>
+            <a:spLocks noGrp="1"/>
+          </p:cNvSpPr>
+          <p:nvPr>
+            <p:ph type="title"/>
+          </p:nvPr>
+        </p:nvSpPr>
+        <p:spPr/>
+        <p:txBody>
+          <a:bodyPr/>
+          <a:lstStyle/>
+          <a:p>
+            <a:r>
+              <a:rPr lang="en-US" dirty="0" err="1"/>
+              <a:t>Systick</a:t>
+            </a:r>
+            <a:r>
+              <a:rPr lang="en-US" dirty="0"/>
+              <a:t> source code</a:t>
+            </a:r>
+          </a:p>
+        </p:txBody>
+      </p:sp>
+      <p:pic>
+        <p:nvPicPr>
+          <p:cNvPr id="5" name="Picture 4">
+            <a:extLst>
+              <a:ext uri="{FF2B5EF4-FFF2-40B4-BE49-F238E27FC236}">
+                <a16:creationId xmlns:a16="http://schemas.microsoft.com/office/drawing/2014/main" id="{9C59D928-6C88-4E14-9F10-5FE60B0C5C92}"/>
+              </a:ext>
+            </a:extLst>
+          </p:cNvPr>
+          <p:cNvPicPr>
+            <a:picLocks noChangeAspect="1"/>
+          </p:cNvPicPr>
+          <p:nvPr/>
+        </p:nvPicPr>
+        <p:blipFill>
+          <a:blip r:embed="rId2"/>
+          <a:stretch>
+            <a:fillRect/>
+          </a:stretch>
+        </p:blipFill>
+        <p:spPr>
+          <a:xfrm>
+            <a:off x="4943700" y="1895913"/>
+            <a:ext cx="5724300" cy="4324001"/>
+          </a:xfrm>
+          <a:prstGeom prst="rect">
+            <a:avLst/>
+          </a:prstGeom>
+        </p:spPr>
+      </p:pic>
+      <p:sp>
+        <p:nvSpPr>
+          <p:cNvPr id="6" name="TextBox 5">
+            <a:extLst>
+              <a:ext uri="{FF2B5EF4-FFF2-40B4-BE49-F238E27FC236}">
+                <a16:creationId xmlns:a16="http://schemas.microsoft.com/office/drawing/2014/main" id="{16C5BFBB-2B7F-462B-9ABF-7CDF7791959C}"/>
+              </a:ext>
+            </a:extLst>
+          </p:cNvPr>
+          <p:cNvSpPr txBox="1"/>
+          <p:nvPr/>
+        </p:nvSpPr>
+        <p:spPr>
+          <a:xfrm>
+            <a:off x="243281" y="2339485"/>
+            <a:ext cx="4521666" cy="646331"/>
+          </a:xfrm>
+          <a:prstGeom prst="rect">
+            <a:avLst/>
+          </a:prstGeom>
+          <a:noFill/>
+        </p:spPr>
+        <p:txBody>
+          <a:bodyPr wrap="square" rtlCol="0">
+            <a:spAutoFit/>
+          </a:bodyPr>
+          <a:lstStyle/>
+          <a:p>
+            <a:r>
+              <a:rPr lang="en-US" dirty="0"/>
+              <a:t>Khai báo “extern” để compiler </a:t>
+            </a:r>
+            <a:r>
+              <a:rPr lang="en-US" dirty="0" err="1"/>
+              <a:t>không</a:t>
+            </a:r>
+            <a:r>
+              <a:rPr lang="en-US" dirty="0"/>
+              <a:t> báo warning.</a:t>
+            </a:r>
+          </a:p>
+        </p:txBody>
+      </p:sp>
+      <p:cxnSp>
+        <p:nvCxnSpPr>
+          <p:cNvPr id="7" name="Straight Arrow Connector 6">
+            <a:extLst>
+              <a:ext uri="{FF2B5EF4-FFF2-40B4-BE49-F238E27FC236}">
+                <a16:creationId xmlns:a16="http://schemas.microsoft.com/office/drawing/2014/main" id="{BAC6C653-0607-432A-889A-996B831AEB1E}"/>
+              </a:ext>
+            </a:extLst>
+          </p:cNvPr>
+          <p:cNvCxnSpPr>
+            <a:cxnSpLocks/>
+          </p:cNvCxnSpPr>
+          <p:nvPr/>
+        </p:nvCxnSpPr>
+        <p:spPr>
+          <a:xfrm>
+            <a:off x="4389888" y="2785145"/>
+            <a:ext cx="3176982" cy="1006679"/>
+          </a:xfrm>
+          <a:prstGeom prst="straightConnector1">
+            <a:avLst/>
+          </a:prstGeom>
+          <a:ln>
+            <a:solidFill>
+              <a:srgbClr val="FF0000"/>
+            </a:solidFill>
+            <a:tailEnd type="triangle"/>
+          </a:ln>
+        </p:spPr>
+        <p:style>
+          <a:lnRef idx="2">
+            <a:schemeClr val="accent1"/>
+          </a:lnRef>
+          <a:fillRef idx="0">
+            <a:schemeClr val="accent1"/>
+          </a:fillRef>
+          <a:effectRef idx="1">
+            <a:schemeClr val="accent1"/>
+          </a:effectRef>
+          <a:fontRef idx="minor">
+            <a:schemeClr val="tx1"/>
+          </a:fontRef>
+        </p:style>
+      </p:cxnSp>
+    </p:spTree>
+    <p:extLst>
+      <p:ext uri="{BB962C8B-B14F-4D97-AF65-F5344CB8AC3E}">
+        <p14:creationId xmlns:p14="http://schemas.microsoft.com/office/powerpoint/2010/main" val="2472686178"/>
+      </p:ext>
+    </p:extLst>
+  </p:cSld>
+  <p:clrMapOvr>
+    <a:masterClrMapping/>
+  </p:clrMapOvr>
+</p:sld>
+</file>
+
+<file path=ppt/slides/slide36.xml><?xml version="1.0" encoding="utf-8"?>
+<p:sld xmlns:a="http://schemas.openxmlformats.org/drawingml/2006/main" xmlns:r="http://schemas.openxmlformats.org/officeDocument/2006/relationships" xmlns:p="http://schemas.openxmlformats.org/presentationml/2006/main">
+  <p:cSld>
+    <p:spTree>
+      <p:nvGrpSpPr>
+        <p:cNvPr id="1" name=""/>
+        <p:cNvGrpSpPr/>
+        <p:nvPr/>
+      </p:nvGrpSpPr>
+      <p:grpSpPr>
+        <a:xfrm>
+          <a:off x="0" y="0"/>
+          <a:ext cx="0" cy="0"/>
+          <a:chOff x="0" y="0"/>
+          <a:chExt cx="0" cy="0"/>
+        </a:xfrm>
+      </p:grpSpPr>
+      <p:sp>
+        <p:nvSpPr>
+          <p:cNvPr id="2" name="Title 1">
+            <a:extLst>
+              <a:ext uri="{FF2B5EF4-FFF2-40B4-BE49-F238E27FC236}">
+                <a16:creationId xmlns:a16="http://schemas.microsoft.com/office/drawing/2014/main" id="{4A8013B8-CF3E-49D8-97E4-DB68AEBB348A}"/>
+              </a:ext>
+            </a:extLst>
+          </p:cNvPr>
+          <p:cNvSpPr>
+            <a:spLocks noGrp="1"/>
+          </p:cNvSpPr>
+          <p:nvPr>
+            <p:ph type="title"/>
+          </p:nvPr>
+        </p:nvSpPr>
+        <p:spPr/>
+        <p:txBody>
+          <a:bodyPr/>
+          <a:lstStyle/>
+          <a:p>
+            <a:r>
+              <a:rPr lang="en-US" dirty="0"/>
+              <a:t>Debug – view variable</a:t>
+            </a:r>
+          </a:p>
+        </p:txBody>
+      </p:sp>
+      <p:pic>
+        <p:nvPicPr>
+          <p:cNvPr id="5" name="Picture 4">
+            <a:extLst>
+              <a:ext uri="{FF2B5EF4-FFF2-40B4-BE49-F238E27FC236}">
+                <a16:creationId xmlns:a16="http://schemas.microsoft.com/office/drawing/2014/main" id="{FF728B2B-5437-4686-8795-C57B32714131}"/>
+              </a:ext>
+            </a:extLst>
+          </p:cNvPr>
+          <p:cNvPicPr>
+            <a:picLocks noChangeAspect="1"/>
+          </p:cNvPicPr>
+          <p:nvPr/>
+        </p:nvPicPr>
+        <p:blipFill>
+          <a:blip r:embed="rId2"/>
+          <a:stretch>
+            <a:fillRect/>
+          </a:stretch>
+        </p:blipFill>
+        <p:spPr>
+          <a:xfrm>
+            <a:off x="6971250" y="1010218"/>
+            <a:ext cx="3524839" cy="5705877"/>
+          </a:xfrm>
+          <a:prstGeom prst="rect">
+            <a:avLst/>
+          </a:prstGeom>
+        </p:spPr>
+      </p:pic>
+      <p:sp>
+        <p:nvSpPr>
+          <p:cNvPr id="6" name="TextBox 5">
+            <a:extLst>
+              <a:ext uri="{FF2B5EF4-FFF2-40B4-BE49-F238E27FC236}">
+                <a16:creationId xmlns:a16="http://schemas.microsoft.com/office/drawing/2014/main" id="{9FC3C58E-6607-46FB-AE64-73FACB524868}"/>
+              </a:ext>
+            </a:extLst>
+          </p:cNvPr>
+          <p:cNvSpPr txBox="1"/>
+          <p:nvPr/>
+        </p:nvSpPr>
+        <p:spPr>
+          <a:xfrm>
+            <a:off x="939568" y="2391727"/>
+            <a:ext cx="4146607" cy="369332"/>
+          </a:xfrm>
+          <a:prstGeom prst="rect">
+            <a:avLst/>
+          </a:prstGeom>
+          <a:noFill/>
+        </p:spPr>
+        <p:txBody>
+          <a:bodyPr wrap="square" rtlCol="0">
+            <a:spAutoFit/>
+          </a:bodyPr>
+          <a:lstStyle/>
+          <a:p>
+            <a:r>
+              <a:rPr lang="en-US" dirty="0" err="1"/>
+              <a:t>Mở</a:t>
+            </a:r>
+            <a:r>
+              <a:rPr lang="en-US" dirty="0"/>
+              <a:t> </a:t>
+            </a:r>
+            <a:r>
+              <a:rPr lang="en-US" dirty="0" err="1"/>
+              <a:t>cửa</a:t>
+            </a:r>
+            <a:r>
+              <a:rPr lang="en-US" dirty="0"/>
+              <a:t> </a:t>
+            </a:r>
+            <a:r>
+              <a:rPr lang="en-US" dirty="0" err="1"/>
+              <a:t>sổ</a:t>
+            </a:r>
+            <a:r>
+              <a:rPr lang="en-US" dirty="0"/>
+              <a:t> “Expressions”</a:t>
+            </a:r>
+          </a:p>
+        </p:txBody>
+      </p:sp>
+      <p:cxnSp>
+        <p:nvCxnSpPr>
+          <p:cNvPr id="7" name="Straight Arrow Connector 6">
+            <a:extLst>
+              <a:ext uri="{FF2B5EF4-FFF2-40B4-BE49-F238E27FC236}">
+                <a16:creationId xmlns:a16="http://schemas.microsoft.com/office/drawing/2014/main" id="{57F40195-886F-47ED-93D9-AA401B752C0A}"/>
+              </a:ext>
+            </a:extLst>
+          </p:cNvPr>
+          <p:cNvCxnSpPr>
+            <a:cxnSpLocks/>
+          </p:cNvCxnSpPr>
+          <p:nvPr/>
+        </p:nvCxnSpPr>
+        <p:spPr>
+          <a:xfrm>
+            <a:off x="5086175" y="2718033"/>
+            <a:ext cx="3176982" cy="1006679"/>
+          </a:xfrm>
+          <a:prstGeom prst="straightConnector1">
+            <a:avLst/>
+          </a:prstGeom>
+          <a:ln>
+            <a:solidFill>
+              <a:srgbClr val="FF0000"/>
+            </a:solidFill>
+            <a:tailEnd type="triangle"/>
+          </a:ln>
+        </p:spPr>
+        <p:style>
+          <a:lnRef idx="2">
+            <a:schemeClr val="accent1"/>
+          </a:lnRef>
+          <a:fillRef idx="0">
+            <a:schemeClr val="accent1"/>
+          </a:fillRef>
+          <a:effectRef idx="1">
+            <a:schemeClr val="accent1"/>
+          </a:effectRef>
+          <a:fontRef idx="minor">
+            <a:schemeClr val="tx1"/>
+          </a:fontRef>
+        </p:style>
+      </p:cxnSp>
+    </p:spTree>
+    <p:extLst>
+      <p:ext uri="{BB962C8B-B14F-4D97-AF65-F5344CB8AC3E}">
+        <p14:creationId xmlns:p14="http://schemas.microsoft.com/office/powerpoint/2010/main" val="1778018475"/>
+      </p:ext>
+    </p:extLst>
+  </p:cSld>
+  <p:clrMapOvr>
+    <a:masterClrMapping/>
+  </p:clrMapOvr>
+</p:sld>
+</file>
+
+<file path=ppt/slides/slide37.xml><?xml version="1.0" encoding="utf-8"?>
+<p:sld xmlns:a="http://schemas.openxmlformats.org/drawingml/2006/main" xmlns:r="http://schemas.openxmlformats.org/officeDocument/2006/relationships" xmlns:p="http://schemas.openxmlformats.org/presentationml/2006/main">
+  <p:cSld>
+    <p:spTree>
+      <p:nvGrpSpPr>
+        <p:cNvPr id="1" name=""/>
+        <p:cNvGrpSpPr/>
+        <p:nvPr/>
+      </p:nvGrpSpPr>
+      <p:grpSpPr>
+        <a:xfrm>
+          <a:off x="0" y="0"/>
+          <a:ext cx="0" cy="0"/>
+          <a:chOff x="0" y="0"/>
+          <a:chExt cx="0" cy="0"/>
+        </a:xfrm>
+      </p:grpSpPr>
+      <p:sp>
+        <p:nvSpPr>
+          <p:cNvPr id="2" name="Title 1">
+            <a:extLst>
+              <a:ext uri="{FF2B5EF4-FFF2-40B4-BE49-F238E27FC236}">
+                <a16:creationId xmlns:a16="http://schemas.microsoft.com/office/drawing/2014/main" id="{EDF93CA4-27D6-4784-913F-D2240393B651}"/>
+              </a:ext>
+            </a:extLst>
+          </p:cNvPr>
+          <p:cNvSpPr>
+            <a:spLocks noGrp="1"/>
+          </p:cNvSpPr>
+          <p:nvPr>
+            <p:ph type="title"/>
+          </p:nvPr>
+        </p:nvSpPr>
+        <p:spPr/>
+        <p:txBody>
+          <a:bodyPr/>
+          <a:lstStyle/>
+          <a:p>
+            <a:r>
+              <a:rPr lang="en-US" dirty="0"/>
+              <a:t>Debug – view variable</a:t>
+            </a:r>
+          </a:p>
+        </p:txBody>
+      </p:sp>
+      <p:pic>
+        <p:nvPicPr>
+          <p:cNvPr id="5" name="Picture 4">
+            <a:extLst>
+              <a:ext uri="{FF2B5EF4-FFF2-40B4-BE49-F238E27FC236}">
+                <a16:creationId xmlns:a16="http://schemas.microsoft.com/office/drawing/2014/main" id="{AC626EDB-7A74-422C-9C1D-70275EFA4B16}"/>
+              </a:ext>
+            </a:extLst>
+          </p:cNvPr>
+          <p:cNvPicPr>
+            <a:picLocks noChangeAspect="1"/>
+          </p:cNvPicPr>
+          <p:nvPr/>
+        </p:nvPicPr>
+        <p:blipFill>
+          <a:blip r:embed="rId2"/>
+          <a:stretch>
+            <a:fillRect/>
+          </a:stretch>
+        </p:blipFill>
+        <p:spPr>
+          <a:xfrm>
+            <a:off x="4155129" y="1897485"/>
+            <a:ext cx="6431122" cy="3654454"/>
+          </a:xfrm>
+          <a:prstGeom prst="rect">
+            <a:avLst/>
+          </a:prstGeom>
+        </p:spPr>
+      </p:pic>
+      <p:sp>
+        <p:nvSpPr>
+          <p:cNvPr id="6" name="TextBox 5">
+            <a:extLst>
+              <a:ext uri="{FF2B5EF4-FFF2-40B4-BE49-F238E27FC236}">
+                <a16:creationId xmlns:a16="http://schemas.microsoft.com/office/drawing/2014/main" id="{A951B6FE-C01D-4A2E-8641-0ED84D447D38}"/>
+              </a:ext>
+            </a:extLst>
+          </p:cNvPr>
+          <p:cNvSpPr txBox="1"/>
+          <p:nvPr/>
+        </p:nvSpPr>
+        <p:spPr>
+          <a:xfrm>
+            <a:off x="419450" y="2391727"/>
+            <a:ext cx="3254929" cy="646331"/>
+          </a:xfrm>
+          <a:prstGeom prst="rect">
+            <a:avLst/>
+          </a:prstGeom>
+          <a:noFill/>
+        </p:spPr>
+        <p:txBody>
+          <a:bodyPr wrap="square" rtlCol="0">
+            <a:spAutoFit/>
+          </a:bodyPr>
+          <a:lstStyle/>
+          <a:p>
+            <a:r>
+              <a:rPr lang="en-US" dirty="0"/>
+              <a:t>Thêm biến “</a:t>
+            </a:r>
+            <a:r>
+              <a:rPr lang="en-US" dirty="0" err="1"/>
+              <a:t>currTime</a:t>
+            </a:r>
+            <a:r>
+              <a:rPr lang="en-US" dirty="0"/>
+              <a:t>” để </a:t>
+            </a:r>
+            <a:r>
+              <a:rPr lang="en-US" dirty="0" err="1"/>
+              <a:t>theo</a:t>
+            </a:r>
+            <a:r>
+              <a:rPr lang="en-US" dirty="0"/>
+              <a:t> </a:t>
+            </a:r>
+            <a:r>
+              <a:rPr lang="en-US" dirty="0" err="1"/>
+              <a:t>dõi</a:t>
+            </a:r>
+            <a:r>
+              <a:rPr lang="en-US" dirty="0"/>
+              <a:t> giá trị thay đổi khi chạy</a:t>
+            </a:r>
+          </a:p>
+        </p:txBody>
+      </p:sp>
+      <p:cxnSp>
+        <p:nvCxnSpPr>
+          <p:cNvPr id="7" name="Straight Arrow Connector 6">
+            <a:extLst>
+              <a:ext uri="{FF2B5EF4-FFF2-40B4-BE49-F238E27FC236}">
+                <a16:creationId xmlns:a16="http://schemas.microsoft.com/office/drawing/2014/main" id="{8230B6DA-2ECF-4558-AC22-0581A34BCD02}"/>
+              </a:ext>
+            </a:extLst>
+          </p:cNvPr>
+          <p:cNvCxnSpPr>
+            <a:cxnSpLocks/>
+          </p:cNvCxnSpPr>
+          <p:nvPr/>
+        </p:nvCxnSpPr>
+        <p:spPr>
+          <a:xfrm>
+            <a:off x="3674378" y="2576393"/>
+            <a:ext cx="2573344" cy="318673"/>
+          </a:xfrm>
+          <a:prstGeom prst="straightConnector1">
+            <a:avLst/>
+          </a:prstGeom>
+          <a:ln>
+            <a:solidFill>
+              <a:srgbClr val="FF0000"/>
+            </a:solidFill>
+            <a:tailEnd type="triangle"/>
+          </a:ln>
+        </p:spPr>
+        <p:style>
+          <a:lnRef idx="2">
+            <a:schemeClr val="accent1"/>
+          </a:lnRef>
+          <a:fillRef idx="0">
+            <a:schemeClr val="accent1"/>
+          </a:fillRef>
+          <a:effectRef idx="1">
+            <a:schemeClr val="accent1"/>
+          </a:effectRef>
+          <a:fontRef idx="minor">
+            <a:schemeClr val="tx1"/>
+          </a:fontRef>
+        </p:style>
+      </p:cxnSp>
+    </p:spTree>
+    <p:extLst>
+      <p:ext uri="{BB962C8B-B14F-4D97-AF65-F5344CB8AC3E}">
+        <p14:creationId xmlns:p14="http://schemas.microsoft.com/office/powerpoint/2010/main" val="2468778171"/>
+      </p:ext>
+    </p:extLst>
+  </p:cSld>
+  <p:clrMapOvr>
+    <a:masterClrMapping/>
+  </p:clrMapOvr>
+</p:sld>
+</file>
+
+<file path=ppt/slides/slide38.xml><?xml version="1.0" encoding="utf-8"?>
+<p:sld xmlns:a="http://schemas.openxmlformats.org/drawingml/2006/main" xmlns:r="http://schemas.openxmlformats.org/officeDocument/2006/relationships" xmlns:p="http://schemas.openxmlformats.org/presentationml/2006/main">
+  <p:cSld>
+    <p:spTree>
+      <p:nvGrpSpPr>
+        <p:cNvPr id="1" name=""/>
+        <p:cNvGrpSpPr/>
+        <p:nvPr/>
+      </p:nvGrpSpPr>
+      <p:grpSpPr>
+        <a:xfrm>
+          <a:off x="0" y="0"/>
+          <a:ext cx="0" cy="0"/>
+          <a:chOff x="0" y="0"/>
+          <a:chExt cx="0" cy="0"/>
+        </a:xfrm>
+      </p:grpSpPr>
+      <p:sp>
+        <p:nvSpPr>
+          <p:cNvPr id="10242" name="Title 1">
+            <a:extLst>
+              <a:ext uri="{FF2B5EF4-FFF2-40B4-BE49-F238E27FC236}">
+                <a16:creationId xmlns:a16="http://schemas.microsoft.com/office/drawing/2014/main" id="{5D170F9D-DCE6-4EA7-BF52-966E9A9875BD}"/>
+              </a:ext>
+            </a:extLst>
+          </p:cNvPr>
+          <p:cNvSpPr>
+            <a:spLocks noGrp="1" noChangeArrowheads="1"/>
+          </p:cNvSpPr>
+          <p:nvPr>
+            <p:ph type="ctrTitle"/>
+          </p:nvPr>
+        </p:nvSpPr>
+        <p:spPr/>
+        <p:txBody>
+          <a:bodyPr/>
+          <a:lstStyle/>
+          <a:p>
+            <a:pPr algn="ctr"/>
+            <a:r>
+              <a:rPr lang="en-US" altLang="en-US" dirty="0"/>
+              <a:t>Question ?</a:t>
+            </a:r>
+          </a:p>
+        </p:txBody>
+      </p:sp>
+      <p:sp>
+        <p:nvSpPr>
+          <p:cNvPr id="10243" name="Subtitle 2">
+            <a:extLst>
+              <a:ext uri="{FF2B5EF4-FFF2-40B4-BE49-F238E27FC236}">
+                <a16:creationId xmlns:a16="http://schemas.microsoft.com/office/drawing/2014/main" id="{8F8915E4-1EDB-4D7A-A9C2-4AD2BFC7AA75}"/>
+              </a:ext>
+            </a:extLst>
+          </p:cNvPr>
+          <p:cNvSpPr>
+            <a:spLocks noGrp="1" noChangeArrowheads="1"/>
+          </p:cNvSpPr>
+          <p:nvPr>
+            <p:ph type="subTitle" idx="1"/>
+          </p:nvPr>
+        </p:nvSpPr>
+        <p:spPr/>
+        <p:txBody>
+          <a:bodyPr/>
+          <a:lstStyle/>
+          <a:p>
+            <a:endParaRPr lang="en-US" altLang="en-US" dirty="0"/>
+          </a:p>
+        </p:txBody>
+      </p:sp>
+    </p:spTree>
   </p:cSld>
   <p:clrMapOvr>
     <a:masterClrMapping/>

--- a/04. Slides/02. STM32 & CubeIDE/Development Guide STM32.pptx
+++ b/04. Slides/02. STM32 & CubeIDE/Development Guide STM32.pptx
@@ -43,7 +43,9 @@
     <p:sldId id="453" r:id="rId37"/>
     <p:sldId id="455" r:id="rId38"/>
     <p:sldId id="456" r:id="rId39"/>
-    <p:sldId id="409" r:id="rId40"/>
+    <p:sldId id="457" r:id="rId40"/>
+    <p:sldId id="458" r:id="rId41"/>
+    <p:sldId id="409" r:id="rId42"/>
   </p:sldIdLst>
   <p:sldSz cx="12192000" cy="6858000"/>
   <p:notesSz cx="6858000" cy="9144000"/>
@@ -18506,7 +18508,7 @@
         <p:spPr>
           <a:xfrm>
             <a:off x="243281" y="2339485"/>
-            <a:ext cx="4521666" cy="646331"/>
+            <a:ext cx="4521666" cy="2308324"/>
           </a:xfrm>
           <a:prstGeom prst="rect">
             <a:avLst/>
@@ -18547,6 +18549,88 @@
               <a:rPr lang="en-US" dirty="0"/>
               <a:t> main()</a:t>
             </a:r>
+          </a:p>
+          <a:p>
+            <a:endParaRPr lang="en-US" dirty="0"/>
+          </a:p>
+          <a:p>
+            <a:r>
+              <a:rPr lang="en-US" dirty="0"/>
+              <a:t>Source code thêm vào phải nằm trong USER CODE BEGIN / END</a:t>
+            </a:r>
+          </a:p>
+          <a:p>
+            <a:pPr algn="l"/>
+            <a:r>
+              <a:rPr lang="en-US" sz="1800" dirty="0">
+                <a:solidFill>
+                  <a:srgbClr val="000000"/>
+                </a:solidFill>
+                <a:latin typeface="Consolas" panose="020B0609020204030204" pitchFamily="49" charset="0"/>
+              </a:rPr>
+              <a:t> </a:t>
+            </a:r>
+            <a:r>
+              <a:rPr lang="en-US" sz="1800" dirty="0">
+                <a:solidFill>
+                  <a:srgbClr val="3F7F5F"/>
+                </a:solidFill>
+                <a:latin typeface="Consolas" panose="020B0609020204030204" pitchFamily="49" charset="0"/>
+              </a:rPr>
+              <a:t>/* USER CODE BEGIN 2 */</a:t>
+            </a:r>
+          </a:p>
+          <a:p>
+            <a:pPr algn="l"/>
+            <a:r>
+              <a:rPr lang="en-US" sz="1800" dirty="0">
+                <a:solidFill>
+                  <a:srgbClr val="000000"/>
+                </a:solidFill>
+                <a:latin typeface="Consolas" panose="020B0609020204030204" pitchFamily="49" charset="0"/>
+              </a:rPr>
+              <a:t>  </a:t>
+            </a:r>
+            <a:r>
+              <a:rPr lang="en-US" sz="1800" dirty="0" err="1">
+                <a:solidFill>
+                  <a:srgbClr val="000000"/>
+                </a:solidFill>
+                <a:latin typeface="Consolas" panose="020B0609020204030204" pitchFamily="49" charset="0"/>
+              </a:rPr>
+              <a:t>sw_rtc_app_run</a:t>
+            </a:r>
+            <a:r>
+              <a:rPr lang="en-US" sz="1800" dirty="0">
+                <a:solidFill>
+                  <a:srgbClr val="000000"/>
+                </a:solidFill>
+                <a:latin typeface="Consolas" panose="020B0609020204030204" pitchFamily="49" charset="0"/>
+              </a:rPr>
+              <a:t>();</a:t>
+            </a:r>
+          </a:p>
+          <a:p>
+            <a:pPr algn="l"/>
+            <a:r>
+              <a:rPr lang="en-US" sz="1800" dirty="0">
+                <a:solidFill>
+                  <a:srgbClr val="000000"/>
+                </a:solidFill>
+                <a:latin typeface="Consolas" panose="020B0609020204030204" pitchFamily="49" charset="0"/>
+              </a:rPr>
+              <a:t>  </a:t>
+            </a:r>
+            <a:r>
+              <a:rPr lang="en-US" sz="1800" dirty="0">
+                <a:solidFill>
+                  <a:srgbClr val="3F7F5F"/>
+                </a:solidFill>
+                <a:latin typeface="Consolas" panose="020B0609020204030204" pitchFamily="49" charset="0"/>
+              </a:rPr>
+              <a:t>/* USER CODE END 2 */</a:t>
+            </a:r>
+            <a:endParaRPr lang="en-US" dirty="0"/>
           </a:p>
         </p:txBody>
       </p:sp>
@@ -18567,8 +18651,8 @@
         </p:nvCxnSpPr>
         <p:spPr>
           <a:xfrm>
-            <a:off x="4764947" y="2662651"/>
-            <a:ext cx="2751589" cy="994949"/>
+            <a:off x="4764947" y="3493647"/>
+            <a:ext cx="2751589" cy="163953"/>
           </a:xfrm>
           <a:prstGeom prst="straightConnector1">
             <a:avLst/>
@@ -19184,18 +19268,18 @@
       </p:grpSpPr>
       <p:sp>
         <p:nvSpPr>
-          <p:cNvPr id="10242" name="Title 1">
+          <p:cNvPr id="2" name="Title 1">
             <a:extLst>
               <a:ext uri="{FF2B5EF4-FFF2-40B4-BE49-F238E27FC236}">
-                <a16:creationId xmlns:a16="http://schemas.microsoft.com/office/drawing/2014/main" id="{5D170F9D-DCE6-4EA7-BF52-966E9A9875BD}"/>
+                <a16:creationId xmlns:a16="http://schemas.microsoft.com/office/drawing/2014/main" id="{0F275FE0-2A72-49E5-A60F-BC7C232CF23C}"/>
               </a:ext>
             </a:extLst>
           </p:cNvPr>
           <p:cNvSpPr>
-            <a:spLocks noGrp="1" noChangeArrowheads="1"/>
+            <a:spLocks noGrp="1"/>
           </p:cNvSpPr>
           <p:nvPr>
-            <p:ph type="ctrTitle"/>
+            <p:ph type="title"/>
           </p:nvPr>
         </p:nvSpPr>
         <p:spPr/>
@@ -19203,28 +19287,83 @@
           <a:bodyPr/>
           <a:lstStyle/>
           <a:p>
-            <a:pPr algn="ctr"/>
-            <a:r>
-              <a:rPr lang="en-US" altLang="en-US" dirty="0"/>
-              <a:t>Question ?</a:t>
-            </a:r>
+            <a:endParaRPr lang="en-US"/>
           </a:p>
         </p:txBody>
       </p:sp>
+      <p:pic>
+        <p:nvPicPr>
+          <p:cNvPr id="5" name="Content Placeholder 4">
+            <a:extLst>
+              <a:ext uri="{FF2B5EF4-FFF2-40B4-BE49-F238E27FC236}">
+                <a16:creationId xmlns:a16="http://schemas.microsoft.com/office/drawing/2014/main" id="{DC9EC413-5A1F-4DCD-8E79-0D010BB50D02}"/>
+              </a:ext>
+            </a:extLst>
+          </p:cNvPr>
+          <p:cNvPicPr>
+            <a:picLocks noGrp="1" noChangeAspect="1"/>
+          </p:cNvPicPr>
+          <p:nvPr>
+            <p:ph idx="1"/>
+          </p:nvPr>
+        </p:nvPicPr>
+        <p:blipFill>
+          <a:blip r:embed="rId2"/>
+          <a:stretch>
+            <a:fillRect/>
+          </a:stretch>
+        </p:blipFill>
+        <p:spPr>
+          <a:xfrm>
+            <a:off x="4501679" y="1912210"/>
+            <a:ext cx="6527459" cy="4411662"/>
+          </a:xfrm>
+        </p:spPr>
+      </p:pic>
+    </p:spTree>
+    <p:extLst>
+      <p:ext uri="{BB962C8B-B14F-4D97-AF65-F5344CB8AC3E}">
+        <p14:creationId xmlns:p14="http://schemas.microsoft.com/office/powerpoint/2010/main" val="4277163000"/>
+      </p:ext>
+    </p:extLst>
+  </p:cSld>
+  <p:clrMapOvr>
+    <a:masterClrMapping/>
+  </p:clrMapOvr>
+</p:sld>
+</file>
+
+<file path=ppt/slides/slide39.xml><?xml version="1.0" encoding="utf-8"?>
+<p:sld xmlns:a="http://schemas.openxmlformats.org/drawingml/2006/main" xmlns:r="http://schemas.openxmlformats.org/officeDocument/2006/relationships" xmlns:p="http://schemas.openxmlformats.org/presentationml/2006/main">
+  <p:cSld>
+    <p:spTree>
+      <p:nvGrpSpPr>
+        <p:cNvPr id="1" name=""/>
+        <p:cNvGrpSpPr/>
+        <p:nvPr/>
+      </p:nvGrpSpPr>
+      <p:grpSpPr>
+        <a:xfrm>
+          <a:off x="0" y="0"/>
+          <a:ext cx="0" cy="0"/>
+          <a:chOff x="0" y="0"/>
+          <a:chExt cx="0" cy="0"/>
+        </a:xfrm>
+      </p:grpSpPr>
       <p:sp>
         <p:nvSpPr>
-          <p:cNvPr id="10243" name="Subtitle 2">
+          <p:cNvPr id="2" name="Title 1">
             <a:extLst>
               <a:ext uri="{FF2B5EF4-FFF2-40B4-BE49-F238E27FC236}">
-                <a16:creationId xmlns:a16="http://schemas.microsoft.com/office/drawing/2014/main" id="{8F8915E4-1EDB-4D7A-A9C2-4AD2BFC7AA75}"/>
+                <a16:creationId xmlns:a16="http://schemas.microsoft.com/office/drawing/2014/main" id="{5E040704-3372-4EFE-B070-56FA46D75483}"/>
               </a:ext>
             </a:extLst>
           </p:cNvPr>
           <p:cNvSpPr>
-            <a:spLocks noGrp="1" noChangeArrowheads="1"/>
+            <a:spLocks noGrp="1"/>
           </p:cNvSpPr>
           <p:nvPr>
-            <p:ph type="subTitle" idx="1"/>
+            <p:ph type="title"/>
           </p:nvPr>
         </p:nvSpPr>
         <p:spPr/>
@@ -19232,11 +19371,75 @@
           <a:bodyPr/>
           <a:lstStyle/>
           <a:p>
-            <a:endParaRPr lang="en-US" altLang="en-US" dirty="0"/>
+            <a:endParaRPr lang="en-US"/>
           </a:p>
         </p:txBody>
       </p:sp>
+      <p:pic>
+        <p:nvPicPr>
+          <p:cNvPr id="5" name="Content Placeholder 4">
+            <a:extLst>
+              <a:ext uri="{FF2B5EF4-FFF2-40B4-BE49-F238E27FC236}">
+                <a16:creationId xmlns:a16="http://schemas.microsoft.com/office/drawing/2014/main" id="{43D56F4C-5EA3-4E48-B8F5-C43BB09064C7}"/>
+              </a:ext>
+            </a:extLst>
+          </p:cNvPr>
+          <p:cNvPicPr>
+            <a:picLocks noGrp="1" noChangeAspect="1"/>
+          </p:cNvPicPr>
+          <p:nvPr>
+            <p:ph idx="1"/>
+          </p:nvPr>
+        </p:nvPicPr>
+        <p:blipFill>
+          <a:blip r:embed="rId2"/>
+          <a:stretch>
+            <a:fillRect/>
+          </a:stretch>
+        </p:blipFill>
+        <p:spPr>
+          <a:xfrm>
+            <a:off x="999318" y="1817352"/>
+            <a:ext cx="2702431" cy="4411662"/>
+          </a:xfrm>
+        </p:spPr>
+      </p:pic>
+      <p:pic>
+        <p:nvPicPr>
+          <p:cNvPr id="7" name="Picture 6">
+            <a:extLst>
+              <a:ext uri="{FF2B5EF4-FFF2-40B4-BE49-F238E27FC236}">
+                <a16:creationId xmlns:a16="http://schemas.microsoft.com/office/drawing/2014/main" id="{8BA49C5E-ED5E-47AF-9ECC-DD26F1B434EA}"/>
+              </a:ext>
+            </a:extLst>
+          </p:cNvPr>
+          <p:cNvPicPr>
+            <a:picLocks noChangeAspect="1"/>
+          </p:cNvPicPr>
+          <p:nvPr/>
+        </p:nvPicPr>
+        <p:blipFill>
+          <a:blip r:embed="rId3"/>
+          <a:stretch>
+            <a:fillRect/>
+          </a:stretch>
+        </p:blipFill>
+        <p:spPr>
+          <a:xfrm>
+            <a:off x="5362181" y="2187574"/>
+            <a:ext cx="5742405" cy="4041440"/>
+          </a:xfrm>
+          <a:prstGeom prst="rect">
+            <a:avLst/>
+          </a:prstGeom>
+        </p:spPr>
+      </p:pic>
     </p:spTree>
+    <p:extLst>
+      <p:ext uri="{BB962C8B-B14F-4D97-AF65-F5344CB8AC3E}">
+        <p14:creationId xmlns:p14="http://schemas.microsoft.com/office/powerpoint/2010/main" val="3559739458"/>
+      </p:ext>
+    </p:extLst>
   </p:cSld>
   <p:clrMapOvr>
     <a:masterClrMapping/>
@@ -19346,6 +19549,85 @@
         <p14:creationId xmlns:p14="http://schemas.microsoft.com/office/powerpoint/2010/main" val="1281517580"/>
       </p:ext>
     </p:extLst>
+  </p:cSld>
+  <p:clrMapOvr>
+    <a:masterClrMapping/>
+  </p:clrMapOvr>
+</p:sld>
+</file>
+
+<file path=ppt/slides/slide40.xml><?xml version="1.0" encoding="utf-8"?>
+<p:sld xmlns:a="http://schemas.openxmlformats.org/drawingml/2006/main" xmlns:r="http://schemas.openxmlformats.org/officeDocument/2006/relationships" xmlns:p="http://schemas.openxmlformats.org/presentationml/2006/main">
+  <p:cSld>
+    <p:spTree>
+      <p:nvGrpSpPr>
+        <p:cNvPr id="1" name=""/>
+        <p:cNvGrpSpPr/>
+        <p:nvPr/>
+      </p:nvGrpSpPr>
+      <p:grpSpPr>
+        <a:xfrm>
+          <a:off x="0" y="0"/>
+          <a:ext cx="0" cy="0"/>
+          <a:chOff x="0" y="0"/>
+          <a:chExt cx="0" cy="0"/>
+        </a:xfrm>
+      </p:grpSpPr>
+      <p:sp>
+        <p:nvSpPr>
+          <p:cNvPr id="10242" name="Title 1">
+            <a:extLst>
+              <a:ext uri="{FF2B5EF4-FFF2-40B4-BE49-F238E27FC236}">
+                <a16:creationId xmlns:a16="http://schemas.microsoft.com/office/drawing/2014/main" id="{5D170F9D-DCE6-4EA7-BF52-966E9A9875BD}"/>
+              </a:ext>
+            </a:extLst>
+          </p:cNvPr>
+          <p:cNvSpPr>
+            <a:spLocks noGrp="1" noChangeArrowheads="1"/>
+          </p:cNvSpPr>
+          <p:nvPr>
+            <p:ph type="ctrTitle"/>
+          </p:nvPr>
+        </p:nvSpPr>
+        <p:spPr/>
+        <p:txBody>
+          <a:bodyPr/>
+          <a:lstStyle/>
+          <a:p>
+            <a:pPr algn="ctr"/>
+            <a:r>
+              <a:rPr lang="en-US" altLang="en-US" dirty="0"/>
+              <a:t>Question ?</a:t>
+            </a:r>
+          </a:p>
+        </p:txBody>
+      </p:sp>
+      <p:sp>
+        <p:nvSpPr>
+          <p:cNvPr id="10243" name="Subtitle 2">
+            <a:extLst>
+              <a:ext uri="{FF2B5EF4-FFF2-40B4-BE49-F238E27FC236}">
+                <a16:creationId xmlns:a16="http://schemas.microsoft.com/office/drawing/2014/main" id="{8F8915E4-1EDB-4D7A-A9C2-4AD2BFC7AA75}"/>
+              </a:ext>
+            </a:extLst>
+          </p:cNvPr>
+          <p:cNvSpPr>
+            <a:spLocks noGrp="1" noChangeArrowheads="1"/>
+          </p:cNvSpPr>
+          <p:nvPr>
+            <p:ph type="subTitle" idx="1"/>
+          </p:nvPr>
+        </p:nvSpPr>
+        <p:spPr/>
+        <p:txBody>
+          <a:bodyPr/>
+          <a:lstStyle/>
+          <a:p>
+            <a:endParaRPr lang="en-US" altLang="en-US" dirty="0"/>
+          </a:p>
+        </p:txBody>
+      </p:sp>
+    </p:spTree>
   </p:cSld>
   <p:clrMapOvr>
     <a:masterClrMapping/>

--- a/04. Slides/02. STM32 & CubeIDE/Development Guide STM32.pptx
+++ b/04. Slides/02. STM32 & CubeIDE/Development Guide STM32.pptx
@@ -15097,7 +15097,7 @@
             </a:r>
             <a:r>
               <a:rPr lang="en-US" dirty="0"/>
-              <a:t> viện: LL </a:t>
+              <a:t> viện: </a:t>
             </a:r>
           </a:p>
           <a:p>
@@ -15106,7 +15106,16 @@
             </a:pPr>
             <a:r>
               <a:rPr lang="en-US" dirty="0"/>
-              <a:t>(Low Level Library)</a:t>
+              <a:t>LL  (Low Level Library)</a:t>
+            </a:r>
+          </a:p>
+          <a:p>
+            <a:pPr marL="0" indent="0">
+              <a:buNone/>
+            </a:pPr>
+            <a:r>
+              <a:rPr lang="en-US" dirty="0"/>
+              <a:t>HAL ( Hardware Abstract Layer)</a:t>
             </a:r>
           </a:p>
         </p:txBody>
@@ -17391,7 +17400,7 @@
           <a:p>
             <a:r>
               <a:rPr lang="en-US" dirty="0"/>
-              <a:t>Visual Code</a:t>
+              <a:t>Visual Studio Code</a:t>
             </a:r>
           </a:p>
           <a:p>
